--- a/Доклад_Снифферы.pptx
+++ b/Доклад_Снифферы.pptx
@@ -5,10 +5,10 @@
     <p:sldMasterId id="2147483648" r:id="rId1"/>
   </p:sldMasterIdLst>
   <p:notesMasterIdLst>
-    <p:notesMasterId r:id="rId21"/>
+    <p:notesMasterId r:id="rId26"/>
   </p:notesMasterIdLst>
   <p:handoutMasterIdLst>
-    <p:handoutMasterId r:id="rId22"/>
+    <p:handoutMasterId r:id="rId27"/>
   </p:handoutMasterIdLst>
   <p:sldIdLst>
     <p:sldId id="256" r:id="rId2"/>
@@ -28,13 +28,18 @@
     <p:sldId id="275" r:id="rId16"/>
     <p:sldId id="277" r:id="rId17"/>
     <p:sldId id="276" r:id="rId18"/>
-    <p:sldId id="278" r:id="rId19"/>
-    <p:sldId id="260" r:id="rId20"/>
+    <p:sldId id="279" r:id="rId19"/>
+    <p:sldId id="280" r:id="rId20"/>
+    <p:sldId id="278" r:id="rId21"/>
+    <p:sldId id="281" r:id="rId22"/>
+    <p:sldId id="282" r:id="rId23"/>
+    <p:sldId id="283" r:id="rId24"/>
+    <p:sldId id="260" r:id="rId25"/>
   </p:sldIdLst>
   <p:sldSz cx="9144000" cy="6858000" type="screen4x3"/>
   <p:notesSz cx="6858000" cy="9144000"/>
   <p:custDataLst>
-    <p:tags r:id="rId23"/>
+    <p:tags r:id="rId28"/>
   </p:custDataLst>
   <p:defaultTextStyle>
     <a:defPPr>
@@ -246,7 +251,7 @@
           <a:p>
             <a:fld id="{886663A1-BE93-4F19-BCAE-33E954C20B2B}" type="datetimeFigureOut">
               <a:rPr lang="ru-RU" smtClean="0"/>
-              <a:t>15.05.2023</a:t>
+              <a:t>17.05.2023</a:t>
             </a:fld>
             <a:endParaRPr lang="ru-RU"/>
           </a:p>
@@ -411,7 +416,7 @@
           <a:p>
             <a:fld id="{E90C0431-2448-4DC3-AF70-2785FBE2C445}" type="datetimeFigureOut">
               <a:rPr lang="ru-RU" smtClean="0"/>
-              <a:t>15.05.2023</a:t>
+              <a:t>17.05.2023</a:t>
             </a:fld>
             <a:endParaRPr lang="ru-RU"/>
           </a:p>
@@ -898,7 +903,7 @@
             <a:fld id="{A5E48A96-E1BB-4C8F-80B2-32A47A48A9D5}" type="datetimeFigureOut">
               <a:rPr lang="ru-RU" smtClean="0"/>
               <a:pPr/>
-              <a:t>15.05.2023</a:t>
+              <a:t>17.05.2023</a:t>
             </a:fld>
             <a:endParaRPr lang="ru-RU"/>
           </a:p>
@@ -1181,7 +1186,7 @@
             <a:fld id="{A5E48A96-E1BB-4C8F-80B2-32A47A48A9D5}" type="datetimeFigureOut">
               <a:rPr lang="ru-RU" smtClean="0"/>
               <a:pPr/>
-              <a:t>15.05.2023</a:t>
+              <a:t>17.05.2023</a:t>
             </a:fld>
             <a:endParaRPr lang="ru-RU"/>
           </a:p>
@@ -1477,7 +1482,7 @@
             <a:fld id="{A5E48A96-E1BB-4C8F-80B2-32A47A48A9D5}" type="datetimeFigureOut">
               <a:rPr lang="ru-RU" smtClean="0"/>
               <a:pPr/>
-              <a:t>15.05.2023</a:t>
+              <a:t>17.05.2023</a:t>
             </a:fld>
             <a:endParaRPr lang="ru-RU"/>
           </a:p>
@@ -1644,7 +1649,7 @@
             <a:fld id="{A5E48A96-E1BB-4C8F-80B2-32A47A48A9D5}" type="datetimeFigureOut">
               <a:rPr lang="ru-RU" smtClean="0"/>
               <a:pPr/>
-              <a:t>15.05.2023</a:t>
+              <a:t>17.05.2023</a:t>
             </a:fld>
             <a:endParaRPr lang="ru-RU"/>
           </a:p>
@@ -2341,7 +2346,7 @@
             <a:fld id="{A5E48A96-E1BB-4C8F-80B2-32A47A48A9D5}" type="datetimeFigureOut">
               <a:rPr lang="ru-RU" smtClean="0"/>
               <a:pPr/>
-              <a:t>15.05.2023</a:t>
+              <a:t>17.05.2023</a:t>
             </a:fld>
             <a:endParaRPr lang="ru-RU"/>
           </a:p>
@@ -2644,7 +2649,7 @@
             <a:fld id="{A5E48A96-E1BB-4C8F-80B2-32A47A48A9D5}" type="datetimeFigureOut">
               <a:rPr lang="ru-RU" smtClean="0"/>
               <a:pPr/>
-              <a:t>15.05.2023</a:t>
+              <a:t>17.05.2023</a:t>
             </a:fld>
             <a:endParaRPr lang="ru-RU"/>
           </a:p>
@@ -3213,7 +3218,7 @@
             <a:fld id="{A5E48A96-E1BB-4C8F-80B2-32A47A48A9D5}" type="datetimeFigureOut">
               <a:rPr lang="ru-RU" smtClean="0"/>
               <a:pPr/>
-              <a:t>15.05.2023</a:t>
+              <a:t>17.05.2023</a:t>
             </a:fld>
             <a:endParaRPr lang="ru-RU"/>
           </a:p>
@@ -3405,7 +3410,7 @@
             <a:fld id="{A5E48A96-E1BB-4C8F-80B2-32A47A48A9D5}" type="datetimeFigureOut">
               <a:rPr lang="ru-RU" smtClean="0"/>
               <a:pPr/>
-              <a:t>15.05.2023</a:t>
+              <a:t>17.05.2023</a:t>
             </a:fld>
             <a:endParaRPr lang="ru-RU"/>
           </a:p>
@@ -3554,7 +3559,7 @@
             <a:fld id="{A5E48A96-E1BB-4C8F-80B2-32A47A48A9D5}" type="datetimeFigureOut">
               <a:rPr lang="ru-RU" smtClean="0"/>
               <a:pPr/>
-              <a:t>15.05.2023</a:t>
+              <a:t>17.05.2023</a:t>
             </a:fld>
             <a:endParaRPr lang="ru-RU"/>
           </a:p>
@@ -3934,7 +3939,7 @@
             <a:fld id="{A5E48A96-E1BB-4C8F-80B2-32A47A48A9D5}" type="datetimeFigureOut">
               <a:rPr lang="ru-RU" smtClean="0"/>
               <a:pPr/>
-              <a:t>15.05.2023</a:t>
+              <a:t>17.05.2023</a:t>
             </a:fld>
             <a:endParaRPr lang="ru-RU"/>
           </a:p>
@@ -4262,7 +4267,7 @@
             <a:fld id="{A5E48A96-E1BB-4C8F-80B2-32A47A48A9D5}" type="datetimeFigureOut">
               <a:rPr lang="ru-RU" smtClean="0"/>
               <a:pPr/>
-              <a:t>15.05.2023</a:t>
+              <a:t>17.05.2023</a:t>
             </a:fld>
             <a:endParaRPr lang="ru-RU"/>
           </a:p>
@@ -4527,7 +4532,7 @@
             <a:fld id="{A5E48A96-E1BB-4C8F-80B2-32A47A48A9D5}" type="datetimeFigureOut">
               <a:rPr lang="ru-RU" smtClean="0"/>
               <a:pPr/>
-              <a:t>15.05.2023</a:t>
+              <a:t>17.05.2023</a:t>
             </a:fld>
             <a:endParaRPr lang="ru-RU"/>
           </a:p>
@@ -6325,35 +6330,46 @@
             <p:ph idx="1"/>
           </p:nvPr>
         </p:nvSpPr>
-        <p:spPr/>
+        <p:spPr>
+          <a:xfrm>
+            <a:off x="179512" y="1772816"/>
+            <a:ext cx="8784976" cy="4176464"/>
+          </a:xfrm>
+        </p:spPr>
+        <p:txBody>
+          <a:bodyPr>
+            <a:normAutofit/>
+          </a:bodyPr>
+          <a:lstStyle/>
+          <a:p>
+            <a:r>
+              <a:rPr lang="ru-RU" sz="2400" dirty="0" smtClean="0"/>
+              <a:t>Нарушение безопасной клиент серверной архитектуры</a:t>
+            </a:r>
+            <a:endParaRPr lang="ru-RU" sz="2400" dirty="0"/>
+          </a:p>
+        </p:txBody>
+      </p:sp>
+      <p:sp>
+        <p:nvSpPr>
+          <p:cNvPr id="3" name="Заголовок 2"/>
+          <p:cNvSpPr>
+            <a:spLocks noGrp="1"/>
+          </p:cNvSpPr>
+          <p:nvPr>
+            <p:ph type="title"/>
+          </p:nvPr>
+        </p:nvSpPr>
+        <p:spPr>
+          <a:xfrm>
+            <a:off x="1169876" y="188640"/>
+            <a:ext cx="6804248" cy="1150897"/>
+          </a:xfrm>
+        </p:spPr>
         <p:txBody>
           <a:bodyPr/>
           <a:lstStyle/>
           <a:p>
-            <a:endParaRPr lang="ru-RU"/>
-          </a:p>
-        </p:txBody>
-      </p:sp>
-      <p:sp>
-        <p:nvSpPr>
-          <p:cNvPr id="3" name="Заголовок 2"/>
-          <p:cNvSpPr>
-            <a:spLocks noGrp="1"/>
-          </p:cNvSpPr>
-          <p:nvPr>
-            <p:ph type="title"/>
-          </p:nvPr>
-        </p:nvSpPr>
-        <p:spPr>
-          <a:xfrm>
-            <a:off x="1169876" y="188640"/>
-            <a:ext cx="6804248" cy="1150897"/>
-          </a:xfrm>
-        </p:spPr>
-        <p:txBody>
-          <a:bodyPr/>
-          <a:lstStyle/>
-          <a:p>
             <a:r>
               <a:rPr lang="ru-RU" dirty="0" smtClean="0"/>
               <a:t>Что пошло не так?</a:t>
@@ -6362,6 +6378,47 @@
           </a:p>
         </p:txBody>
       </p:sp>
+      <p:pic>
+        <p:nvPicPr>
+          <p:cNvPr id="1030" name="Picture 6" descr="Best practices для клиент-серверного проекта PoC / Хабр"/>
+          <p:cNvPicPr>
+            <a:picLocks noChangeAspect="1" noChangeArrowheads="1"/>
+          </p:cNvPicPr>
+          <p:nvPr/>
+        </p:nvPicPr>
+        <p:blipFill>
+          <a:blip r:embed="rId2">
+            <a:extLst>
+              <a:ext uri="{28A0092B-C50C-407E-A947-70E740481C1C}">
+                <a14:useLocalDpi xmlns:a14="http://schemas.microsoft.com/office/drawing/2010/main" val="0"/>
+              </a:ext>
+            </a:extLst>
+          </a:blip>
+          <a:srcRect/>
+          <a:stretch>
+            <a:fillRect/>
+          </a:stretch>
+        </p:blipFill>
+        <p:spPr bwMode="auto">
+          <a:xfrm>
+            <a:off x="809836" y="2348880"/>
+            <a:ext cx="7524328" cy="3802493"/>
+          </a:xfrm>
+          <a:prstGeom prst="rect">
+            <a:avLst/>
+          </a:prstGeom>
+          <a:noFill/>
+          <a:extLst>
+            <a:ext uri="{909E8E84-426E-40DD-AFC4-6F175D3DCCD1}">
+              <a14:hiddenFill xmlns:a14="http://schemas.microsoft.com/office/drawing/2010/main">
+                <a:solidFill>
+                  <a:srgbClr val="FFFFFF"/>
+                </a:solidFill>
+              </a14:hiddenFill>
+            </a:ext>
+          </a:extLst>
+        </p:spPr>
+      </p:pic>
     </p:spTree>
     <p:extLst>
       <p:ext uri="{BB962C8B-B14F-4D97-AF65-F5344CB8AC3E}">
@@ -6413,25 +6470,6 @@
       </p:grpSpPr>
       <p:sp>
         <p:nvSpPr>
-          <p:cNvPr id="2" name="Объект 1"/>
-          <p:cNvSpPr>
-            <a:spLocks noGrp="1"/>
-          </p:cNvSpPr>
-          <p:nvPr>
-            <p:ph idx="1"/>
-          </p:nvPr>
-        </p:nvSpPr>
-        <p:spPr/>
-        <p:txBody>
-          <a:bodyPr/>
-          <a:lstStyle/>
-          <a:p>
-            <a:endParaRPr lang="ru-RU" dirty="0"/>
-          </a:p>
-        </p:txBody>
-      </p:sp>
-      <p:sp>
-        <p:nvSpPr>
           <p:cNvPr id="3" name="Заголовок 2"/>
           <p:cNvSpPr>
             <a:spLocks noGrp="1"/>
@@ -6468,6 +6506,30 @@
           </a:p>
         </p:txBody>
       </p:sp>
+      <p:pic>
+        <p:nvPicPr>
+          <p:cNvPr id="6" name="Рисунок 5"/>
+          <p:cNvPicPr>
+            <a:picLocks noChangeAspect="1"/>
+          </p:cNvPicPr>
+          <p:nvPr/>
+        </p:nvPicPr>
+        <p:blipFill>
+          <a:blip r:embed="rId2"/>
+          <a:stretch>
+            <a:fillRect/>
+          </a:stretch>
+        </p:blipFill>
+        <p:spPr>
+          <a:xfrm>
+            <a:off x="496708" y="1916832"/>
+            <a:ext cx="8215244" cy="4523779"/>
+          </a:xfrm>
+          <a:prstGeom prst="rect">
+            <a:avLst/>
+          </a:prstGeom>
+        </p:spPr>
+      </p:pic>
     </p:spTree>
     <p:extLst>
       <p:ext uri="{BB962C8B-B14F-4D97-AF65-F5344CB8AC3E}">
@@ -6519,55 +6581,87 @@
       </p:grpSpPr>
       <p:sp>
         <p:nvSpPr>
-          <p:cNvPr id="2" name="Объект 1"/>
+          <p:cNvPr id="3" name="Заголовок 2"/>
           <p:cNvSpPr>
             <a:spLocks noGrp="1"/>
           </p:cNvSpPr>
           <p:nvPr>
-            <p:ph idx="1"/>
-          </p:nvPr>
-        </p:nvSpPr>
-        <p:spPr/>
-        <p:txBody>
-          <a:bodyPr/>
+            <p:ph type="title"/>
+          </p:nvPr>
+        </p:nvSpPr>
+        <p:spPr>
+          <a:xfrm>
+            <a:off x="1907704" y="188640"/>
+            <a:ext cx="6804248" cy="1150897"/>
+          </a:xfrm>
+        </p:spPr>
+        <p:txBody>
+          <a:bodyPr>
+            <a:normAutofit fontScale="90000"/>
+          </a:bodyPr>
           <a:lstStyle/>
           <a:p>
-            <a:endParaRPr lang="ru-RU"/>
-          </a:p>
-        </p:txBody>
-      </p:sp>
-      <p:sp>
-        <p:nvSpPr>
-          <p:cNvPr id="3" name="Заголовок 2"/>
-          <p:cNvSpPr>
-            <a:spLocks noGrp="1"/>
-          </p:cNvSpPr>
-          <p:nvPr>
-            <p:ph type="title"/>
-          </p:nvPr>
-        </p:nvSpPr>
-        <p:spPr>
-          <a:xfrm>
-            <a:off x="1169876" y="188640"/>
-            <a:ext cx="6804248" cy="1150897"/>
-          </a:xfrm>
-        </p:spPr>
-        <p:txBody>
-          <a:bodyPr/>
-          <a:lstStyle/>
-          <a:p>
             <a:r>
               <a:rPr lang="ru-RU" dirty="0" smtClean="0"/>
-              <a:t>Что пошло не так?</a:t>
+              <a:t>Пример 2</a:t>
+            </a:r>
+            <a:r>
+              <a:rPr lang="en-US" dirty="0" smtClean="0"/>
+              <a:t>: </a:t>
+            </a:r>
+            <a:r>
+              <a:rPr lang="ru-RU" dirty="0" smtClean="0"/>
+              <a:t>Открытый доступ</a:t>
             </a:r>
             <a:endParaRPr lang="ru-RU" dirty="0"/>
           </a:p>
         </p:txBody>
       </p:sp>
+      <p:pic>
+        <p:nvPicPr>
+          <p:cNvPr id="4" name="Picture 2" descr="https://sun9-40.userapi.com/impg/xylo-Y73_TRidi2kzuiPHLVCCPNu-siZkek0HQ/jX3T2O21RiI.jpg?size=1280x721&amp;quality=95&amp;sign=fa14d06fff888e1de714c5d2f9aacff0&amp;type=album"/>
+          <p:cNvPicPr>
+            <a:picLocks noChangeAspect="1" noChangeArrowheads="1"/>
+          </p:cNvPicPr>
+          <p:nvPr/>
+        </p:nvPicPr>
+        <p:blipFill>
+          <a:blip r:embed="rId2">
+            <a:extLst>
+              <a:ext uri="{28A0092B-C50C-407E-A947-70E740481C1C}">
+                <a14:useLocalDpi xmlns:a14="http://schemas.microsoft.com/office/drawing/2010/main" val="0"/>
+              </a:ext>
+            </a:extLst>
+          </a:blip>
+          <a:srcRect/>
+          <a:stretch>
+            <a:fillRect/>
+          </a:stretch>
+        </p:blipFill>
+        <p:spPr bwMode="auto">
+          <a:xfrm>
+            <a:off x="353390" y="1844824"/>
+            <a:ext cx="8437220" cy="4752528"/>
+          </a:xfrm>
+          <a:prstGeom prst="rect">
+            <a:avLst/>
+          </a:prstGeom>
+          <a:noFill/>
+          <a:extLst>
+            <a:ext uri="{909E8E84-426E-40DD-AFC4-6F175D3DCCD1}">
+              <a14:hiddenFill xmlns:a14="http://schemas.microsoft.com/office/drawing/2010/main">
+                <a:solidFill>
+                  <a:srgbClr val="FFFFFF"/>
+                </a:solidFill>
+              </a14:hiddenFill>
+            </a:ext>
+          </a:extLst>
+        </p:spPr>
+      </p:pic>
     </p:spTree>
     <p:extLst>
       <p:ext uri="{BB962C8B-B14F-4D97-AF65-F5344CB8AC3E}">
-        <p14:creationId xmlns:p14="http://schemas.microsoft.com/office/powerpoint/2010/main" val="1374887927"/>
+        <p14:creationId xmlns:p14="http://schemas.microsoft.com/office/powerpoint/2010/main" val="12524149"/>
       </p:ext>
     </p:extLst>
   </p:cSld>
@@ -6615,97 +6709,87 @@
       </p:grpSpPr>
       <p:sp>
         <p:nvSpPr>
-          <p:cNvPr id="6" name="Объект 5"/>
+          <p:cNvPr id="3" name="Заголовок 2"/>
           <p:cNvSpPr>
             <a:spLocks noGrp="1"/>
           </p:cNvSpPr>
           <p:nvPr>
-            <p:ph idx="1"/>
-          </p:nvPr>
-        </p:nvSpPr>
-        <p:spPr/>
+            <p:ph type="title"/>
+          </p:nvPr>
+        </p:nvSpPr>
+        <p:spPr>
+          <a:xfrm>
+            <a:off x="1907704" y="188640"/>
+            <a:ext cx="6804248" cy="1150897"/>
+          </a:xfrm>
+        </p:spPr>
         <p:txBody>
           <a:bodyPr>
-            <a:normAutofit/>
+            <a:normAutofit fontScale="90000"/>
           </a:bodyPr>
           <a:lstStyle/>
           <a:p>
             <a:r>
-              <a:rPr lang="ru-RU" sz="2400" dirty="0"/>
-              <a:t>Оригинальные шаблоны для презентаций: </a:t>
-            </a:r>
-            <a:r>
-              <a:rPr lang="en-US" sz="2400" dirty="0" smtClean="0"/>
-              <a:t/>
-            </a:r>
-            <a:br>
-              <a:rPr lang="en-US" sz="2400" dirty="0" smtClean="0"/>
-            </a:br>
-            <a:r>
-              <a:rPr lang="ru-RU" sz="2400" dirty="0" smtClean="0">
-                <a:hlinkClick r:id="rId2"/>
-              </a:rPr>
-              <a:t>https</a:t>
-            </a:r>
-            <a:r>
-              <a:rPr lang="ru-RU" sz="2400" dirty="0">
-                <a:hlinkClick r:id="rId2"/>
-              </a:rPr>
-              <a:t>://</a:t>
-            </a:r>
-            <a:r>
-              <a:rPr lang="ru-RU" sz="2400" dirty="0" smtClean="0">
-                <a:hlinkClick r:id="rId2"/>
-              </a:rPr>
-              <a:t>presentation-creation.ru/powerpoint-templates.html</a:t>
-            </a:r>
-            <a:r>
-              <a:rPr lang="en-US" sz="2400" dirty="0"/>
-              <a:t> </a:t>
-            </a:r>
-            <a:endParaRPr lang="ru-RU" sz="2400" dirty="0"/>
-          </a:p>
-          <a:p>
-            <a:r>
-              <a:rPr lang="ru-RU" sz="2400" dirty="0"/>
-              <a:t>Бесплатно и без </a:t>
-            </a:r>
-            <a:r>
-              <a:rPr lang="ru-RU" sz="2400" dirty="0" smtClean="0"/>
-              <a:t>регистрации</a:t>
-            </a:r>
-            <a:endParaRPr lang="ru-RU" sz="2400" dirty="0"/>
-          </a:p>
-        </p:txBody>
-      </p:sp>
-      <p:sp>
-        <p:nvSpPr>
-          <p:cNvPr id="4" name="Заголовок 3"/>
-          <p:cNvSpPr>
-            <a:spLocks noGrp="1"/>
-          </p:cNvSpPr>
-          <p:nvPr>
-            <p:ph type="title"/>
-          </p:nvPr>
-        </p:nvSpPr>
-        <p:spPr>
-          <a:xfrm>
-            <a:off x="1691680" y="228168"/>
-            <a:ext cx="7344816" cy="1150897"/>
-          </a:xfrm>
-        </p:spPr>
-        <p:txBody>
-          <a:bodyPr/>
-          <a:lstStyle/>
-          <a:p>
-            <a:endParaRPr lang="ru-RU"/>
-          </a:p>
-        </p:txBody>
-      </p:sp>
+              <a:rPr lang="ru-RU" dirty="0" smtClean="0"/>
+              <a:t>Пример 2</a:t>
+            </a:r>
+            <a:r>
+              <a:rPr lang="en-US" dirty="0" smtClean="0"/>
+              <a:t>: </a:t>
+            </a:r>
+            <a:r>
+              <a:rPr lang="ru-RU" dirty="0" smtClean="0"/>
+              <a:t>Открытый доступ</a:t>
+            </a:r>
+            <a:endParaRPr lang="ru-RU" dirty="0"/>
+          </a:p>
+        </p:txBody>
+      </p:sp>
+      <p:pic>
+        <p:nvPicPr>
+          <p:cNvPr id="3076" name="Picture 4" descr="https://sun9-43.userapi.com/impg/HXoIs6dVubES7uHL79JYcd46mZkoSK3mF-s7Vw/0TEUG7UcvhU.jpg?size=1280x721&amp;quality=95&amp;sign=536e7a598f7263338435dad1302f4f11&amp;type=album"/>
+          <p:cNvPicPr>
+            <a:picLocks noChangeAspect="1" noChangeArrowheads="1"/>
+          </p:cNvPicPr>
+          <p:nvPr/>
+        </p:nvPicPr>
+        <p:blipFill>
+          <a:blip r:embed="rId2">
+            <a:extLst>
+              <a:ext uri="{28A0092B-C50C-407E-A947-70E740481C1C}">
+                <a14:useLocalDpi xmlns:a14="http://schemas.microsoft.com/office/drawing/2010/main" val="0"/>
+              </a:ext>
+            </a:extLst>
+          </a:blip>
+          <a:srcRect/>
+          <a:stretch>
+            <a:fillRect/>
+          </a:stretch>
+        </p:blipFill>
+        <p:spPr bwMode="auto">
+          <a:xfrm>
+            <a:off x="350175" y="1844824"/>
+            <a:ext cx="8443650" cy="4756150"/>
+          </a:xfrm>
+          <a:prstGeom prst="rect">
+            <a:avLst/>
+          </a:prstGeom>
+          <a:noFill/>
+          <a:extLst>
+            <a:ext uri="{909E8E84-426E-40DD-AFC4-6F175D3DCCD1}">
+              <a14:hiddenFill xmlns:a14="http://schemas.microsoft.com/office/drawing/2010/main">
+                <a:solidFill>
+                  <a:srgbClr val="FFFFFF"/>
+                </a:solidFill>
+              </a14:hiddenFill>
+            </a:ext>
+          </a:extLst>
+        </p:spPr>
+      </p:pic>
     </p:spTree>
     <p:extLst>
       <p:ext uri="{BB962C8B-B14F-4D97-AF65-F5344CB8AC3E}">
-        <p14:creationId xmlns:p14="http://schemas.microsoft.com/office/powerpoint/2010/main" val="2400859123"/>
+        <p14:creationId xmlns:p14="http://schemas.microsoft.com/office/powerpoint/2010/main" val="2117556311"/>
       </p:ext>
     </p:extLst>
   </p:cSld>
@@ -7830,7 +7914,7 @@
         <p:spPr bwMode="gray">
           <a:xfrm>
             <a:off x="3116113" y="5028197"/>
-            <a:ext cx="3800207" cy="461665"/>
+            <a:ext cx="3986156" cy="461665"/>
           </a:xfrm>
           <a:prstGeom prst="rect">
             <a:avLst/>
@@ -7852,7 +7936,7 @@
           <a:p>
             <a:pPr eaLnBrk="0" hangingPunct="0"/>
             <a:r>
-              <a:rPr lang="ru-RU" sz="2400" dirty="0" smtClean="0">
+              <a:rPr lang="ru-RU" sz="2400" dirty="0" err="1" smtClean="0">
                 <a:solidFill>
                   <a:schemeClr val="accent2">
                     <a:lumMod val="75000"/>
@@ -7860,7 +7944,29 @@
                 </a:solidFill>
                 <a:latin typeface="Arial" charset="0"/>
               </a:rPr>
-              <a:t>Шпионаж и безопасность</a:t>
+              <a:t>Сниффинг</a:t>
+            </a:r>
+            <a:r>
+              <a:rPr lang="ru-RU" sz="2400" dirty="0" smtClean="0">
+                <a:solidFill>
+                  <a:schemeClr val="accent2">
+                    <a:lumMod val="75000"/>
+                  </a:schemeClr>
+                </a:solidFill>
+                <a:latin typeface="Arial" charset="0"/>
+              </a:rPr>
+              <a:t> </a:t>
+            </a:r>
+            <a:r>
+              <a:rPr lang="ru-RU" sz="2400" dirty="0" smtClean="0">
+                <a:solidFill>
+                  <a:schemeClr val="accent2">
+                    <a:lumMod val="75000"/>
+                  </a:schemeClr>
+                </a:solidFill>
+                <a:latin typeface="Arial" charset="0"/>
+              </a:rPr>
+              <a:t>и безопасность</a:t>
             </a:r>
             <a:endParaRPr lang="en-US" sz="2400" dirty="0">
               <a:solidFill>
@@ -8099,6 +8205,693 @@
     <p:extLst>
       <p:ext uri="{BB962C8B-B14F-4D97-AF65-F5344CB8AC3E}">
         <p14:creationId xmlns:p14="http://schemas.microsoft.com/office/powerpoint/2010/main" val="1343024342"/>
+      </p:ext>
+    </p:extLst>
+  </p:cSld>
+  <p:clrMapOvr>
+    <a:masterClrMapping/>
+  </p:clrMapOvr>
+  <mc:AlternateContent xmlns:mc="http://schemas.openxmlformats.org/markup-compatibility/2006" xmlns:p14="http://schemas.microsoft.com/office/powerpoint/2010/main">
+    <mc:Choice Requires="p14">
+      <p:transition spd="med" p14:dur="700">
+        <p:fade/>
+      </p:transition>
+    </mc:Choice>
+    <mc:Fallback xmlns="">
+      <p:transition spd="med">
+        <p:fade/>
+      </p:transition>
+    </mc:Fallback>
+  </mc:AlternateContent>
+  <p:timing>
+    <p:tnLst>
+      <p:par>
+        <p:cTn id="1" dur="indefinite" restart="never" nodeType="tmRoot"/>
+      </p:par>
+    </p:tnLst>
+  </p:timing>
+</p:sld>
+</file>
+
+<file path=ppt/slides/slide20.xml><?xml version="1.0" encoding="utf-8"?>
+<p:sld xmlns:a="http://schemas.openxmlformats.org/drawingml/2006/main" xmlns:r="http://schemas.openxmlformats.org/officeDocument/2006/relationships" xmlns:p="http://schemas.openxmlformats.org/presentationml/2006/main">
+  <p:cSld>
+    <p:spTree>
+      <p:nvGrpSpPr>
+        <p:cNvPr id="1" name=""/>
+        <p:cNvGrpSpPr/>
+        <p:nvPr/>
+      </p:nvGrpSpPr>
+      <p:grpSpPr>
+        <a:xfrm>
+          <a:off x="0" y="0"/>
+          <a:ext cx="0" cy="0"/>
+          <a:chOff x="0" y="0"/>
+          <a:chExt cx="0" cy="0"/>
+        </a:xfrm>
+      </p:grpSpPr>
+      <p:sp>
+        <p:nvSpPr>
+          <p:cNvPr id="3" name="Заголовок 2"/>
+          <p:cNvSpPr>
+            <a:spLocks noGrp="1"/>
+          </p:cNvSpPr>
+          <p:nvPr>
+            <p:ph type="title"/>
+          </p:nvPr>
+        </p:nvSpPr>
+        <p:spPr>
+          <a:xfrm>
+            <a:off x="1169876" y="188640"/>
+            <a:ext cx="6804248" cy="1150897"/>
+          </a:xfrm>
+        </p:spPr>
+        <p:txBody>
+          <a:bodyPr/>
+          <a:lstStyle/>
+          <a:p>
+            <a:r>
+              <a:rPr lang="ru-RU" dirty="0" smtClean="0"/>
+              <a:t>Что пошло не так?</a:t>
+            </a:r>
+            <a:endParaRPr lang="ru-RU" dirty="0"/>
+          </a:p>
+        </p:txBody>
+      </p:sp>
+      <p:pic>
+        <p:nvPicPr>
+          <p:cNvPr id="5122" name="Picture 2" descr="Что такое парсинг сайта: программы и примеры их использования – Блог TRINET"/>
+          <p:cNvPicPr>
+            <a:picLocks noChangeAspect="1" noChangeArrowheads="1"/>
+          </p:cNvPicPr>
+          <p:nvPr/>
+        </p:nvPicPr>
+        <p:blipFill>
+          <a:blip r:embed="rId2">
+            <a:extLst>
+              <a:ext uri="{28A0092B-C50C-407E-A947-70E740481C1C}">
+                <a14:useLocalDpi xmlns:a14="http://schemas.microsoft.com/office/drawing/2010/main" val="0"/>
+              </a:ext>
+            </a:extLst>
+          </a:blip>
+          <a:srcRect/>
+          <a:stretch>
+            <a:fillRect/>
+          </a:stretch>
+        </p:blipFill>
+        <p:spPr bwMode="auto">
+          <a:xfrm>
+            <a:off x="762000" y="1916832"/>
+            <a:ext cx="7620000" cy="4191001"/>
+          </a:xfrm>
+          <a:prstGeom prst="rect">
+            <a:avLst/>
+          </a:prstGeom>
+          <a:noFill/>
+          <a:extLst>
+            <a:ext uri="{909E8E84-426E-40DD-AFC4-6F175D3DCCD1}">
+              <a14:hiddenFill xmlns:a14="http://schemas.microsoft.com/office/drawing/2010/main">
+                <a:solidFill>
+                  <a:srgbClr val="FFFFFF"/>
+                </a:solidFill>
+              </a14:hiddenFill>
+            </a:ext>
+          </a:extLst>
+        </p:spPr>
+      </p:pic>
+    </p:spTree>
+    <p:extLst>
+      <p:ext uri="{BB962C8B-B14F-4D97-AF65-F5344CB8AC3E}">
+        <p14:creationId xmlns:p14="http://schemas.microsoft.com/office/powerpoint/2010/main" val="1374887927"/>
+      </p:ext>
+    </p:extLst>
+  </p:cSld>
+  <p:clrMapOvr>
+    <a:masterClrMapping/>
+  </p:clrMapOvr>
+  <mc:AlternateContent xmlns:mc="http://schemas.openxmlformats.org/markup-compatibility/2006" xmlns:p14="http://schemas.microsoft.com/office/powerpoint/2010/main">
+    <mc:Choice Requires="p14">
+      <p:transition spd="med" p14:dur="700">
+        <p:fade/>
+      </p:transition>
+    </mc:Choice>
+    <mc:Fallback xmlns="">
+      <p:transition spd="med">
+        <p:fade/>
+      </p:transition>
+    </mc:Fallback>
+  </mc:AlternateContent>
+  <p:timing>
+    <p:tnLst>
+      <p:par>
+        <p:cTn id="1" dur="indefinite" restart="never" nodeType="tmRoot"/>
+      </p:par>
+    </p:tnLst>
+  </p:timing>
+</p:sld>
+</file>
+
+<file path=ppt/slides/slide21.xml><?xml version="1.0" encoding="utf-8"?>
+<p:sld xmlns:a="http://schemas.openxmlformats.org/drawingml/2006/main" xmlns:r="http://schemas.openxmlformats.org/officeDocument/2006/relationships" xmlns:p="http://schemas.openxmlformats.org/presentationml/2006/main">
+  <p:cSld>
+    <p:spTree>
+      <p:nvGrpSpPr>
+        <p:cNvPr id="1" name=""/>
+        <p:cNvGrpSpPr/>
+        <p:nvPr/>
+      </p:nvGrpSpPr>
+      <p:grpSpPr>
+        <a:xfrm>
+          <a:off x="0" y="0"/>
+          <a:ext cx="0" cy="0"/>
+          <a:chOff x="0" y="0"/>
+          <a:chExt cx="0" cy="0"/>
+        </a:xfrm>
+      </p:grpSpPr>
+      <p:sp>
+        <p:nvSpPr>
+          <p:cNvPr id="2" name="Объект 1"/>
+          <p:cNvSpPr>
+            <a:spLocks noGrp="1"/>
+          </p:cNvSpPr>
+          <p:nvPr>
+            <p:ph idx="1"/>
+          </p:nvPr>
+        </p:nvSpPr>
+        <p:spPr>
+          <a:xfrm>
+            <a:off x="251520" y="1988840"/>
+            <a:ext cx="4248472" cy="4176464"/>
+          </a:xfrm>
+        </p:spPr>
+        <p:txBody>
+          <a:bodyPr/>
+          <a:lstStyle/>
+          <a:p>
+            <a:endParaRPr lang="ru-RU" dirty="0"/>
+          </a:p>
+        </p:txBody>
+      </p:sp>
+      <p:sp>
+        <p:nvSpPr>
+          <p:cNvPr id="3" name="Заголовок 2"/>
+          <p:cNvSpPr>
+            <a:spLocks noGrp="1"/>
+          </p:cNvSpPr>
+          <p:nvPr>
+            <p:ph type="title"/>
+          </p:nvPr>
+        </p:nvSpPr>
+        <p:spPr>
+          <a:xfrm>
+            <a:off x="1619672" y="188640"/>
+            <a:ext cx="6804248" cy="1150897"/>
+          </a:xfrm>
+        </p:spPr>
+        <p:txBody>
+          <a:bodyPr/>
+          <a:lstStyle/>
+          <a:p>
+            <a:r>
+              <a:rPr lang="ru-RU" dirty="0" err="1" smtClean="0"/>
+              <a:t>Сниффинг</a:t>
+            </a:r>
+            <a:endParaRPr lang="ru-RU" dirty="0"/>
+          </a:p>
+        </p:txBody>
+      </p:sp>
+      <p:pic>
+        <p:nvPicPr>
+          <p:cNvPr id="7170" name="Picture 2" descr="Что такое сниффер | ВКонтакте"/>
+          <p:cNvPicPr>
+            <a:picLocks noChangeAspect="1" noChangeArrowheads="1"/>
+          </p:cNvPicPr>
+          <p:nvPr/>
+        </p:nvPicPr>
+        <p:blipFill>
+          <a:blip r:embed="rId2">
+            <a:extLst>
+              <a:ext uri="{28A0092B-C50C-407E-A947-70E740481C1C}">
+                <a14:useLocalDpi xmlns:a14="http://schemas.microsoft.com/office/drawing/2010/main" val="0"/>
+              </a:ext>
+            </a:extLst>
+          </a:blip>
+          <a:srcRect/>
+          <a:stretch>
+            <a:fillRect/>
+          </a:stretch>
+        </p:blipFill>
+        <p:spPr bwMode="auto">
+          <a:xfrm>
+            <a:off x="4644536" y="1988840"/>
+            <a:ext cx="4181895" cy="4176464"/>
+          </a:xfrm>
+          <a:prstGeom prst="rect">
+            <a:avLst/>
+          </a:prstGeom>
+          <a:noFill/>
+          <a:extLst>
+            <a:ext uri="{909E8E84-426E-40DD-AFC4-6F175D3DCCD1}">
+              <a14:hiddenFill xmlns:a14="http://schemas.microsoft.com/office/drawing/2010/main">
+                <a:solidFill>
+                  <a:srgbClr val="FFFFFF"/>
+                </a:solidFill>
+              </a14:hiddenFill>
+            </a:ext>
+          </a:extLst>
+        </p:spPr>
+      </p:pic>
+    </p:spTree>
+    <p:extLst>
+      <p:ext uri="{BB962C8B-B14F-4D97-AF65-F5344CB8AC3E}">
+        <p14:creationId xmlns:p14="http://schemas.microsoft.com/office/powerpoint/2010/main" val="356445262"/>
+      </p:ext>
+    </p:extLst>
+  </p:cSld>
+  <p:clrMapOvr>
+    <a:masterClrMapping/>
+  </p:clrMapOvr>
+  <mc:AlternateContent xmlns:mc="http://schemas.openxmlformats.org/markup-compatibility/2006" xmlns:p14="http://schemas.microsoft.com/office/powerpoint/2010/main">
+    <mc:Choice Requires="p14">
+      <p:transition spd="med" p14:dur="700">
+        <p:fade/>
+      </p:transition>
+    </mc:Choice>
+    <mc:Fallback xmlns="">
+      <p:transition spd="med">
+        <p:fade/>
+      </p:transition>
+    </mc:Fallback>
+  </mc:AlternateContent>
+</p:sld>
+</file>
+
+<file path=ppt/slides/slide22.xml><?xml version="1.0" encoding="utf-8"?>
+<p:sld xmlns:a="http://schemas.openxmlformats.org/drawingml/2006/main" xmlns:r="http://schemas.openxmlformats.org/officeDocument/2006/relationships" xmlns:p="http://schemas.openxmlformats.org/presentationml/2006/main">
+  <p:cSld>
+    <p:spTree>
+      <p:nvGrpSpPr>
+        <p:cNvPr id="1" name=""/>
+        <p:cNvGrpSpPr/>
+        <p:nvPr/>
+      </p:nvGrpSpPr>
+      <p:grpSpPr>
+        <a:xfrm>
+          <a:off x="0" y="0"/>
+          <a:ext cx="0" cy="0"/>
+          <a:chOff x="0" y="0"/>
+          <a:chExt cx="0" cy="0"/>
+        </a:xfrm>
+      </p:grpSpPr>
+      <p:sp>
+        <p:nvSpPr>
+          <p:cNvPr id="2" name="Объект 1"/>
+          <p:cNvSpPr>
+            <a:spLocks noGrp="1"/>
+          </p:cNvSpPr>
+          <p:nvPr>
+            <p:ph idx="1"/>
+          </p:nvPr>
+        </p:nvSpPr>
+        <p:spPr/>
+        <p:txBody>
+          <a:bodyPr/>
+          <a:lstStyle/>
+          <a:p>
+            <a:endParaRPr lang="ru-RU"/>
+          </a:p>
+        </p:txBody>
+      </p:sp>
+      <p:sp>
+        <p:nvSpPr>
+          <p:cNvPr id="3" name="Заголовок 2"/>
+          <p:cNvSpPr>
+            <a:spLocks noGrp="1"/>
+          </p:cNvSpPr>
+          <p:nvPr>
+            <p:ph type="title"/>
+          </p:nvPr>
+        </p:nvSpPr>
+        <p:spPr/>
+        <p:txBody>
+          <a:bodyPr/>
+          <a:lstStyle/>
+          <a:p>
+            <a:endParaRPr lang="ru-RU"/>
+          </a:p>
+        </p:txBody>
+      </p:sp>
+    </p:spTree>
+    <p:extLst>
+      <p:ext uri="{BB962C8B-B14F-4D97-AF65-F5344CB8AC3E}">
+        <p14:creationId xmlns:p14="http://schemas.microsoft.com/office/powerpoint/2010/main" val="121749144"/>
+      </p:ext>
+    </p:extLst>
+  </p:cSld>
+  <p:clrMapOvr>
+    <a:masterClrMapping/>
+  </p:clrMapOvr>
+  <mc:AlternateContent xmlns:mc="http://schemas.openxmlformats.org/markup-compatibility/2006" xmlns:p14="http://schemas.microsoft.com/office/powerpoint/2010/main">
+    <mc:Choice Requires="p14">
+      <p:transition spd="med" p14:dur="700">
+        <p:fade/>
+      </p:transition>
+    </mc:Choice>
+    <mc:Fallback xmlns="">
+      <p:transition spd="med">
+        <p:fade/>
+      </p:transition>
+    </mc:Fallback>
+  </mc:AlternateContent>
+</p:sld>
+</file>
+
+<file path=ppt/slides/slide23.xml><?xml version="1.0" encoding="utf-8"?>
+<p:sld xmlns:a="http://schemas.openxmlformats.org/drawingml/2006/main" xmlns:r="http://schemas.openxmlformats.org/officeDocument/2006/relationships" xmlns:p="http://schemas.openxmlformats.org/presentationml/2006/main">
+  <p:cSld>
+    <p:spTree>
+      <p:nvGrpSpPr>
+        <p:cNvPr id="1" name=""/>
+        <p:cNvGrpSpPr/>
+        <p:nvPr/>
+      </p:nvGrpSpPr>
+      <p:grpSpPr>
+        <a:xfrm>
+          <a:off x="0" y="0"/>
+          <a:ext cx="0" cy="0"/>
+          <a:chOff x="0" y="0"/>
+          <a:chExt cx="0" cy="0"/>
+        </a:xfrm>
+      </p:grpSpPr>
+      <p:sp>
+        <p:nvSpPr>
+          <p:cNvPr id="2" name="Объект 1"/>
+          <p:cNvSpPr>
+            <a:spLocks noGrp="1"/>
+          </p:cNvSpPr>
+          <p:nvPr>
+            <p:ph idx="1"/>
+          </p:nvPr>
+        </p:nvSpPr>
+        <p:spPr>
+          <a:xfrm>
+            <a:off x="179512" y="1772816"/>
+            <a:ext cx="8784976" cy="4176464"/>
+          </a:xfrm>
+        </p:spPr>
+        <p:txBody>
+          <a:bodyPr/>
+          <a:lstStyle/>
+          <a:p>
+            <a:r>
+              <a:rPr lang="ru-RU" dirty="0" smtClean="0"/>
+              <a:t>Презентацию и текст к ней выложил на </a:t>
+            </a:r>
+            <a:r>
+              <a:rPr lang="en-US" dirty="0"/>
+              <a:t>G</a:t>
+            </a:r>
+            <a:r>
+              <a:rPr lang="en-US" dirty="0" smtClean="0"/>
+              <a:t>itHub</a:t>
+            </a:r>
+            <a:r>
+              <a:rPr lang="ru-RU" dirty="0" smtClean="0"/>
+              <a:t> </a:t>
+            </a:r>
+            <a:endParaRPr lang="ru-RU" dirty="0"/>
+          </a:p>
+        </p:txBody>
+      </p:sp>
+      <p:sp>
+        <p:nvSpPr>
+          <p:cNvPr id="3" name="Заголовок 2"/>
+          <p:cNvSpPr>
+            <a:spLocks noGrp="1"/>
+          </p:cNvSpPr>
+          <p:nvPr>
+            <p:ph type="title"/>
+          </p:nvPr>
+        </p:nvSpPr>
+        <p:spPr>
+          <a:xfrm>
+            <a:off x="1619672" y="116632"/>
+            <a:ext cx="6804248" cy="1150897"/>
+          </a:xfrm>
+        </p:spPr>
+        <p:txBody>
+          <a:bodyPr/>
+          <a:lstStyle/>
+          <a:p>
+            <a:r>
+              <a:rPr lang="ru-RU" dirty="0" smtClean="0"/>
+              <a:t>Спасибо за внимание</a:t>
+            </a:r>
+            <a:endParaRPr lang="ru-RU" dirty="0"/>
+          </a:p>
+        </p:txBody>
+      </p:sp>
+      <p:pic>
+        <p:nvPicPr>
+          <p:cNvPr id="4" name="Рисунок 3"/>
+          <p:cNvPicPr>
+            <a:picLocks noChangeAspect="1"/>
+          </p:cNvPicPr>
+          <p:nvPr/>
+        </p:nvPicPr>
+        <p:blipFill>
+          <a:blip r:embed="rId2"/>
+          <a:stretch>
+            <a:fillRect/>
+          </a:stretch>
+        </p:blipFill>
+        <p:spPr>
+          <a:xfrm>
+            <a:off x="5998801" y="4195604"/>
+            <a:ext cx="2258963" cy="2258963"/>
+          </a:xfrm>
+          <a:prstGeom prst="rect">
+            <a:avLst/>
+          </a:prstGeom>
+        </p:spPr>
+      </p:pic>
+      <p:pic>
+        <p:nvPicPr>
+          <p:cNvPr id="6146" name="Picture 2" descr="GitHub скачать бесплатно - Последняя версия 2023"/>
+          <p:cNvPicPr>
+            <a:picLocks noChangeAspect="1" noChangeArrowheads="1"/>
+          </p:cNvPicPr>
+          <p:nvPr/>
+        </p:nvPicPr>
+        <p:blipFill>
+          <a:blip r:embed="rId3" cstate="print">
+            <a:extLst>
+              <a:ext uri="{28A0092B-C50C-407E-A947-70E740481C1C}">
+                <a14:useLocalDpi xmlns:a14="http://schemas.microsoft.com/office/drawing/2010/main" val="0"/>
+              </a:ext>
+            </a:extLst>
+          </a:blip>
+          <a:srcRect/>
+          <a:stretch>
+            <a:fillRect/>
+          </a:stretch>
+        </p:blipFill>
+        <p:spPr bwMode="auto">
+          <a:xfrm>
+            <a:off x="5738809" y="2477293"/>
+            <a:ext cx="2778949" cy="1563159"/>
+          </a:xfrm>
+          <a:prstGeom prst="rect">
+            <a:avLst/>
+          </a:prstGeom>
+          <a:noFill/>
+          <a:extLst>
+            <a:ext uri="{909E8E84-426E-40DD-AFC4-6F175D3DCCD1}">
+              <a14:hiddenFill xmlns:a14="http://schemas.microsoft.com/office/drawing/2010/main">
+                <a:solidFill>
+                  <a:srgbClr val="FFFFFF"/>
+                </a:solidFill>
+              </a14:hiddenFill>
+            </a:ext>
+          </a:extLst>
+        </p:spPr>
+      </p:pic>
+      <p:pic>
+        <p:nvPicPr>
+          <p:cNvPr id="6148" name="Picture 4" descr="Техник-программист: кто это, чем занимается специалист, описание профессии  — BGStaff"/>
+          <p:cNvPicPr>
+            <a:picLocks noChangeAspect="1" noChangeArrowheads="1"/>
+          </p:cNvPicPr>
+          <p:nvPr/>
+        </p:nvPicPr>
+        <p:blipFill>
+          <a:blip r:embed="rId4">
+            <a:extLst>
+              <a:ext uri="{28A0092B-C50C-407E-A947-70E740481C1C}">
+                <a14:useLocalDpi xmlns:a14="http://schemas.microsoft.com/office/drawing/2010/main" val="0"/>
+              </a:ext>
+            </a:extLst>
+          </a:blip>
+          <a:srcRect/>
+          <a:stretch>
+            <a:fillRect/>
+          </a:stretch>
+        </p:blipFill>
+        <p:spPr bwMode="auto">
+          <a:xfrm>
+            <a:off x="1259632" y="2276872"/>
+            <a:ext cx="4032448" cy="4104456"/>
+          </a:xfrm>
+          <a:prstGeom prst="rect">
+            <a:avLst/>
+          </a:prstGeom>
+          <a:noFill/>
+          <a:extLst>
+            <a:ext uri="{909E8E84-426E-40DD-AFC4-6F175D3DCCD1}">
+              <a14:hiddenFill xmlns:a14="http://schemas.microsoft.com/office/drawing/2010/main">
+                <a:solidFill>
+                  <a:srgbClr val="FFFFFF"/>
+                </a:solidFill>
+              </a14:hiddenFill>
+            </a:ext>
+          </a:extLst>
+        </p:spPr>
+      </p:pic>
+    </p:spTree>
+    <p:extLst>
+      <p:ext uri="{BB962C8B-B14F-4D97-AF65-F5344CB8AC3E}">
+        <p14:creationId xmlns:p14="http://schemas.microsoft.com/office/powerpoint/2010/main" val="350582801"/>
+      </p:ext>
+    </p:extLst>
+  </p:cSld>
+  <p:clrMapOvr>
+    <a:masterClrMapping/>
+  </p:clrMapOvr>
+  <mc:AlternateContent xmlns:mc="http://schemas.openxmlformats.org/markup-compatibility/2006" xmlns:p14="http://schemas.microsoft.com/office/powerpoint/2010/main">
+    <mc:Choice Requires="p14">
+      <p:transition spd="med" p14:dur="700">
+        <p:fade/>
+      </p:transition>
+    </mc:Choice>
+    <mc:Fallback xmlns="">
+      <p:transition spd="med">
+        <p:fade/>
+      </p:transition>
+    </mc:Fallback>
+  </mc:AlternateContent>
+</p:sld>
+</file>
+
+<file path=ppt/slides/slide24.xml><?xml version="1.0" encoding="utf-8"?>
+<p:sld xmlns:a="http://schemas.openxmlformats.org/drawingml/2006/main" xmlns:r="http://schemas.openxmlformats.org/officeDocument/2006/relationships" xmlns:p="http://schemas.openxmlformats.org/presentationml/2006/main">
+  <p:cSld>
+    <p:spTree>
+      <p:nvGrpSpPr>
+        <p:cNvPr id="1" name=""/>
+        <p:cNvGrpSpPr/>
+        <p:nvPr/>
+      </p:nvGrpSpPr>
+      <p:grpSpPr>
+        <a:xfrm>
+          <a:off x="0" y="0"/>
+          <a:ext cx="0" cy="0"/>
+          <a:chOff x="0" y="0"/>
+          <a:chExt cx="0" cy="0"/>
+        </a:xfrm>
+      </p:grpSpPr>
+      <p:sp>
+        <p:nvSpPr>
+          <p:cNvPr id="6" name="Объект 5"/>
+          <p:cNvSpPr>
+            <a:spLocks noGrp="1"/>
+          </p:cNvSpPr>
+          <p:nvPr>
+            <p:ph idx="1"/>
+          </p:nvPr>
+        </p:nvSpPr>
+        <p:spPr/>
+        <p:txBody>
+          <a:bodyPr>
+            <a:normAutofit/>
+          </a:bodyPr>
+          <a:lstStyle/>
+          <a:p>
+            <a:r>
+              <a:rPr lang="ru-RU" sz="2400" dirty="0"/>
+              <a:t>Оригинальные шаблоны для презентаций: </a:t>
+            </a:r>
+            <a:r>
+              <a:rPr lang="en-US" sz="2400" dirty="0" smtClean="0"/>
+              <a:t/>
+            </a:r>
+            <a:br>
+              <a:rPr lang="en-US" sz="2400" dirty="0" smtClean="0"/>
+            </a:br>
+            <a:r>
+              <a:rPr lang="ru-RU" sz="2400" dirty="0" smtClean="0">
+                <a:hlinkClick r:id="rId2"/>
+              </a:rPr>
+              <a:t>https</a:t>
+            </a:r>
+            <a:r>
+              <a:rPr lang="ru-RU" sz="2400" dirty="0">
+                <a:hlinkClick r:id="rId2"/>
+              </a:rPr>
+              <a:t>://</a:t>
+            </a:r>
+            <a:r>
+              <a:rPr lang="ru-RU" sz="2400" dirty="0" smtClean="0">
+                <a:hlinkClick r:id="rId2"/>
+              </a:rPr>
+              <a:t>presentation-creation.ru/powerpoint-templates.html</a:t>
+            </a:r>
+            <a:r>
+              <a:rPr lang="en-US" sz="2400" dirty="0"/>
+              <a:t> </a:t>
+            </a:r>
+            <a:endParaRPr lang="ru-RU" sz="2400" dirty="0"/>
+          </a:p>
+          <a:p>
+            <a:r>
+              <a:rPr lang="ru-RU" sz="2400" dirty="0"/>
+              <a:t>Бесплатно и без </a:t>
+            </a:r>
+            <a:r>
+              <a:rPr lang="ru-RU" sz="2400" dirty="0" smtClean="0"/>
+              <a:t>регистрации</a:t>
+            </a:r>
+            <a:endParaRPr lang="ru-RU" sz="2400" dirty="0"/>
+          </a:p>
+        </p:txBody>
+      </p:sp>
+      <p:sp>
+        <p:nvSpPr>
+          <p:cNvPr id="4" name="Заголовок 3"/>
+          <p:cNvSpPr>
+            <a:spLocks noGrp="1"/>
+          </p:cNvSpPr>
+          <p:nvPr>
+            <p:ph type="title"/>
+          </p:nvPr>
+        </p:nvSpPr>
+        <p:spPr>
+          <a:xfrm>
+            <a:off x="1691680" y="228168"/>
+            <a:ext cx="7344816" cy="1150897"/>
+          </a:xfrm>
+        </p:spPr>
+        <p:txBody>
+          <a:bodyPr/>
+          <a:lstStyle/>
+          <a:p>
+            <a:endParaRPr lang="ru-RU"/>
+          </a:p>
+        </p:txBody>
+      </p:sp>
+    </p:spTree>
+    <p:extLst>
+      <p:ext uri="{BB962C8B-B14F-4D97-AF65-F5344CB8AC3E}">
+        <p14:creationId xmlns:p14="http://schemas.microsoft.com/office/powerpoint/2010/main" val="2400859123"/>
       </p:ext>
     </p:extLst>
   </p:cSld>
@@ -8198,7 +8991,6 @@
               <a:rPr lang="ru-RU" dirty="0"/>
               <a:t>Это программы - анализаторы, способные перехватывать и анализировать сетевой трафик.</a:t>
             </a:r>
-            <a:endParaRPr lang="ru-RU" dirty="0"/>
           </a:p>
         </p:txBody>
       </p:sp>

--- a/Доклад_Снифферы.pptx
+++ b/Доклад_Снифферы.pptx
@@ -5,10 +5,10 @@
     <p:sldMasterId id="2147483648" r:id="rId1"/>
   </p:sldMasterIdLst>
   <p:notesMasterIdLst>
-    <p:notesMasterId r:id="rId26"/>
+    <p:notesMasterId r:id="rId33"/>
   </p:notesMasterIdLst>
   <p:handoutMasterIdLst>
-    <p:handoutMasterId r:id="rId27"/>
+    <p:handoutMasterId r:id="rId34"/>
   </p:handoutMasterIdLst>
   <p:sldIdLst>
     <p:sldId id="256" r:id="rId2"/>
@@ -16,9 +16,9 @@
     <p:sldId id="264" r:id="rId4"/>
     <p:sldId id="265" r:id="rId5"/>
     <p:sldId id="262" r:id="rId6"/>
-    <p:sldId id="270" r:id="rId7"/>
-    <p:sldId id="269" r:id="rId8"/>
-    <p:sldId id="271" r:id="rId9"/>
+    <p:sldId id="269" r:id="rId7"/>
+    <p:sldId id="271" r:id="rId8"/>
+    <p:sldId id="270" r:id="rId9"/>
     <p:sldId id="266" r:id="rId10"/>
     <p:sldId id="267" r:id="rId11"/>
     <p:sldId id="268" r:id="rId12"/>
@@ -33,13 +33,20 @@
     <p:sldId id="278" r:id="rId21"/>
     <p:sldId id="281" r:id="rId22"/>
     <p:sldId id="282" r:id="rId23"/>
-    <p:sldId id="283" r:id="rId24"/>
-    <p:sldId id="260" r:id="rId25"/>
+    <p:sldId id="284" r:id="rId24"/>
+    <p:sldId id="285" r:id="rId25"/>
+    <p:sldId id="286" r:id="rId26"/>
+    <p:sldId id="287" r:id="rId27"/>
+    <p:sldId id="288" r:id="rId28"/>
+    <p:sldId id="289" r:id="rId29"/>
+    <p:sldId id="283" r:id="rId30"/>
+    <p:sldId id="290" r:id="rId31"/>
+    <p:sldId id="260" r:id="rId32"/>
   </p:sldIdLst>
   <p:sldSz cx="9144000" cy="6858000" type="screen4x3"/>
   <p:notesSz cx="6858000" cy="9144000"/>
   <p:custDataLst>
-    <p:tags r:id="rId28"/>
+    <p:tags r:id="rId35"/>
   </p:custDataLst>
   <p:defaultTextStyle>
     <a:defPPr>
@@ -4991,7 +4998,7 @@
         </p:nvSpPr>
         <p:spPr>
           <a:xfrm>
-            <a:off x="0" y="1052736"/>
+            <a:off x="0" y="332656"/>
             <a:ext cx="8892480" cy="1656184"/>
           </a:xfrm>
         </p:spPr>
@@ -5221,6 +5228,133 @@
                 </a:effectLst>
               </a:rPr>
               <a:t> 18.05.23</a:t>
+            </a:r>
+            <a:endParaRPr lang="ru-RU" b="1" dirty="0">
+              <a:solidFill>
+                <a:schemeClr val="accent4">
+                  <a:lumMod val="75000"/>
+                </a:schemeClr>
+              </a:solidFill>
+              <a:effectLst>
+                <a:outerShdw blurRad="38100" dist="38100" dir="2700000" algn="tl">
+                  <a:srgbClr val="000000">
+                    <a:alpha val="43137"/>
+                  </a:srgbClr>
+                </a:outerShdw>
+              </a:effectLst>
+            </a:endParaRPr>
+          </a:p>
+        </p:txBody>
+      </p:sp>
+      <p:sp>
+        <p:nvSpPr>
+          <p:cNvPr id="4" name="TextBox 3"/>
+          <p:cNvSpPr txBox="1"/>
+          <p:nvPr/>
+        </p:nvSpPr>
+        <p:spPr>
+          <a:xfrm>
+            <a:off x="107504" y="5539298"/>
+            <a:ext cx="3563888" cy="1200329"/>
+          </a:xfrm>
+          <a:prstGeom prst="rect">
+            <a:avLst/>
+          </a:prstGeom>
+          <a:noFill/>
+        </p:spPr>
+        <p:txBody>
+          <a:bodyPr wrap="square" rtlCol="0">
+            <a:spAutoFit/>
+          </a:bodyPr>
+          <a:lstStyle/>
+          <a:p>
+            <a:pPr algn="ctr"/>
+            <a:r>
+              <a:rPr lang="ru-RU" b="1" dirty="0" smtClean="0">
+                <a:solidFill>
+                  <a:schemeClr val="accent4">
+                    <a:lumMod val="75000"/>
+                  </a:schemeClr>
+                </a:solidFill>
+                <a:effectLst>
+                  <a:outerShdw blurRad="38100" dist="38100" dir="2700000" algn="tl">
+                    <a:srgbClr val="000000">
+                      <a:alpha val="43137"/>
+                    </a:srgbClr>
+                  </a:outerShdw>
+                </a:effectLst>
+              </a:rPr>
+              <a:t>Научный руководитель</a:t>
+            </a:r>
+            <a:r>
+              <a:rPr lang="en-US" b="1" dirty="0" smtClean="0">
+                <a:solidFill>
+                  <a:schemeClr val="accent4">
+                    <a:lumMod val="75000"/>
+                  </a:schemeClr>
+                </a:solidFill>
+                <a:effectLst>
+                  <a:outerShdw blurRad="38100" dist="38100" dir="2700000" algn="tl">
+                    <a:srgbClr val="000000">
+                      <a:alpha val="43137"/>
+                    </a:srgbClr>
+                  </a:outerShdw>
+                </a:effectLst>
+              </a:rPr>
+              <a:t>:</a:t>
+            </a:r>
+          </a:p>
+          <a:p>
+            <a:pPr algn="ctr"/>
+            <a:r>
+              <a:rPr lang="ru-RU" b="1" dirty="0" smtClean="0">
+                <a:solidFill>
+                  <a:schemeClr val="accent4">
+                    <a:lumMod val="75000"/>
+                  </a:schemeClr>
+                </a:solidFill>
+                <a:effectLst>
+                  <a:outerShdw blurRad="38100" dist="38100" dir="2700000" algn="tl">
+                    <a:srgbClr val="000000">
+                      <a:alpha val="43137"/>
+                    </a:srgbClr>
+                  </a:outerShdw>
+                </a:effectLst>
+              </a:rPr>
+              <a:t>д.ф.-м.н., доц.</a:t>
+            </a:r>
+            <a:br>
+              <a:rPr lang="ru-RU" b="1" dirty="0" smtClean="0">
+                <a:solidFill>
+                  <a:schemeClr val="accent4">
+                    <a:lumMod val="75000"/>
+                  </a:schemeClr>
+                </a:solidFill>
+                <a:effectLst>
+                  <a:outerShdw blurRad="38100" dist="38100" dir="2700000" algn="tl">
+                    <a:srgbClr val="000000">
+                      <a:alpha val="43137"/>
+                    </a:srgbClr>
+                  </a:outerShdw>
+                </a:effectLst>
+              </a:rPr>
+            </a:br>
+            <a:r>
+              <a:rPr lang="ru-RU" b="1" dirty="0" smtClean="0">
+                <a:solidFill>
+                  <a:schemeClr val="accent4">
+                    <a:lumMod val="75000"/>
+                  </a:schemeClr>
+                </a:solidFill>
+                <a:effectLst>
+                  <a:outerShdw blurRad="38100" dist="38100" dir="2700000" algn="tl">
+                    <a:srgbClr val="000000">
+                      <a:alpha val="43137"/>
+                    </a:srgbClr>
+                  </a:outerShdw>
+                </a:effectLst>
+              </a:rPr>
+              <a:t>Тимофеева Надежда Владимировна</a:t>
             </a:r>
             <a:endParaRPr lang="ru-RU" b="1" dirty="0">
               <a:solidFill>
@@ -5326,7 +5460,7 @@
         </p:nvSpPr>
         <p:spPr>
           <a:xfrm>
-            <a:off x="1475656" y="116632"/>
+            <a:off x="1169876" y="0"/>
             <a:ext cx="6804248" cy="1150897"/>
           </a:xfrm>
         </p:spPr>
@@ -5439,7 +5573,7 @@
         </p:nvSpPr>
         <p:spPr>
           <a:xfrm>
-            <a:off x="1169876" y="188640"/>
+            <a:off x="1169876" y="0"/>
             <a:ext cx="6804248" cy="1150897"/>
           </a:xfrm>
         </p:spPr>
@@ -5782,7 +5916,7 @@
         </p:nvSpPr>
         <p:spPr>
           <a:xfrm>
-            <a:off x="1241883" y="154483"/>
+            <a:off x="1169876" y="0"/>
             <a:ext cx="6804248" cy="1150897"/>
           </a:xfrm>
         </p:spPr>
@@ -6071,7 +6205,7 @@
         </p:nvSpPr>
         <p:spPr>
           <a:xfrm>
-            <a:off x="1241883" y="154483"/>
+            <a:off x="1169876" y="0"/>
             <a:ext cx="6804248" cy="1150897"/>
           </a:xfrm>
         </p:spPr>
@@ -6148,7 +6282,7 @@
         </p:nvSpPr>
         <p:spPr>
           <a:xfrm>
-            <a:off x="1692275" y="188913"/>
+            <a:off x="1169988" y="0"/>
             <a:ext cx="6804025" cy="1150937"/>
           </a:xfrm>
         </p:spPr>
@@ -6362,7 +6496,7 @@
         </p:nvSpPr>
         <p:spPr>
           <a:xfrm>
-            <a:off x="1169876" y="188640"/>
+            <a:off x="1169876" y="0"/>
             <a:ext cx="6804248" cy="1150897"/>
           </a:xfrm>
         </p:spPr>
@@ -6372,7 +6506,19 @@
           <a:p>
             <a:r>
               <a:rPr lang="ru-RU" dirty="0" smtClean="0"/>
-              <a:t>Что пошло не так?</a:t>
+              <a:t>Что</a:t>
+            </a:r>
+            <a:r>
+              <a:rPr lang="en-US" dirty="0" smtClean="0"/>
+              <a:t> </a:t>
+            </a:r>
+            <a:r>
+              <a:rPr lang="ru-RU" dirty="0" smtClean="0"/>
+              <a:t>не </a:t>
+            </a:r>
+            <a:r>
+              <a:rPr lang="ru-RU" dirty="0" smtClean="0"/>
+              <a:t>так?</a:t>
             </a:r>
             <a:endParaRPr lang="ru-RU" dirty="0"/>
           </a:p>
@@ -6480,7 +6626,7 @@
         </p:nvSpPr>
         <p:spPr>
           <a:xfrm>
-            <a:off x="1907704" y="188640"/>
+            <a:off x="1169876" y="0"/>
             <a:ext cx="6804248" cy="1150897"/>
           </a:xfrm>
         </p:spPr>
@@ -6591,7 +6737,7 @@
         </p:nvSpPr>
         <p:spPr>
           <a:xfrm>
-            <a:off x="1907704" y="188640"/>
+            <a:off x="1169876" y="0"/>
             <a:ext cx="6804248" cy="1150897"/>
           </a:xfrm>
         </p:spPr>
@@ -6719,7 +6865,7 @@
         </p:nvSpPr>
         <p:spPr>
           <a:xfrm>
-            <a:off x="1907704" y="188640"/>
+            <a:off x="1169876" y="0"/>
             <a:ext cx="6804248" cy="1150897"/>
           </a:xfrm>
         </p:spPr>
@@ -6847,7 +6993,7 @@
         </p:nvSpPr>
         <p:spPr>
           <a:xfrm>
-            <a:off x="1742988" y="114119"/>
+            <a:off x="1169876" y="0"/>
             <a:ext cx="6804248" cy="1150897"/>
           </a:xfrm>
         </p:spPr>
@@ -6873,7 +7019,7 @@
         </p:nvSpPr>
         <p:spPr bwMode="gray">
           <a:xfrm>
-            <a:off x="2301071" y="4802165"/>
+            <a:off x="2243036" y="4256907"/>
             <a:ext cx="4800600" cy="0"/>
           </a:xfrm>
           <a:prstGeom prst="line">
@@ -6926,7 +7072,7 @@
         </p:nvSpPr>
         <p:spPr bwMode="gray">
           <a:xfrm rot="3419336">
-            <a:off x="2016908" y="4225903"/>
+            <a:off x="1958873" y="3680645"/>
             <a:ext cx="479425" cy="520700"/>
           </a:xfrm>
           <a:prstGeom prst="rect">
@@ -6987,7 +7133,7 @@
         </p:nvSpPr>
         <p:spPr bwMode="gray">
           <a:xfrm>
-            <a:off x="2071383" y="4268765"/>
+            <a:off x="2013348" y="3723507"/>
             <a:ext cx="356188" cy="461665"/>
           </a:xfrm>
           <a:prstGeom prst="rect">
@@ -7029,7 +7175,7 @@
       </p:sp>
       <p:sp>
         <p:nvSpPr>
-          <p:cNvPr id="27" name="Line 256"/>
+          <p:cNvPr id="31" name="Line 260"/>
           <p:cNvSpPr>
             <a:spLocks noChangeShapeType="1"/>
           </p:cNvSpPr>
@@ -7037,7 +7183,7 @@
         </p:nvSpPr>
         <p:spPr bwMode="gray">
           <a:xfrm>
-            <a:off x="2301071" y="2287565"/>
+            <a:off x="2243036" y="2580507"/>
             <a:ext cx="4800600" cy="0"/>
           </a:xfrm>
           <a:prstGeom prst="line">
@@ -7082,7 +7228,7 @@
       </p:sp>
       <p:sp>
         <p:nvSpPr>
-          <p:cNvPr id="28" name="Rectangle 257"/>
+          <p:cNvPr id="32" name="Rectangle 261"/>
           <p:cNvSpPr>
             <a:spLocks noChangeArrowheads="1"/>
           </p:cNvSpPr>
@@ -7090,7 +7236,726 @@
         </p:nvSpPr>
         <p:spPr bwMode="gray">
           <a:xfrm rot="3419336">
-            <a:off x="1944900" y="1711303"/>
+            <a:off x="1958873" y="2004245"/>
+            <a:ext cx="479425" cy="520700"/>
+          </a:xfrm>
+          <a:prstGeom prst="rect">
+            <a:avLst/>
+          </a:prstGeom>
+          <a:gradFill rotWithShape="1">
+            <a:gsLst>
+              <a:gs pos="0">
+                <a:schemeClr val="accent2"/>
+              </a:gs>
+              <a:gs pos="100000">
+                <a:schemeClr val="accent2">
+                  <a:gamma/>
+                  <a:shade val="46275"/>
+                  <a:invGamma/>
+                </a:schemeClr>
+              </a:gs>
+            </a:gsLst>
+            <a:lin ang="5400000" scaled="1"/>
+          </a:gradFill>
+          <a:ln w="9525">
+            <a:miter lim="800000"/>
+            <a:headEnd/>
+            <a:tailEnd/>
+          </a:ln>
+          <a:effectLst/>
+          <a:scene3d>
+            <a:camera prst="legacyPerspectiveFront">
+              <a:rot lat="0" lon="1500000" rev="0"/>
+            </a:camera>
+            <a:lightRig rig="legacyFlat4" dir="b"/>
+          </a:scene3d>
+          <a:sp3d extrusionH="430200" prstMaterial="legacyMatte">
+            <a:bevelT w="13500" h="13500" prst="angle"/>
+            <a:bevelB w="13500" h="13500" prst="angle"/>
+            <a:extrusionClr>
+              <a:schemeClr val="accent2"/>
+            </a:extrusionClr>
+          </a:sp3d>
+        </p:spPr>
+        <p:txBody>
+          <a:bodyPr wrap="none" anchor="ctr">
+            <a:flatTx/>
+          </a:bodyPr>
+          <a:lstStyle/>
+          <a:p>
+            <a:endParaRPr lang="ru-RU"/>
+          </a:p>
+        </p:txBody>
+      </p:sp>
+      <p:sp>
+        <p:nvSpPr>
+          <p:cNvPr id="33" name="Text Box 262"/>
+          <p:cNvSpPr txBox="1">
+            <a:spLocks noChangeArrowheads="1"/>
+          </p:cNvSpPr>
+          <p:nvPr/>
+        </p:nvSpPr>
+        <p:spPr bwMode="gray">
+          <a:xfrm>
+            <a:off x="2013348" y="2047107"/>
+            <a:ext cx="356188" cy="461665"/>
+          </a:xfrm>
+          <a:prstGeom prst="rect">
+            <a:avLst/>
+          </a:prstGeom>
+          <a:noFill/>
+          <a:ln w="9525" algn="ctr">
+            <a:noFill/>
+            <a:miter lim="800000"/>
+            <a:headEnd/>
+            <a:tailEnd/>
+          </a:ln>
+          <a:effectLst/>
+        </p:spPr>
+        <p:txBody>
+          <a:bodyPr wrap="none">
+            <a:spAutoFit/>
+          </a:bodyPr>
+          <a:lstStyle/>
+          <a:p>
+            <a:pPr algn="ctr" eaLnBrk="0" hangingPunct="0"/>
+            <a:r>
+              <a:rPr lang="ru-RU" sz="2400" b="1" dirty="0">
+                <a:solidFill>
+                  <a:srgbClr val="FFFFFF"/>
+                </a:solidFill>
+                <a:latin typeface="Arial" charset="0"/>
+              </a:rPr>
+              <a:t>1</a:t>
+            </a:r>
+            <a:endParaRPr lang="en-US" sz="2400" b="1" dirty="0">
+              <a:solidFill>
+                <a:srgbClr val="FFFFFF"/>
+              </a:solidFill>
+              <a:latin typeface="Arial" charset="0"/>
+            </a:endParaRPr>
+          </a:p>
+        </p:txBody>
+      </p:sp>
+      <p:sp>
+        <p:nvSpPr>
+          <p:cNvPr id="34" name="Line 263"/>
+          <p:cNvSpPr>
+            <a:spLocks noChangeShapeType="1"/>
+          </p:cNvSpPr>
+          <p:nvPr/>
+        </p:nvSpPr>
+        <p:spPr bwMode="gray">
+          <a:xfrm>
+            <a:off x="2244624" y="3417120"/>
+            <a:ext cx="4799012" cy="1587"/>
+          </a:xfrm>
+          <a:prstGeom prst="line">
+            <a:avLst/>
+          </a:prstGeom>
+          <a:noFill/>
+          <a:ln w="25400">
+            <a:solidFill>
+              <a:schemeClr val="tx2">
+                <a:lumMod val="60000"/>
+                <a:lumOff val="40000"/>
+              </a:schemeClr>
+            </a:solidFill>
+            <a:prstDash val="sysDot"/>
+            <a:round/>
+            <a:headEnd/>
+            <a:tailEnd type="oval" w="med" len="med"/>
+          </a:ln>
+          <a:effectLst/>
+        </p:spPr>
+        <p:txBody>
+          <a:bodyPr wrap="none" anchor="ctr"/>
+          <a:lstStyle/>
+          <a:p>
+            <a:endParaRPr lang="ru-RU">
+              <a:ln>
+                <a:solidFill>
+                  <a:schemeClr val="accent6">
+                    <a:lumMod val="60000"/>
+                    <a:lumOff val="40000"/>
+                  </a:schemeClr>
+                </a:solidFill>
+              </a:ln>
+              <a:solidFill>
+                <a:schemeClr val="bg2">
+                  <a:lumMod val="25000"/>
+                </a:schemeClr>
+              </a:solidFill>
+            </a:endParaRPr>
+          </a:p>
+        </p:txBody>
+      </p:sp>
+      <p:sp>
+        <p:nvSpPr>
+          <p:cNvPr id="35" name="Rectangle 264"/>
+          <p:cNvSpPr>
+            <a:spLocks noChangeArrowheads="1"/>
+          </p:cNvSpPr>
+          <p:nvPr/>
+        </p:nvSpPr>
+        <p:spPr bwMode="gray">
+          <a:xfrm rot="3419336">
+            <a:off x="1958873" y="2842445"/>
+            <a:ext cx="479425" cy="520700"/>
+          </a:xfrm>
+          <a:prstGeom prst="rect">
+            <a:avLst/>
+          </a:prstGeom>
+          <a:gradFill rotWithShape="1">
+            <a:gsLst>
+              <a:gs pos="0">
+                <a:schemeClr val="hlink"/>
+              </a:gs>
+              <a:gs pos="100000">
+                <a:schemeClr val="hlink">
+                  <a:gamma/>
+                  <a:shade val="46275"/>
+                  <a:invGamma/>
+                </a:schemeClr>
+              </a:gs>
+            </a:gsLst>
+            <a:lin ang="5400000" scaled="1"/>
+          </a:gradFill>
+          <a:ln w="9525">
+            <a:miter lim="800000"/>
+            <a:headEnd/>
+            <a:tailEnd/>
+          </a:ln>
+          <a:effectLst/>
+          <a:scene3d>
+            <a:camera prst="legacyPerspectiveFront">
+              <a:rot lat="0" lon="1500000" rev="0"/>
+            </a:camera>
+            <a:lightRig rig="legacyFlat4" dir="b"/>
+          </a:scene3d>
+          <a:sp3d extrusionH="430200" prstMaterial="legacyMatte">
+            <a:bevelT w="13500" h="13500" prst="angle"/>
+            <a:bevelB w="13500" h="13500" prst="angle"/>
+            <a:extrusionClr>
+              <a:schemeClr val="hlink"/>
+            </a:extrusionClr>
+          </a:sp3d>
+        </p:spPr>
+        <p:txBody>
+          <a:bodyPr wrap="none" anchor="ctr">
+            <a:flatTx/>
+          </a:bodyPr>
+          <a:lstStyle/>
+          <a:p>
+            <a:endParaRPr lang="ru-RU"/>
+          </a:p>
+        </p:txBody>
+      </p:sp>
+      <p:sp>
+        <p:nvSpPr>
+          <p:cNvPr id="36" name="Text Box 265"/>
+          <p:cNvSpPr txBox="1">
+            <a:spLocks noChangeArrowheads="1"/>
+          </p:cNvSpPr>
+          <p:nvPr/>
+        </p:nvSpPr>
+        <p:spPr bwMode="gray">
+          <a:xfrm>
+            <a:off x="2013348" y="2885307"/>
+            <a:ext cx="356188" cy="461665"/>
+          </a:xfrm>
+          <a:prstGeom prst="rect">
+            <a:avLst/>
+          </a:prstGeom>
+          <a:noFill/>
+          <a:ln w="9525" algn="ctr">
+            <a:noFill/>
+            <a:miter lim="800000"/>
+            <a:headEnd/>
+            <a:tailEnd/>
+          </a:ln>
+          <a:effectLst/>
+        </p:spPr>
+        <p:txBody>
+          <a:bodyPr wrap="none">
+            <a:spAutoFit/>
+          </a:bodyPr>
+          <a:lstStyle/>
+          <a:p>
+            <a:pPr algn="ctr" eaLnBrk="0" hangingPunct="0"/>
+            <a:r>
+              <a:rPr lang="ru-RU" sz="2400" b="1" dirty="0">
+                <a:solidFill>
+                  <a:srgbClr val="FFFFFF"/>
+                </a:solidFill>
+                <a:latin typeface="Arial" charset="0"/>
+              </a:rPr>
+              <a:t>2</a:t>
+            </a:r>
+            <a:endParaRPr lang="en-US" sz="2400" b="1" dirty="0">
+              <a:solidFill>
+                <a:srgbClr val="FFFFFF"/>
+              </a:solidFill>
+              <a:latin typeface="Arial" charset="0"/>
+            </a:endParaRPr>
+          </a:p>
+        </p:txBody>
+      </p:sp>
+      <p:sp>
+        <p:nvSpPr>
+          <p:cNvPr id="37" name="Line 266"/>
+          <p:cNvSpPr>
+            <a:spLocks noChangeShapeType="1"/>
+          </p:cNvSpPr>
+          <p:nvPr/>
+        </p:nvSpPr>
+        <p:spPr bwMode="gray">
+          <a:xfrm>
+            <a:off x="2243036" y="5117332"/>
+            <a:ext cx="4800600" cy="0"/>
+          </a:xfrm>
+          <a:prstGeom prst="line">
+            <a:avLst/>
+          </a:prstGeom>
+          <a:noFill/>
+          <a:ln w="25400">
+            <a:solidFill>
+              <a:schemeClr val="tx2">
+                <a:lumMod val="60000"/>
+                <a:lumOff val="40000"/>
+              </a:schemeClr>
+            </a:solidFill>
+            <a:prstDash val="sysDot"/>
+            <a:round/>
+            <a:headEnd/>
+            <a:tailEnd type="oval" w="med" len="med"/>
+          </a:ln>
+          <a:effectLst/>
+        </p:spPr>
+        <p:txBody>
+          <a:bodyPr wrap="none" anchor="ctr"/>
+          <a:lstStyle/>
+          <a:p>
+            <a:endParaRPr lang="ru-RU">
+              <a:ln>
+                <a:solidFill>
+                  <a:schemeClr val="accent6">
+                    <a:lumMod val="60000"/>
+                    <a:lumOff val="40000"/>
+                  </a:schemeClr>
+                </a:solidFill>
+              </a:ln>
+              <a:solidFill>
+                <a:schemeClr val="bg2">
+                  <a:lumMod val="25000"/>
+                </a:schemeClr>
+              </a:solidFill>
+            </a:endParaRPr>
+          </a:p>
+        </p:txBody>
+      </p:sp>
+      <p:sp>
+        <p:nvSpPr>
+          <p:cNvPr id="38" name="Rectangle 267"/>
+          <p:cNvSpPr>
+            <a:spLocks noChangeArrowheads="1"/>
+          </p:cNvSpPr>
+          <p:nvPr/>
+        </p:nvSpPr>
+        <p:spPr bwMode="ltGray">
+          <a:xfrm rot="3419336">
+            <a:off x="1958873" y="4541070"/>
+            <a:ext cx="479425" cy="520700"/>
+          </a:xfrm>
+          <a:prstGeom prst="rect">
+            <a:avLst/>
+          </a:prstGeom>
+          <a:gradFill rotWithShape="1">
+            <a:gsLst>
+              <a:gs pos="0">
+                <a:srgbClr val="990099"/>
+              </a:gs>
+              <a:gs pos="100000">
+                <a:srgbClr val="990099">
+                  <a:gamma/>
+                  <a:shade val="46275"/>
+                  <a:invGamma/>
+                </a:srgbClr>
+              </a:gs>
+            </a:gsLst>
+            <a:lin ang="5400000" scaled="1"/>
+          </a:gradFill>
+          <a:ln w="9525">
+            <a:miter lim="800000"/>
+            <a:headEnd/>
+            <a:tailEnd/>
+          </a:ln>
+          <a:effectLst/>
+          <a:scene3d>
+            <a:camera prst="legacyPerspectiveFront">
+              <a:rot lat="0" lon="1500000" rev="0"/>
+            </a:camera>
+            <a:lightRig rig="legacyFlat4" dir="b"/>
+          </a:scene3d>
+          <a:sp3d extrusionH="430200" prstMaterial="legacyMatte">
+            <a:bevelT w="13500" h="13500" prst="angle"/>
+            <a:bevelB w="13500" h="13500" prst="angle"/>
+            <a:extrusionClr>
+              <a:srgbClr val="990099"/>
+            </a:extrusionClr>
+          </a:sp3d>
+        </p:spPr>
+        <p:txBody>
+          <a:bodyPr wrap="none" anchor="ctr">
+            <a:flatTx/>
+          </a:bodyPr>
+          <a:lstStyle/>
+          <a:p>
+            <a:endParaRPr lang="ru-RU"/>
+          </a:p>
+        </p:txBody>
+      </p:sp>
+      <p:sp>
+        <p:nvSpPr>
+          <p:cNvPr id="39" name="Text Box 268"/>
+          <p:cNvSpPr txBox="1">
+            <a:spLocks noChangeArrowheads="1"/>
+          </p:cNvSpPr>
+          <p:nvPr/>
+        </p:nvSpPr>
+        <p:spPr bwMode="gray">
+          <a:xfrm>
+            <a:off x="2013348" y="4583932"/>
+            <a:ext cx="356188" cy="461665"/>
+          </a:xfrm>
+          <a:prstGeom prst="rect">
+            <a:avLst/>
+          </a:prstGeom>
+          <a:noFill/>
+          <a:ln w="9525" algn="ctr">
+            <a:noFill/>
+            <a:miter lim="800000"/>
+            <a:headEnd/>
+            <a:tailEnd/>
+          </a:ln>
+          <a:effectLst/>
+        </p:spPr>
+        <p:txBody>
+          <a:bodyPr wrap="none">
+            <a:spAutoFit/>
+          </a:bodyPr>
+          <a:lstStyle/>
+          <a:p>
+            <a:pPr algn="ctr" eaLnBrk="0" hangingPunct="0"/>
+            <a:r>
+              <a:rPr lang="ru-RU" sz="2400" b="1" dirty="0">
+                <a:solidFill>
+                  <a:srgbClr val="FFFFFF"/>
+                </a:solidFill>
+                <a:latin typeface="Arial" charset="0"/>
+              </a:rPr>
+              <a:t>4</a:t>
+            </a:r>
+            <a:endParaRPr lang="en-US" sz="2400" b="1" dirty="0">
+              <a:solidFill>
+                <a:srgbClr val="FFFFFF"/>
+              </a:solidFill>
+              <a:latin typeface="Arial" charset="0"/>
+            </a:endParaRPr>
+          </a:p>
+        </p:txBody>
+      </p:sp>
+      <p:sp>
+        <p:nvSpPr>
+          <p:cNvPr id="40" name="Text Box 269"/>
+          <p:cNvSpPr txBox="1">
+            <a:spLocks noChangeArrowheads="1"/>
+          </p:cNvSpPr>
+          <p:nvPr/>
+        </p:nvSpPr>
+        <p:spPr bwMode="gray">
+          <a:xfrm>
+            <a:off x="3059832" y="1988840"/>
+            <a:ext cx="2967223" cy="461665"/>
+          </a:xfrm>
+          <a:prstGeom prst="rect">
+            <a:avLst/>
+          </a:prstGeom>
+          <a:noFill/>
+          <a:ln w="9525" algn="ctr">
+            <a:noFill/>
+            <a:miter lim="800000"/>
+            <a:headEnd/>
+            <a:tailEnd/>
+          </a:ln>
+          <a:effectLst/>
+        </p:spPr>
+        <p:txBody>
+          <a:bodyPr wrap="none">
+            <a:spAutoFit/>
+          </a:bodyPr>
+          <a:lstStyle/>
+          <a:p>
+            <a:pPr eaLnBrk="0" hangingPunct="0"/>
+            <a:r>
+              <a:rPr lang="ru-RU" sz="2400" dirty="0" smtClean="0">
+                <a:solidFill>
+                  <a:schemeClr val="accent2">
+                    <a:lumMod val="75000"/>
+                  </a:schemeClr>
+                </a:solidFill>
+                <a:latin typeface="Arial" charset="0"/>
+              </a:rPr>
+              <a:t>Первое знакомство</a:t>
+            </a:r>
+            <a:endParaRPr lang="en-US" sz="2400" dirty="0">
+              <a:solidFill>
+                <a:schemeClr val="accent2">
+                  <a:lumMod val="75000"/>
+                </a:schemeClr>
+              </a:solidFill>
+              <a:latin typeface="Arial" charset="0"/>
+            </a:endParaRPr>
+          </a:p>
+        </p:txBody>
+      </p:sp>
+      <p:sp>
+        <p:nvSpPr>
+          <p:cNvPr id="41" name="Text Box 270"/>
+          <p:cNvSpPr txBox="1">
+            <a:spLocks noChangeArrowheads="1"/>
+          </p:cNvSpPr>
+          <p:nvPr/>
+        </p:nvSpPr>
+        <p:spPr bwMode="gray">
+          <a:xfrm>
+            <a:off x="3058078" y="2798511"/>
+            <a:ext cx="3051605" cy="461665"/>
+          </a:xfrm>
+          <a:prstGeom prst="rect">
+            <a:avLst/>
+          </a:prstGeom>
+          <a:noFill/>
+          <a:ln w="9525" algn="ctr">
+            <a:noFill/>
+            <a:miter lim="800000"/>
+            <a:headEnd/>
+            <a:tailEnd/>
+          </a:ln>
+          <a:effectLst/>
+        </p:spPr>
+        <p:txBody>
+          <a:bodyPr wrap="none">
+            <a:spAutoFit/>
+          </a:bodyPr>
+          <a:lstStyle/>
+          <a:p>
+            <a:pPr eaLnBrk="0" hangingPunct="0"/>
+            <a:r>
+              <a:rPr lang="ru-RU" sz="2400" dirty="0" smtClean="0">
+                <a:solidFill>
+                  <a:schemeClr val="accent2">
+                    <a:lumMod val="75000"/>
+                  </a:schemeClr>
+                </a:solidFill>
+                <a:latin typeface="Arial" charset="0"/>
+              </a:rPr>
+              <a:t>Введение в теорию</a:t>
+            </a:r>
+            <a:endParaRPr lang="en-US" sz="2400" dirty="0">
+              <a:solidFill>
+                <a:schemeClr val="accent2">
+                  <a:lumMod val="75000"/>
+                </a:schemeClr>
+              </a:solidFill>
+              <a:latin typeface="Arial" charset="0"/>
+            </a:endParaRPr>
+          </a:p>
+        </p:txBody>
+      </p:sp>
+      <p:sp>
+        <p:nvSpPr>
+          <p:cNvPr id="42" name="Text Box 271"/>
+          <p:cNvSpPr txBox="1">
+            <a:spLocks noChangeArrowheads="1"/>
+          </p:cNvSpPr>
+          <p:nvPr/>
+        </p:nvSpPr>
+        <p:spPr bwMode="gray">
+          <a:xfrm>
+            <a:off x="3060689" y="3665240"/>
+            <a:ext cx="3301609" cy="461665"/>
+          </a:xfrm>
+          <a:prstGeom prst="rect">
+            <a:avLst/>
+          </a:prstGeom>
+          <a:noFill/>
+          <a:ln w="9525" algn="ctr">
+            <a:noFill/>
+            <a:miter lim="800000"/>
+            <a:headEnd/>
+            <a:tailEnd/>
+          </a:ln>
+          <a:effectLst/>
+        </p:spPr>
+        <p:txBody>
+          <a:bodyPr wrap="none">
+            <a:spAutoFit/>
+          </a:bodyPr>
+          <a:lstStyle/>
+          <a:p>
+            <a:pPr eaLnBrk="0" hangingPunct="0"/>
+            <a:r>
+              <a:rPr lang="ru-RU" sz="2400" dirty="0" smtClean="0">
+                <a:solidFill>
+                  <a:schemeClr val="accent2">
+                    <a:lumMod val="75000"/>
+                  </a:schemeClr>
+                </a:solidFill>
+                <a:latin typeface="Arial" charset="0"/>
+              </a:rPr>
+              <a:t>Рассмотрим примеры</a:t>
+            </a:r>
+            <a:endParaRPr lang="en-US" sz="2400" dirty="0">
+              <a:solidFill>
+                <a:schemeClr val="accent2">
+                  <a:lumMod val="75000"/>
+                </a:schemeClr>
+              </a:solidFill>
+              <a:latin typeface="Arial" charset="0"/>
+            </a:endParaRPr>
+          </a:p>
+        </p:txBody>
+      </p:sp>
+      <p:sp>
+        <p:nvSpPr>
+          <p:cNvPr id="43" name="Text Box 272"/>
+          <p:cNvSpPr txBox="1">
+            <a:spLocks noChangeArrowheads="1"/>
+          </p:cNvSpPr>
+          <p:nvPr/>
+        </p:nvSpPr>
+        <p:spPr bwMode="gray">
+          <a:xfrm>
+            <a:off x="3058078" y="4482939"/>
+            <a:ext cx="3986156" cy="461665"/>
+          </a:xfrm>
+          <a:prstGeom prst="rect">
+            <a:avLst/>
+          </a:prstGeom>
+          <a:noFill/>
+          <a:ln w="9525" algn="ctr">
+            <a:noFill/>
+            <a:miter lim="800000"/>
+            <a:headEnd/>
+            <a:tailEnd/>
+          </a:ln>
+          <a:effectLst/>
+        </p:spPr>
+        <p:txBody>
+          <a:bodyPr wrap="none">
+            <a:spAutoFit/>
+          </a:bodyPr>
+          <a:lstStyle/>
+          <a:p>
+            <a:pPr eaLnBrk="0" hangingPunct="0"/>
+            <a:r>
+              <a:rPr lang="ru-RU" sz="2400" dirty="0" err="1" smtClean="0">
+                <a:solidFill>
+                  <a:schemeClr val="accent2">
+                    <a:lumMod val="75000"/>
+                  </a:schemeClr>
+                </a:solidFill>
+                <a:latin typeface="Arial" charset="0"/>
+              </a:rPr>
+              <a:t>Сниффинг</a:t>
+            </a:r>
+            <a:r>
+              <a:rPr lang="ru-RU" sz="2400" dirty="0" smtClean="0">
+                <a:solidFill>
+                  <a:schemeClr val="accent2">
+                    <a:lumMod val="75000"/>
+                  </a:schemeClr>
+                </a:solidFill>
+                <a:latin typeface="Arial" charset="0"/>
+              </a:rPr>
+              <a:t> и безопасность</a:t>
+            </a:r>
+            <a:endParaRPr lang="en-US" sz="2400" dirty="0">
+              <a:solidFill>
+                <a:schemeClr val="accent2">
+                  <a:lumMod val="75000"/>
+                </a:schemeClr>
+              </a:solidFill>
+              <a:latin typeface="Arial" charset="0"/>
+            </a:endParaRPr>
+          </a:p>
+        </p:txBody>
+      </p:sp>
+      <p:sp>
+        <p:nvSpPr>
+          <p:cNvPr id="23" name="Line 256"/>
+          <p:cNvSpPr>
+            <a:spLocks noChangeShapeType="1"/>
+          </p:cNvSpPr>
+          <p:nvPr/>
+        </p:nvSpPr>
+        <p:spPr bwMode="gray">
+          <a:xfrm>
+            <a:off x="2293626" y="5924728"/>
+            <a:ext cx="4800600" cy="0"/>
+          </a:xfrm>
+          <a:prstGeom prst="line">
+            <a:avLst/>
+          </a:prstGeom>
+          <a:noFill/>
+          <a:ln w="25400">
+            <a:solidFill>
+              <a:schemeClr val="tx2">
+                <a:lumMod val="60000"/>
+                <a:lumOff val="40000"/>
+              </a:schemeClr>
+            </a:solidFill>
+            <a:prstDash val="sysDot"/>
+            <a:round/>
+            <a:headEnd/>
+            <a:tailEnd type="oval" w="med" len="med"/>
+          </a:ln>
+          <a:effectLst/>
+        </p:spPr>
+        <p:txBody>
+          <a:bodyPr wrap="none" anchor="ctr"/>
+          <a:lstStyle/>
+          <a:p>
+            <a:endParaRPr lang="ru-RU">
+              <a:ln>
+                <a:solidFill>
+                  <a:schemeClr val="accent6">
+                    <a:lumMod val="60000"/>
+                    <a:lumOff val="40000"/>
+                  </a:schemeClr>
+                </a:solidFill>
+              </a:ln>
+              <a:solidFill>
+                <a:schemeClr val="bg2">
+                  <a:lumMod val="25000"/>
+                </a:schemeClr>
+              </a:solidFill>
+            </a:endParaRPr>
+          </a:p>
+        </p:txBody>
+      </p:sp>
+      <p:sp>
+        <p:nvSpPr>
+          <p:cNvPr id="44" name="Rectangle 257"/>
+          <p:cNvSpPr>
+            <a:spLocks noChangeArrowheads="1"/>
+          </p:cNvSpPr>
+          <p:nvPr/>
+        </p:nvSpPr>
+        <p:spPr bwMode="gray">
+          <a:xfrm rot="3419336">
+            <a:off x="1937455" y="5348466"/>
             <a:ext cx="479425" cy="520700"/>
           </a:xfrm>
           <a:prstGeom prst="rect">
@@ -7147,7 +8012,7 @@
       </p:sp>
       <p:sp>
         <p:nvSpPr>
-          <p:cNvPr id="29" name="Text Box 258"/>
+          <p:cNvPr id="45" name="Text Box 258"/>
           <p:cNvSpPr txBox="1">
             <a:spLocks noChangeArrowheads="1"/>
           </p:cNvSpPr>
@@ -7155,8 +8020,8 @@
         </p:nvSpPr>
         <p:spPr bwMode="gray">
           <a:xfrm>
-            <a:off x="3117867" y="1769364"/>
-            <a:ext cx="3210238" cy="461665"/>
+            <a:off x="3059832" y="5343476"/>
+            <a:ext cx="1928670" cy="461665"/>
           </a:xfrm>
           <a:prstGeom prst="rect">
             <a:avLst/>
@@ -7186,7 +8051,7 @@
                 </a:solidFill>
                 <a:latin typeface="Arial" charset="0"/>
               </a:rPr>
-              <a:t>Зачем нам это надо?</a:t>
+              <a:t>Заключение</a:t>
             </a:r>
             <a:endParaRPr lang="en-US" sz="2400" dirty="0">
               <a:solidFill>
@@ -7201,958 +8066,6 @@
       </p:sp>
       <p:sp>
         <p:nvSpPr>
-          <p:cNvPr id="30" name="Text Box 259"/>
-          <p:cNvSpPr txBox="1">
-            <a:spLocks noChangeArrowheads="1"/>
-          </p:cNvSpPr>
-          <p:nvPr/>
-        </p:nvSpPr>
-        <p:spPr bwMode="gray">
-          <a:xfrm>
-            <a:off x="2071383" y="1754165"/>
-            <a:ext cx="356188" cy="461665"/>
-          </a:xfrm>
-          <a:prstGeom prst="rect">
-            <a:avLst/>
-          </a:prstGeom>
-          <a:noFill/>
-          <a:ln w="9525" algn="ctr">
-            <a:noFill/>
-            <a:miter lim="800000"/>
-            <a:headEnd/>
-            <a:tailEnd/>
-          </a:ln>
-          <a:effectLst/>
-        </p:spPr>
-        <p:txBody>
-          <a:bodyPr wrap="none">
-            <a:spAutoFit/>
-          </a:bodyPr>
-          <a:lstStyle/>
-          <a:p>
-            <a:pPr algn="ctr" eaLnBrk="0" hangingPunct="0"/>
-            <a:r>
-              <a:rPr lang="ru-RU" sz="2400" b="1" dirty="0">
-                <a:solidFill>
-                  <a:srgbClr val="FFFFFF"/>
-                </a:solidFill>
-                <a:latin typeface="Arial" charset="0"/>
-              </a:rPr>
-              <a:t>0</a:t>
-            </a:r>
-            <a:endParaRPr lang="en-US" sz="2400" b="1" dirty="0">
-              <a:solidFill>
-                <a:srgbClr val="FFFFFF"/>
-              </a:solidFill>
-              <a:latin typeface="Arial" charset="0"/>
-            </a:endParaRPr>
-          </a:p>
-        </p:txBody>
-      </p:sp>
-      <p:sp>
-        <p:nvSpPr>
-          <p:cNvPr id="31" name="Line 260"/>
-          <p:cNvSpPr>
-            <a:spLocks noChangeShapeType="1"/>
-          </p:cNvSpPr>
-          <p:nvPr/>
-        </p:nvSpPr>
-        <p:spPr bwMode="gray">
-          <a:xfrm>
-            <a:off x="2301071" y="3125765"/>
-            <a:ext cx="4800600" cy="0"/>
-          </a:xfrm>
-          <a:prstGeom prst="line">
-            <a:avLst/>
-          </a:prstGeom>
-          <a:noFill/>
-          <a:ln w="25400">
-            <a:solidFill>
-              <a:schemeClr val="tx2">
-                <a:lumMod val="60000"/>
-                <a:lumOff val="40000"/>
-              </a:schemeClr>
-            </a:solidFill>
-            <a:prstDash val="sysDot"/>
-            <a:round/>
-            <a:headEnd/>
-            <a:tailEnd type="oval" w="med" len="med"/>
-          </a:ln>
-          <a:effectLst/>
-        </p:spPr>
-        <p:txBody>
-          <a:bodyPr wrap="none" anchor="ctr"/>
-          <a:lstStyle/>
-          <a:p>
-            <a:endParaRPr lang="ru-RU">
-              <a:ln>
-                <a:solidFill>
-                  <a:schemeClr val="accent6">
-                    <a:lumMod val="60000"/>
-                    <a:lumOff val="40000"/>
-                  </a:schemeClr>
-                </a:solidFill>
-              </a:ln>
-              <a:solidFill>
-                <a:schemeClr val="bg2">
-                  <a:lumMod val="25000"/>
-                </a:schemeClr>
-              </a:solidFill>
-            </a:endParaRPr>
-          </a:p>
-        </p:txBody>
-      </p:sp>
-      <p:sp>
-        <p:nvSpPr>
-          <p:cNvPr id="32" name="Rectangle 261"/>
-          <p:cNvSpPr>
-            <a:spLocks noChangeArrowheads="1"/>
-          </p:cNvSpPr>
-          <p:nvPr/>
-        </p:nvSpPr>
-        <p:spPr bwMode="gray">
-          <a:xfrm rot="3419336">
-            <a:off x="2016908" y="2549503"/>
-            <a:ext cx="479425" cy="520700"/>
-          </a:xfrm>
-          <a:prstGeom prst="rect">
-            <a:avLst/>
-          </a:prstGeom>
-          <a:gradFill rotWithShape="1">
-            <a:gsLst>
-              <a:gs pos="0">
-                <a:schemeClr val="accent2"/>
-              </a:gs>
-              <a:gs pos="100000">
-                <a:schemeClr val="accent2">
-                  <a:gamma/>
-                  <a:shade val="46275"/>
-                  <a:invGamma/>
-                </a:schemeClr>
-              </a:gs>
-            </a:gsLst>
-            <a:lin ang="5400000" scaled="1"/>
-          </a:gradFill>
-          <a:ln w="9525">
-            <a:miter lim="800000"/>
-            <a:headEnd/>
-            <a:tailEnd/>
-          </a:ln>
-          <a:effectLst/>
-          <a:scene3d>
-            <a:camera prst="legacyPerspectiveFront">
-              <a:rot lat="0" lon="1500000" rev="0"/>
-            </a:camera>
-            <a:lightRig rig="legacyFlat4" dir="b"/>
-          </a:scene3d>
-          <a:sp3d extrusionH="430200" prstMaterial="legacyMatte">
-            <a:bevelT w="13500" h="13500" prst="angle"/>
-            <a:bevelB w="13500" h="13500" prst="angle"/>
-            <a:extrusionClr>
-              <a:schemeClr val="accent2"/>
-            </a:extrusionClr>
-          </a:sp3d>
-        </p:spPr>
-        <p:txBody>
-          <a:bodyPr wrap="none" anchor="ctr">
-            <a:flatTx/>
-          </a:bodyPr>
-          <a:lstStyle/>
-          <a:p>
-            <a:endParaRPr lang="ru-RU"/>
-          </a:p>
-        </p:txBody>
-      </p:sp>
-      <p:sp>
-        <p:nvSpPr>
-          <p:cNvPr id="33" name="Text Box 262"/>
-          <p:cNvSpPr txBox="1">
-            <a:spLocks noChangeArrowheads="1"/>
-          </p:cNvSpPr>
-          <p:nvPr/>
-        </p:nvSpPr>
-        <p:spPr bwMode="gray">
-          <a:xfrm>
-            <a:off x="2071383" y="2592365"/>
-            <a:ext cx="356188" cy="461665"/>
-          </a:xfrm>
-          <a:prstGeom prst="rect">
-            <a:avLst/>
-          </a:prstGeom>
-          <a:noFill/>
-          <a:ln w="9525" algn="ctr">
-            <a:noFill/>
-            <a:miter lim="800000"/>
-            <a:headEnd/>
-            <a:tailEnd/>
-          </a:ln>
-          <a:effectLst/>
-        </p:spPr>
-        <p:txBody>
-          <a:bodyPr wrap="none">
-            <a:spAutoFit/>
-          </a:bodyPr>
-          <a:lstStyle/>
-          <a:p>
-            <a:pPr algn="ctr" eaLnBrk="0" hangingPunct="0"/>
-            <a:r>
-              <a:rPr lang="ru-RU" sz="2400" b="1" dirty="0">
-                <a:solidFill>
-                  <a:srgbClr val="FFFFFF"/>
-                </a:solidFill>
-                <a:latin typeface="Arial" charset="0"/>
-              </a:rPr>
-              <a:t>1</a:t>
-            </a:r>
-            <a:endParaRPr lang="en-US" sz="2400" b="1" dirty="0">
-              <a:solidFill>
-                <a:srgbClr val="FFFFFF"/>
-              </a:solidFill>
-              <a:latin typeface="Arial" charset="0"/>
-            </a:endParaRPr>
-          </a:p>
-        </p:txBody>
-      </p:sp>
-      <p:sp>
-        <p:nvSpPr>
-          <p:cNvPr id="34" name="Line 263"/>
-          <p:cNvSpPr>
-            <a:spLocks noChangeShapeType="1"/>
-          </p:cNvSpPr>
-          <p:nvPr/>
-        </p:nvSpPr>
-        <p:spPr bwMode="gray">
-          <a:xfrm>
-            <a:off x="2302659" y="3962378"/>
-            <a:ext cx="4799012" cy="1587"/>
-          </a:xfrm>
-          <a:prstGeom prst="line">
-            <a:avLst/>
-          </a:prstGeom>
-          <a:noFill/>
-          <a:ln w="25400">
-            <a:solidFill>
-              <a:schemeClr val="tx2">
-                <a:lumMod val="60000"/>
-                <a:lumOff val="40000"/>
-              </a:schemeClr>
-            </a:solidFill>
-            <a:prstDash val="sysDot"/>
-            <a:round/>
-            <a:headEnd/>
-            <a:tailEnd type="oval" w="med" len="med"/>
-          </a:ln>
-          <a:effectLst/>
-        </p:spPr>
-        <p:txBody>
-          <a:bodyPr wrap="none" anchor="ctr"/>
-          <a:lstStyle/>
-          <a:p>
-            <a:endParaRPr lang="ru-RU">
-              <a:ln>
-                <a:solidFill>
-                  <a:schemeClr val="accent6">
-                    <a:lumMod val="60000"/>
-                    <a:lumOff val="40000"/>
-                  </a:schemeClr>
-                </a:solidFill>
-              </a:ln>
-              <a:solidFill>
-                <a:schemeClr val="bg2">
-                  <a:lumMod val="25000"/>
-                </a:schemeClr>
-              </a:solidFill>
-            </a:endParaRPr>
-          </a:p>
-        </p:txBody>
-      </p:sp>
-      <p:sp>
-        <p:nvSpPr>
-          <p:cNvPr id="35" name="Rectangle 264"/>
-          <p:cNvSpPr>
-            <a:spLocks noChangeArrowheads="1"/>
-          </p:cNvSpPr>
-          <p:nvPr/>
-        </p:nvSpPr>
-        <p:spPr bwMode="gray">
-          <a:xfrm rot="3419336">
-            <a:off x="2016908" y="3387703"/>
-            <a:ext cx="479425" cy="520700"/>
-          </a:xfrm>
-          <a:prstGeom prst="rect">
-            <a:avLst/>
-          </a:prstGeom>
-          <a:gradFill rotWithShape="1">
-            <a:gsLst>
-              <a:gs pos="0">
-                <a:schemeClr val="hlink"/>
-              </a:gs>
-              <a:gs pos="100000">
-                <a:schemeClr val="hlink">
-                  <a:gamma/>
-                  <a:shade val="46275"/>
-                  <a:invGamma/>
-                </a:schemeClr>
-              </a:gs>
-            </a:gsLst>
-            <a:lin ang="5400000" scaled="1"/>
-          </a:gradFill>
-          <a:ln w="9525">
-            <a:miter lim="800000"/>
-            <a:headEnd/>
-            <a:tailEnd/>
-          </a:ln>
-          <a:effectLst/>
-          <a:scene3d>
-            <a:camera prst="legacyPerspectiveFront">
-              <a:rot lat="0" lon="1500000" rev="0"/>
-            </a:camera>
-            <a:lightRig rig="legacyFlat4" dir="b"/>
-          </a:scene3d>
-          <a:sp3d extrusionH="430200" prstMaterial="legacyMatte">
-            <a:bevelT w="13500" h="13500" prst="angle"/>
-            <a:bevelB w="13500" h="13500" prst="angle"/>
-            <a:extrusionClr>
-              <a:schemeClr val="hlink"/>
-            </a:extrusionClr>
-          </a:sp3d>
-        </p:spPr>
-        <p:txBody>
-          <a:bodyPr wrap="none" anchor="ctr">
-            <a:flatTx/>
-          </a:bodyPr>
-          <a:lstStyle/>
-          <a:p>
-            <a:endParaRPr lang="ru-RU"/>
-          </a:p>
-        </p:txBody>
-      </p:sp>
-      <p:sp>
-        <p:nvSpPr>
-          <p:cNvPr id="36" name="Text Box 265"/>
-          <p:cNvSpPr txBox="1">
-            <a:spLocks noChangeArrowheads="1"/>
-          </p:cNvSpPr>
-          <p:nvPr/>
-        </p:nvSpPr>
-        <p:spPr bwMode="gray">
-          <a:xfrm>
-            <a:off x="2071383" y="3430565"/>
-            <a:ext cx="356188" cy="461665"/>
-          </a:xfrm>
-          <a:prstGeom prst="rect">
-            <a:avLst/>
-          </a:prstGeom>
-          <a:noFill/>
-          <a:ln w="9525" algn="ctr">
-            <a:noFill/>
-            <a:miter lim="800000"/>
-            <a:headEnd/>
-            <a:tailEnd/>
-          </a:ln>
-          <a:effectLst/>
-        </p:spPr>
-        <p:txBody>
-          <a:bodyPr wrap="none">
-            <a:spAutoFit/>
-          </a:bodyPr>
-          <a:lstStyle/>
-          <a:p>
-            <a:pPr algn="ctr" eaLnBrk="0" hangingPunct="0"/>
-            <a:r>
-              <a:rPr lang="ru-RU" sz="2400" b="1" dirty="0">
-                <a:solidFill>
-                  <a:srgbClr val="FFFFFF"/>
-                </a:solidFill>
-                <a:latin typeface="Arial" charset="0"/>
-              </a:rPr>
-              <a:t>2</a:t>
-            </a:r>
-            <a:endParaRPr lang="en-US" sz="2400" b="1" dirty="0">
-              <a:solidFill>
-                <a:srgbClr val="FFFFFF"/>
-              </a:solidFill>
-              <a:latin typeface="Arial" charset="0"/>
-            </a:endParaRPr>
-          </a:p>
-        </p:txBody>
-      </p:sp>
-      <p:sp>
-        <p:nvSpPr>
-          <p:cNvPr id="37" name="Line 266"/>
-          <p:cNvSpPr>
-            <a:spLocks noChangeShapeType="1"/>
-          </p:cNvSpPr>
-          <p:nvPr/>
-        </p:nvSpPr>
-        <p:spPr bwMode="gray">
-          <a:xfrm>
-            <a:off x="2301071" y="5662590"/>
-            <a:ext cx="4800600" cy="0"/>
-          </a:xfrm>
-          <a:prstGeom prst="line">
-            <a:avLst/>
-          </a:prstGeom>
-          <a:noFill/>
-          <a:ln w="25400">
-            <a:solidFill>
-              <a:schemeClr val="tx2">
-                <a:lumMod val="60000"/>
-                <a:lumOff val="40000"/>
-              </a:schemeClr>
-            </a:solidFill>
-            <a:prstDash val="sysDot"/>
-            <a:round/>
-            <a:headEnd/>
-            <a:tailEnd type="oval" w="med" len="med"/>
-          </a:ln>
-          <a:effectLst/>
-        </p:spPr>
-        <p:txBody>
-          <a:bodyPr wrap="none" anchor="ctr"/>
-          <a:lstStyle/>
-          <a:p>
-            <a:endParaRPr lang="ru-RU">
-              <a:ln>
-                <a:solidFill>
-                  <a:schemeClr val="accent6">
-                    <a:lumMod val="60000"/>
-                    <a:lumOff val="40000"/>
-                  </a:schemeClr>
-                </a:solidFill>
-              </a:ln>
-              <a:solidFill>
-                <a:schemeClr val="bg2">
-                  <a:lumMod val="25000"/>
-                </a:schemeClr>
-              </a:solidFill>
-            </a:endParaRPr>
-          </a:p>
-        </p:txBody>
-      </p:sp>
-      <p:sp>
-        <p:nvSpPr>
-          <p:cNvPr id="38" name="Rectangle 267"/>
-          <p:cNvSpPr>
-            <a:spLocks noChangeArrowheads="1"/>
-          </p:cNvSpPr>
-          <p:nvPr/>
-        </p:nvSpPr>
-        <p:spPr bwMode="ltGray">
-          <a:xfrm rot="3419336">
-            <a:off x="2016908" y="5086328"/>
-            <a:ext cx="479425" cy="520700"/>
-          </a:xfrm>
-          <a:prstGeom prst="rect">
-            <a:avLst/>
-          </a:prstGeom>
-          <a:gradFill rotWithShape="1">
-            <a:gsLst>
-              <a:gs pos="0">
-                <a:srgbClr val="990099"/>
-              </a:gs>
-              <a:gs pos="100000">
-                <a:srgbClr val="990099">
-                  <a:gamma/>
-                  <a:shade val="46275"/>
-                  <a:invGamma/>
-                </a:srgbClr>
-              </a:gs>
-            </a:gsLst>
-            <a:lin ang="5400000" scaled="1"/>
-          </a:gradFill>
-          <a:ln w="9525">
-            <a:miter lim="800000"/>
-            <a:headEnd/>
-            <a:tailEnd/>
-          </a:ln>
-          <a:effectLst/>
-          <a:scene3d>
-            <a:camera prst="legacyPerspectiveFront">
-              <a:rot lat="0" lon="1500000" rev="0"/>
-            </a:camera>
-            <a:lightRig rig="legacyFlat4" dir="b"/>
-          </a:scene3d>
-          <a:sp3d extrusionH="430200" prstMaterial="legacyMatte">
-            <a:bevelT w="13500" h="13500" prst="angle"/>
-            <a:bevelB w="13500" h="13500" prst="angle"/>
-            <a:extrusionClr>
-              <a:srgbClr val="990099"/>
-            </a:extrusionClr>
-          </a:sp3d>
-        </p:spPr>
-        <p:txBody>
-          <a:bodyPr wrap="none" anchor="ctr">
-            <a:flatTx/>
-          </a:bodyPr>
-          <a:lstStyle/>
-          <a:p>
-            <a:endParaRPr lang="ru-RU"/>
-          </a:p>
-        </p:txBody>
-      </p:sp>
-      <p:sp>
-        <p:nvSpPr>
-          <p:cNvPr id="39" name="Text Box 268"/>
-          <p:cNvSpPr txBox="1">
-            <a:spLocks noChangeArrowheads="1"/>
-          </p:cNvSpPr>
-          <p:nvPr/>
-        </p:nvSpPr>
-        <p:spPr bwMode="gray">
-          <a:xfrm>
-            <a:off x="2071383" y="5129190"/>
-            <a:ext cx="356188" cy="461665"/>
-          </a:xfrm>
-          <a:prstGeom prst="rect">
-            <a:avLst/>
-          </a:prstGeom>
-          <a:noFill/>
-          <a:ln w="9525" algn="ctr">
-            <a:noFill/>
-            <a:miter lim="800000"/>
-            <a:headEnd/>
-            <a:tailEnd/>
-          </a:ln>
-          <a:effectLst/>
-        </p:spPr>
-        <p:txBody>
-          <a:bodyPr wrap="none">
-            <a:spAutoFit/>
-          </a:bodyPr>
-          <a:lstStyle/>
-          <a:p>
-            <a:pPr algn="ctr" eaLnBrk="0" hangingPunct="0"/>
-            <a:r>
-              <a:rPr lang="ru-RU" sz="2400" b="1" dirty="0">
-                <a:solidFill>
-                  <a:srgbClr val="FFFFFF"/>
-                </a:solidFill>
-                <a:latin typeface="Arial" charset="0"/>
-              </a:rPr>
-              <a:t>4</a:t>
-            </a:r>
-            <a:endParaRPr lang="en-US" sz="2400" b="1" dirty="0">
-              <a:solidFill>
-                <a:srgbClr val="FFFFFF"/>
-              </a:solidFill>
-              <a:latin typeface="Arial" charset="0"/>
-            </a:endParaRPr>
-          </a:p>
-        </p:txBody>
-      </p:sp>
-      <p:sp>
-        <p:nvSpPr>
-          <p:cNvPr id="40" name="Text Box 269"/>
-          <p:cNvSpPr txBox="1">
-            <a:spLocks noChangeArrowheads="1"/>
-          </p:cNvSpPr>
-          <p:nvPr/>
-        </p:nvSpPr>
-        <p:spPr bwMode="gray">
-          <a:xfrm>
-            <a:off x="3117867" y="2534098"/>
-            <a:ext cx="2967223" cy="461665"/>
-          </a:xfrm>
-          <a:prstGeom prst="rect">
-            <a:avLst/>
-          </a:prstGeom>
-          <a:noFill/>
-          <a:ln w="9525" algn="ctr">
-            <a:noFill/>
-            <a:miter lim="800000"/>
-            <a:headEnd/>
-            <a:tailEnd/>
-          </a:ln>
-          <a:effectLst/>
-        </p:spPr>
-        <p:txBody>
-          <a:bodyPr wrap="none">
-            <a:spAutoFit/>
-          </a:bodyPr>
-          <a:lstStyle/>
-          <a:p>
-            <a:pPr eaLnBrk="0" hangingPunct="0"/>
-            <a:r>
-              <a:rPr lang="ru-RU" sz="2400" dirty="0" smtClean="0">
-                <a:solidFill>
-                  <a:schemeClr val="accent2">
-                    <a:lumMod val="75000"/>
-                  </a:schemeClr>
-                </a:solidFill>
-                <a:latin typeface="Arial" charset="0"/>
-              </a:rPr>
-              <a:t>Первое знакомство</a:t>
-            </a:r>
-            <a:endParaRPr lang="en-US" sz="2400" dirty="0">
-              <a:solidFill>
-                <a:schemeClr val="accent2">
-                  <a:lumMod val="75000"/>
-                </a:schemeClr>
-              </a:solidFill>
-              <a:latin typeface="Arial" charset="0"/>
-            </a:endParaRPr>
-          </a:p>
-        </p:txBody>
-      </p:sp>
-      <p:sp>
-        <p:nvSpPr>
-          <p:cNvPr id="41" name="Text Box 270"/>
-          <p:cNvSpPr txBox="1">
-            <a:spLocks noChangeArrowheads="1"/>
-          </p:cNvSpPr>
-          <p:nvPr/>
-        </p:nvSpPr>
-        <p:spPr bwMode="gray">
-          <a:xfrm>
-            <a:off x="3116113" y="3343769"/>
-            <a:ext cx="3051605" cy="461665"/>
-          </a:xfrm>
-          <a:prstGeom prst="rect">
-            <a:avLst/>
-          </a:prstGeom>
-          <a:noFill/>
-          <a:ln w="9525" algn="ctr">
-            <a:noFill/>
-            <a:miter lim="800000"/>
-            <a:headEnd/>
-            <a:tailEnd/>
-          </a:ln>
-          <a:effectLst/>
-        </p:spPr>
-        <p:txBody>
-          <a:bodyPr wrap="none">
-            <a:spAutoFit/>
-          </a:bodyPr>
-          <a:lstStyle/>
-          <a:p>
-            <a:pPr eaLnBrk="0" hangingPunct="0"/>
-            <a:r>
-              <a:rPr lang="ru-RU" sz="2400" dirty="0" smtClean="0">
-                <a:solidFill>
-                  <a:schemeClr val="accent2">
-                    <a:lumMod val="75000"/>
-                  </a:schemeClr>
-                </a:solidFill>
-                <a:latin typeface="Arial" charset="0"/>
-              </a:rPr>
-              <a:t>Введение в теорию</a:t>
-            </a:r>
-            <a:endParaRPr lang="en-US" sz="2400" dirty="0">
-              <a:solidFill>
-                <a:schemeClr val="accent2">
-                  <a:lumMod val="75000"/>
-                </a:schemeClr>
-              </a:solidFill>
-              <a:latin typeface="Arial" charset="0"/>
-            </a:endParaRPr>
-          </a:p>
-        </p:txBody>
-      </p:sp>
-      <p:sp>
-        <p:nvSpPr>
-          <p:cNvPr id="42" name="Text Box 271"/>
-          <p:cNvSpPr txBox="1">
-            <a:spLocks noChangeArrowheads="1"/>
-          </p:cNvSpPr>
-          <p:nvPr/>
-        </p:nvSpPr>
-        <p:spPr bwMode="gray">
-          <a:xfrm>
-            <a:off x="3118724" y="4210498"/>
-            <a:ext cx="3301609" cy="461665"/>
-          </a:xfrm>
-          <a:prstGeom prst="rect">
-            <a:avLst/>
-          </a:prstGeom>
-          <a:noFill/>
-          <a:ln w="9525" algn="ctr">
-            <a:noFill/>
-            <a:miter lim="800000"/>
-            <a:headEnd/>
-            <a:tailEnd/>
-          </a:ln>
-          <a:effectLst/>
-        </p:spPr>
-        <p:txBody>
-          <a:bodyPr wrap="none">
-            <a:spAutoFit/>
-          </a:bodyPr>
-          <a:lstStyle/>
-          <a:p>
-            <a:pPr eaLnBrk="0" hangingPunct="0"/>
-            <a:r>
-              <a:rPr lang="ru-RU" sz="2400" dirty="0" smtClean="0">
-                <a:solidFill>
-                  <a:schemeClr val="accent2">
-                    <a:lumMod val="75000"/>
-                  </a:schemeClr>
-                </a:solidFill>
-                <a:latin typeface="Arial" charset="0"/>
-              </a:rPr>
-              <a:t>Рассмотрим примеры</a:t>
-            </a:r>
-            <a:endParaRPr lang="en-US" sz="2400" dirty="0">
-              <a:solidFill>
-                <a:schemeClr val="accent2">
-                  <a:lumMod val="75000"/>
-                </a:schemeClr>
-              </a:solidFill>
-              <a:latin typeface="Arial" charset="0"/>
-            </a:endParaRPr>
-          </a:p>
-        </p:txBody>
-      </p:sp>
-      <p:sp>
-        <p:nvSpPr>
-          <p:cNvPr id="43" name="Text Box 272"/>
-          <p:cNvSpPr txBox="1">
-            <a:spLocks noChangeArrowheads="1"/>
-          </p:cNvSpPr>
-          <p:nvPr/>
-        </p:nvSpPr>
-        <p:spPr bwMode="gray">
-          <a:xfrm>
-            <a:off x="3116113" y="5028197"/>
-            <a:ext cx="3986156" cy="461665"/>
-          </a:xfrm>
-          <a:prstGeom prst="rect">
-            <a:avLst/>
-          </a:prstGeom>
-          <a:noFill/>
-          <a:ln w="9525" algn="ctr">
-            <a:noFill/>
-            <a:miter lim="800000"/>
-            <a:headEnd/>
-            <a:tailEnd/>
-          </a:ln>
-          <a:effectLst/>
-        </p:spPr>
-        <p:txBody>
-          <a:bodyPr wrap="none">
-            <a:spAutoFit/>
-          </a:bodyPr>
-          <a:lstStyle/>
-          <a:p>
-            <a:pPr eaLnBrk="0" hangingPunct="0"/>
-            <a:r>
-              <a:rPr lang="ru-RU" sz="2400" dirty="0" err="1" smtClean="0">
-                <a:solidFill>
-                  <a:schemeClr val="accent2">
-                    <a:lumMod val="75000"/>
-                  </a:schemeClr>
-                </a:solidFill>
-                <a:latin typeface="Arial" charset="0"/>
-              </a:rPr>
-              <a:t>Сниффинг</a:t>
-            </a:r>
-            <a:r>
-              <a:rPr lang="ru-RU" sz="2400" dirty="0" smtClean="0">
-                <a:solidFill>
-                  <a:schemeClr val="accent2">
-                    <a:lumMod val="75000"/>
-                  </a:schemeClr>
-                </a:solidFill>
-                <a:latin typeface="Arial" charset="0"/>
-              </a:rPr>
-              <a:t> </a:t>
-            </a:r>
-            <a:r>
-              <a:rPr lang="ru-RU" sz="2400" dirty="0" smtClean="0">
-                <a:solidFill>
-                  <a:schemeClr val="accent2">
-                    <a:lumMod val="75000"/>
-                  </a:schemeClr>
-                </a:solidFill>
-                <a:latin typeface="Arial" charset="0"/>
-              </a:rPr>
-              <a:t>и безопасность</a:t>
-            </a:r>
-            <a:endParaRPr lang="en-US" sz="2400" dirty="0">
-              <a:solidFill>
-                <a:schemeClr val="accent2">
-                  <a:lumMod val="75000"/>
-                </a:schemeClr>
-              </a:solidFill>
-              <a:latin typeface="Arial" charset="0"/>
-            </a:endParaRPr>
-          </a:p>
-        </p:txBody>
-      </p:sp>
-      <p:sp>
-        <p:nvSpPr>
-          <p:cNvPr id="23" name="Line 256"/>
-          <p:cNvSpPr>
-            <a:spLocks noChangeShapeType="1"/>
-          </p:cNvSpPr>
-          <p:nvPr/>
-        </p:nvSpPr>
-        <p:spPr bwMode="gray">
-          <a:xfrm>
-            <a:off x="2351661" y="6469986"/>
-            <a:ext cx="4800600" cy="0"/>
-          </a:xfrm>
-          <a:prstGeom prst="line">
-            <a:avLst/>
-          </a:prstGeom>
-          <a:noFill/>
-          <a:ln w="25400">
-            <a:solidFill>
-              <a:schemeClr val="tx2">
-                <a:lumMod val="60000"/>
-                <a:lumOff val="40000"/>
-              </a:schemeClr>
-            </a:solidFill>
-            <a:prstDash val="sysDot"/>
-            <a:round/>
-            <a:headEnd/>
-            <a:tailEnd type="oval" w="med" len="med"/>
-          </a:ln>
-          <a:effectLst/>
-        </p:spPr>
-        <p:txBody>
-          <a:bodyPr wrap="none" anchor="ctr"/>
-          <a:lstStyle/>
-          <a:p>
-            <a:endParaRPr lang="ru-RU">
-              <a:ln>
-                <a:solidFill>
-                  <a:schemeClr val="accent6">
-                    <a:lumMod val="60000"/>
-                    <a:lumOff val="40000"/>
-                  </a:schemeClr>
-                </a:solidFill>
-              </a:ln>
-              <a:solidFill>
-                <a:schemeClr val="bg2">
-                  <a:lumMod val="25000"/>
-                </a:schemeClr>
-              </a:solidFill>
-            </a:endParaRPr>
-          </a:p>
-        </p:txBody>
-      </p:sp>
-      <p:sp>
-        <p:nvSpPr>
-          <p:cNvPr id="44" name="Rectangle 257"/>
-          <p:cNvSpPr>
-            <a:spLocks noChangeArrowheads="1"/>
-          </p:cNvSpPr>
-          <p:nvPr/>
-        </p:nvSpPr>
-        <p:spPr bwMode="gray">
-          <a:xfrm rot="3419336">
-            <a:off x="1995490" y="5893724"/>
-            <a:ext cx="479425" cy="520700"/>
-          </a:xfrm>
-          <a:prstGeom prst="rect">
-            <a:avLst/>
-          </a:prstGeom>
-          <a:gradFill rotWithShape="1">
-            <a:gsLst>
-              <a:gs pos="0">
-                <a:schemeClr val="accent1"/>
-              </a:gs>
-              <a:gs pos="100000">
-                <a:schemeClr val="accent1">
-                  <a:gamma/>
-                  <a:shade val="46275"/>
-                  <a:invGamma/>
-                </a:schemeClr>
-              </a:gs>
-            </a:gsLst>
-            <a:lin ang="5400000" scaled="1"/>
-          </a:gradFill>
-          <a:ln w="9525">
-            <a:miter lim="800000"/>
-            <a:headEnd/>
-            <a:tailEnd/>
-          </a:ln>
-          <a:effectLst/>
-          <a:scene3d>
-            <a:camera prst="legacyPerspectiveFront">
-              <a:rot lat="0" lon="1500000" rev="0"/>
-            </a:camera>
-            <a:lightRig rig="legacyFlat4" dir="b"/>
-          </a:scene3d>
-          <a:sp3d extrusionH="430200" prstMaterial="legacyMatte">
-            <a:bevelT w="13500" h="13500" prst="angle"/>
-            <a:bevelB w="13500" h="13500" prst="angle"/>
-            <a:extrusionClr>
-              <a:schemeClr val="accent1"/>
-            </a:extrusionClr>
-          </a:sp3d>
-        </p:spPr>
-        <p:txBody>
-          <a:bodyPr wrap="none" anchor="ctr">
-            <a:flatTx/>
-          </a:bodyPr>
-          <a:lstStyle/>
-          <a:p>
-            <a:endParaRPr lang="ru-RU">
-              <a:solidFill>
-                <a:srgbClr val="FF0000"/>
-              </a:solidFill>
-            </a:endParaRPr>
-          </a:p>
-        </p:txBody>
-      </p:sp>
-      <p:sp>
-        <p:nvSpPr>
-          <p:cNvPr id="45" name="Text Box 258"/>
-          <p:cNvSpPr txBox="1">
-            <a:spLocks noChangeArrowheads="1"/>
-          </p:cNvSpPr>
-          <p:nvPr/>
-        </p:nvSpPr>
-        <p:spPr bwMode="gray">
-          <a:xfrm>
-            <a:off x="3117867" y="5888734"/>
-            <a:ext cx="1928670" cy="461665"/>
-          </a:xfrm>
-          <a:prstGeom prst="rect">
-            <a:avLst/>
-          </a:prstGeom>
-          <a:noFill/>
-          <a:ln w="9525" algn="ctr">
-            <a:noFill/>
-            <a:miter lim="800000"/>
-            <a:headEnd/>
-            <a:tailEnd/>
-          </a:ln>
-          <a:effectLst/>
-        </p:spPr>
-        <p:txBody>
-          <a:bodyPr wrap="none">
-            <a:spAutoFit/>
-          </a:bodyPr>
-          <a:lstStyle/>
-          <a:p>
-            <a:pPr eaLnBrk="0" hangingPunct="0"/>
-            <a:r>
-              <a:rPr lang="ru-RU" sz="2400" dirty="0" smtClean="0">
-                <a:solidFill>
-                  <a:schemeClr val="accent2">
-                    <a:lumMod val="75000"/>
-                  </a:schemeClr>
-                </a:solidFill>
-                <a:latin typeface="Arial" charset="0"/>
-              </a:rPr>
-              <a:t>Заключение</a:t>
-            </a:r>
-            <a:endParaRPr lang="en-US" sz="2400" dirty="0">
-              <a:solidFill>
-                <a:schemeClr val="accent2">
-                  <a:lumMod val="75000"/>
-                </a:schemeClr>
-              </a:solidFill>
-              <a:latin typeface="Arial" charset="0"/>
-            </a:endParaRPr>
-          </a:p>
-        </p:txBody>
-      </p:sp>
-      <p:sp>
-        <p:nvSpPr>
           <p:cNvPr id="46" name="Text Box 259"/>
           <p:cNvSpPr txBox="1">
             <a:spLocks noChangeArrowheads="1"/>
@@ -8161,7 +8074,7 @@
         </p:nvSpPr>
         <p:spPr bwMode="gray">
           <a:xfrm>
-            <a:off x="2121973" y="5936586"/>
+            <a:off x="2063938" y="5391328"/>
             <a:ext cx="356188" cy="461665"/>
           </a:xfrm>
           <a:prstGeom prst="rect">
@@ -8262,7 +8175,7 @@
         </p:nvSpPr>
         <p:spPr>
           <a:xfrm>
-            <a:off x="1169876" y="188640"/>
+            <a:off x="1169876" y="0"/>
             <a:ext cx="6804248" cy="1150897"/>
           </a:xfrm>
         </p:spPr>
@@ -8272,7 +8185,11 @@
           <a:p>
             <a:r>
               <a:rPr lang="ru-RU" dirty="0" smtClean="0"/>
-              <a:t>Что пошло не так?</a:t>
+              <a:t>Что не </a:t>
+            </a:r>
+            <a:r>
+              <a:rPr lang="ru-RU" dirty="0" smtClean="0"/>
+              <a:t>так?</a:t>
             </a:r>
             <a:endParaRPr lang="ru-RU" dirty="0"/>
           </a:p>
@@ -8385,9 +8302,17 @@
           </a:xfrm>
         </p:spPr>
         <p:txBody>
-          <a:bodyPr/>
+          <a:bodyPr>
+            <a:normAutofit fontScale="70000" lnSpcReduction="20000"/>
+          </a:bodyPr>
           <a:lstStyle/>
           <a:p>
+            <a:r>
+              <a:rPr lang="ru-RU" dirty="0"/>
+              <a:t>Нелегальный перехват заключается в шпионаже за пользователями сети. Злоумышленник может получить информацию о посещаемых сайтах, программах, которые работают на компьютере жертвы и используют сеть, отлавливать данные, получаемые и отправляемые пользователем, в частности, логинах и паролях, передаваемых в незашифрованном виде.</a:t>
+            </a:r>
+          </a:p>
+          <a:p>
             <a:endParaRPr lang="ru-RU" dirty="0"/>
           </a:p>
         </p:txBody>
@@ -8404,14 +8329,20 @@
         </p:nvSpPr>
         <p:spPr>
           <a:xfrm>
-            <a:off x="1619672" y="188640"/>
+            <a:off x="1169876" y="0"/>
             <a:ext cx="6804248" cy="1150897"/>
           </a:xfrm>
         </p:spPr>
         <p:txBody>
-          <a:bodyPr/>
+          <a:bodyPr>
+            <a:normAutofit fontScale="90000"/>
+          </a:bodyPr>
           <a:lstStyle/>
           <a:p>
+            <a:r>
+              <a:rPr lang="ru-RU" dirty="0" smtClean="0"/>
+              <a:t>Нелегальный перехват. </a:t>
+            </a:r>
             <a:r>
               <a:rPr lang="ru-RU" dirty="0" err="1" smtClean="0"/>
               <a:t>Сниффинг</a:t>
@@ -8483,6 +8414,13 @@
       </p:transition>
     </mc:Fallback>
   </mc:AlternateContent>
+  <p:timing>
+    <p:tnLst>
+      <p:par>
+        <p:cTn id="1" dur="indefinite" restart="never" nodeType="tmRoot"/>
+      </p:par>
+    </p:tnLst>
+  </p:timing>
 </p:sld>
 </file>
 
@@ -8513,12 +8451,21 @@
             <p:ph idx="1"/>
           </p:nvPr>
         </p:nvSpPr>
-        <p:spPr/>
+        <p:spPr>
+          <a:xfrm>
+            <a:off x="179512" y="2060848"/>
+            <a:ext cx="8784976" cy="4104456"/>
+          </a:xfrm>
+        </p:spPr>
         <p:txBody>
           <a:bodyPr/>
           <a:lstStyle/>
           <a:p>
-            <a:endParaRPr lang="ru-RU"/>
+            <a:pPr lvl="0"/>
+            <a:r>
+              <a:rPr lang="ru-RU" dirty="0"/>
+              <a:t>Нелицензированное ПО или ПО с закрытым исходным кодом (Мы не знаем заранее, что туда встроено)</a:t>
+            </a:r>
           </a:p>
         </p:txBody>
       </p:sp>
@@ -8532,12 +8479,21 @@
             <p:ph type="title"/>
           </p:nvPr>
         </p:nvSpPr>
-        <p:spPr/>
+        <p:spPr>
+          <a:xfrm>
+            <a:off x="1169876" y="0"/>
+            <a:ext cx="6804248" cy="1150897"/>
+          </a:xfrm>
+        </p:spPr>
         <p:txBody>
           <a:bodyPr/>
           <a:lstStyle/>
           <a:p>
-            <a:endParaRPr lang="ru-RU"/>
+            <a:r>
+              <a:rPr lang="ru-RU" dirty="0" smtClean="0"/>
+              <a:t>Источники угроз</a:t>
+            </a:r>
+            <a:endParaRPr lang="ru-RU" dirty="0"/>
           </a:p>
         </p:txBody>
       </p:sp>
@@ -8563,6 +8519,13 @@
       </p:transition>
     </mc:Fallback>
   </mc:AlternateContent>
+  <p:timing>
+    <p:tnLst>
+      <p:par>
+        <p:cTn id="1" dur="indefinite" restart="never" nodeType="tmRoot"/>
+      </p:par>
+    </p:tnLst>
+  </p:timing>
 </p:sld>
 </file>
 
@@ -8595,6 +8558,1002 @@
         </p:nvSpPr>
         <p:spPr>
           <a:xfrm>
+            <a:off x="179512" y="1700808"/>
+            <a:ext cx="8784976" cy="4464496"/>
+          </a:xfrm>
+        </p:spPr>
+        <p:txBody>
+          <a:bodyPr/>
+          <a:lstStyle/>
+          <a:p>
+            <a:r>
+              <a:rPr lang="ru-RU" dirty="0"/>
+              <a:t>Драйвера на устройства (для их установки зачастую требуются повышенные права, а это потенциальный доступ для </a:t>
+            </a:r>
+            <a:r>
+              <a:rPr lang="ru-RU" dirty="0" smtClean="0"/>
+              <a:t>закладок, в частности, существуют опасность </a:t>
+            </a:r>
+            <a:r>
+              <a:rPr lang="ru-RU" dirty="0" err="1" smtClean="0"/>
+              <a:t>логирования</a:t>
+            </a:r>
+            <a:r>
+              <a:rPr lang="ru-RU" dirty="0" smtClean="0"/>
+              <a:t> клавиатуры с последующей отправкой злоумышленнику) </a:t>
+            </a:r>
+            <a:endParaRPr lang="ru-RU" dirty="0"/>
+          </a:p>
+          <a:p>
+            <a:endParaRPr lang="ru-RU" dirty="0"/>
+          </a:p>
+        </p:txBody>
+      </p:sp>
+      <p:sp>
+        <p:nvSpPr>
+          <p:cNvPr id="6" name="Заголовок 2"/>
+          <p:cNvSpPr txBox="1">
+            <a:spLocks/>
+          </p:cNvSpPr>
+          <p:nvPr/>
+        </p:nvSpPr>
+        <p:spPr>
+          <a:xfrm>
+            <a:off x="1169876" y="0"/>
+            <a:ext cx="6804248" cy="1150897"/>
+          </a:xfrm>
+          <a:prstGeom prst="rect">
+            <a:avLst/>
+          </a:prstGeom>
+        </p:spPr>
+        <p:txBody>
+          <a:bodyPr vert="horz" lIns="91440" tIns="45720" rIns="91440" bIns="45720" rtlCol="0" anchor="ctr">
+            <a:normAutofit/>
+          </a:bodyPr>
+          <a:lstStyle>
+            <a:lvl1pPr algn="ctr" defTabSz="914400" rtl="0" eaLnBrk="1" latinLnBrk="0" hangingPunct="1">
+              <a:spcBef>
+                <a:spcPct val="0"/>
+              </a:spcBef>
+              <a:buNone/>
+              <a:defRPr sz="4400" kern="1200">
+                <a:solidFill>
+                  <a:schemeClr val="accent2">
+                    <a:lumMod val="20000"/>
+                    <a:lumOff val="80000"/>
+                  </a:schemeClr>
+                </a:solidFill>
+                <a:effectLst>
+                  <a:outerShdw blurRad="38100" dist="38100" dir="2700000" algn="tl">
+                    <a:srgbClr val="000000">
+                      <a:alpha val="43137"/>
+                    </a:srgbClr>
+                  </a:outerShdw>
+                </a:effectLst>
+                <a:latin typeface="+mj-lt"/>
+                <a:ea typeface="+mj-ea"/>
+                <a:cs typeface="+mj-cs"/>
+              </a:defRPr>
+            </a:lvl1pPr>
+          </a:lstStyle>
+          <a:p>
+            <a:r>
+              <a:rPr lang="ru-RU" dirty="0" smtClean="0"/>
+              <a:t>Источники угроз</a:t>
+            </a:r>
+            <a:endParaRPr lang="ru-RU" dirty="0"/>
+          </a:p>
+        </p:txBody>
+      </p:sp>
+    </p:spTree>
+    <p:extLst>
+      <p:ext uri="{BB962C8B-B14F-4D97-AF65-F5344CB8AC3E}">
+        <p14:creationId xmlns:p14="http://schemas.microsoft.com/office/powerpoint/2010/main" val="4168306425"/>
+      </p:ext>
+    </p:extLst>
+  </p:cSld>
+  <p:clrMapOvr>
+    <a:masterClrMapping/>
+  </p:clrMapOvr>
+  <mc:AlternateContent xmlns:mc="http://schemas.openxmlformats.org/markup-compatibility/2006" xmlns:p14="http://schemas.microsoft.com/office/powerpoint/2010/main">
+    <mc:Choice Requires="p14">
+      <p:transition spd="med" p14:dur="700">
+        <p:fade/>
+      </p:transition>
+    </mc:Choice>
+    <mc:Fallback xmlns="">
+      <p:transition spd="med">
+        <p:fade/>
+      </p:transition>
+    </mc:Fallback>
+  </mc:AlternateContent>
+  <p:timing>
+    <p:tnLst>
+      <p:par>
+        <p:cTn id="1" dur="indefinite" restart="never" nodeType="tmRoot"/>
+      </p:par>
+    </p:tnLst>
+  </p:timing>
+</p:sld>
+</file>
+
+<file path=ppt/slides/slide24.xml><?xml version="1.0" encoding="utf-8"?>
+<p:sld xmlns:a="http://schemas.openxmlformats.org/drawingml/2006/main" xmlns:r="http://schemas.openxmlformats.org/officeDocument/2006/relationships" xmlns:p="http://schemas.openxmlformats.org/presentationml/2006/main">
+  <p:cSld>
+    <p:spTree>
+      <p:nvGrpSpPr>
+        <p:cNvPr id="1" name=""/>
+        <p:cNvGrpSpPr/>
+        <p:nvPr/>
+      </p:nvGrpSpPr>
+      <p:grpSpPr>
+        <a:xfrm>
+          <a:off x="0" y="0"/>
+          <a:ext cx="0" cy="0"/>
+          <a:chOff x="0" y="0"/>
+          <a:chExt cx="0" cy="0"/>
+        </a:xfrm>
+      </p:grpSpPr>
+      <p:sp>
+        <p:nvSpPr>
+          <p:cNvPr id="2" name="Объект 1"/>
+          <p:cNvSpPr>
+            <a:spLocks noGrp="1"/>
+          </p:cNvSpPr>
+          <p:nvPr>
+            <p:ph idx="1"/>
+          </p:nvPr>
+        </p:nvSpPr>
+        <p:spPr/>
+        <p:txBody>
+          <a:bodyPr/>
+          <a:lstStyle/>
+          <a:p>
+            <a:r>
+              <a:rPr lang="ru-RU" dirty="0"/>
+              <a:t>Использование в рабочих проектах сторонних библиотек с закрытым исходным кодом или без проведения проверок.</a:t>
+            </a:r>
+          </a:p>
+          <a:p>
+            <a:endParaRPr lang="ru-RU" dirty="0"/>
+          </a:p>
+        </p:txBody>
+      </p:sp>
+      <p:sp>
+        <p:nvSpPr>
+          <p:cNvPr id="6" name="Заголовок 2"/>
+          <p:cNvSpPr txBox="1">
+            <a:spLocks/>
+          </p:cNvSpPr>
+          <p:nvPr/>
+        </p:nvSpPr>
+        <p:spPr>
+          <a:xfrm>
+            <a:off x="1169876" y="0"/>
+            <a:ext cx="6804248" cy="1150897"/>
+          </a:xfrm>
+          <a:prstGeom prst="rect">
+            <a:avLst/>
+          </a:prstGeom>
+        </p:spPr>
+        <p:txBody>
+          <a:bodyPr vert="horz" lIns="91440" tIns="45720" rIns="91440" bIns="45720" rtlCol="0" anchor="ctr">
+            <a:normAutofit/>
+          </a:bodyPr>
+          <a:lstStyle>
+            <a:lvl1pPr algn="ctr" defTabSz="914400" rtl="0" eaLnBrk="1" latinLnBrk="0" hangingPunct="1">
+              <a:spcBef>
+                <a:spcPct val="0"/>
+              </a:spcBef>
+              <a:buNone/>
+              <a:defRPr sz="4400" kern="1200">
+                <a:solidFill>
+                  <a:schemeClr val="accent2">
+                    <a:lumMod val="20000"/>
+                    <a:lumOff val="80000"/>
+                  </a:schemeClr>
+                </a:solidFill>
+                <a:effectLst>
+                  <a:outerShdw blurRad="38100" dist="38100" dir="2700000" algn="tl">
+                    <a:srgbClr val="000000">
+                      <a:alpha val="43137"/>
+                    </a:srgbClr>
+                  </a:outerShdw>
+                </a:effectLst>
+                <a:latin typeface="+mj-lt"/>
+                <a:ea typeface="+mj-ea"/>
+                <a:cs typeface="+mj-cs"/>
+              </a:defRPr>
+            </a:lvl1pPr>
+          </a:lstStyle>
+          <a:p>
+            <a:r>
+              <a:rPr lang="ru-RU" dirty="0" smtClean="0"/>
+              <a:t>Источники угроз</a:t>
+            </a:r>
+            <a:endParaRPr lang="ru-RU" dirty="0"/>
+          </a:p>
+        </p:txBody>
+      </p:sp>
+    </p:spTree>
+    <p:extLst>
+      <p:ext uri="{BB962C8B-B14F-4D97-AF65-F5344CB8AC3E}">
+        <p14:creationId xmlns:p14="http://schemas.microsoft.com/office/powerpoint/2010/main" val="316942774"/>
+      </p:ext>
+    </p:extLst>
+  </p:cSld>
+  <p:clrMapOvr>
+    <a:masterClrMapping/>
+  </p:clrMapOvr>
+  <mc:AlternateContent xmlns:mc="http://schemas.openxmlformats.org/markup-compatibility/2006" xmlns:p14="http://schemas.microsoft.com/office/powerpoint/2010/main">
+    <mc:Choice Requires="p14">
+      <p:transition spd="med" p14:dur="700">
+        <p:fade/>
+      </p:transition>
+    </mc:Choice>
+    <mc:Fallback xmlns="">
+      <p:transition spd="med">
+        <p:fade/>
+      </p:transition>
+    </mc:Fallback>
+  </mc:AlternateContent>
+  <p:timing>
+    <p:tnLst>
+      <p:par>
+        <p:cTn id="1" dur="indefinite" restart="never" nodeType="tmRoot"/>
+      </p:par>
+    </p:tnLst>
+  </p:timing>
+</p:sld>
+</file>
+
+<file path=ppt/slides/slide25.xml><?xml version="1.0" encoding="utf-8"?>
+<p:sld xmlns:a="http://schemas.openxmlformats.org/drawingml/2006/main" xmlns:r="http://schemas.openxmlformats.org/officeDocument/2006/relationships" xmlns:p="http://schemas.openxmlformats.org/presentationml/2006/main">
+  <p:cSld>
+    <p:spTree>
+      <p:nvGrpSpPr>
+        <p:cNvPr id="1" name=""/>
+        <p:cNvGrpSpPr/>
+        <p:nvPr/>
+      </p:nvGrpSpPr>
+      <p:grpSpPr>
+        <a:xfrm>
+          <a:off x="0" y="0"/>
+          <a:ext cx="0" cy="0"/>
+          <a:chOff x="0" y="0"/>
+          <a:chExt cx="0" cy="0"/>
+        </a:xfrm>
+      </p:grpSpPr>
+      <p:sp>
+        <p:nvSpPr>
+          <p:cNvPr id="2" name="Объект 1"/>
+          <p:cNvSpPr>
+            <a:spLocks noGrp="1"/>
+          </p:cNvSpPr>
+          <p:nvPr>
+            <p:ph idx="1"/>
+          </p:nvPr>
+        </p:nvSpPr>
+        <p:spPr>
+          <a:xfrm>
+            <a:off x="3131840" y="1737512"/>
+            <a:ext cx="5688632" cy="4176464"/>
+          </a:xfrm>
+        </p:spPr>
+        <p:txBody>
+          <a:bodyPr/>
+          <a:lstStyle/>
+          <a:p>
+            <a:r>
+              <a:rPr lang="ru-RU" dirty="0" smtClean="0"/>
+              <a:t>Непрерывное развёртывание и тестирование</a:t>
+            </a:r>
+            <a:endParaRPr lang="ru-RU" dirty="0"/>
+          </a:p>
+        </p:txBody>
+      </p:sp>
+      <p:sp>
+        <p:nvSpPr>
+          <p:cNvPr id="3" name="Заголовок 2"/>
+          <p:cNvSpPr>
+            <a:spLocks noGrp="1"/>
+          </p:cNvSpPr>
+          <p:nvPr>
+            <p:ph type="title"/>
+          </p:nvPr>
+        </p:nvSpPr>
+        <p:spPr>
+          <a:xfrm>
+            <a:off x="1169876" y="0"/>
+            <a:ext cx="6804248" cy="1150897"/>
+          </a:xfrm>
+        </p:spPr>
+        <p:txBody>
+          <a:bodyPr/>
+          <a:lstStyle/>
+          <a:p>
+            <a:r>
+              <a:rPr lang="ru-RU" dirty="0" err="1">
+                <a:effectLst/>
+              </a:rPr>
+              <a:t>Jenkins</a:t>
+            </a:r>
+            <a:endParaRPr lang="ru-RU" dirty="0">
+              <a:effectLst/>
+            </a:endParaRPr>
+          </a:p>
+        </p:txBody>
+      </p:sp>
+      <p:pic>
+        <p:nvPicPr>
+          <p:cNvPr id="4098" name="Picture 2" descr="File:Jenkins logo.svg - Wikimedia Commons"/>
+          <p:cNvPicPr>
+            <a:picLocks noChangeAspect="1" noChangeArrowheads="1"/>
+          </p:cNvPicPr>
+          <p:nvPr/>
+        </p:nvPicPr>
+        <p:blipFill>
+          <a:blip r:embed="rId2" cstate="print">
+            <a:extLst>
+              <a:ext uri="{28A0092B-C50C-407E-A947-70E740481C1C}">
+                <a14:useLocalDpi xmlns:a14="http://schemas.microsoft.com/office/drawing/2010/main" val="0"/>
+              </a:ext>
+            </a:extLst>
+          </a:blip>
+          <a:srcRect/>
+          <a:stretch>
+            <a:fillRect/>
+          </a:stretch>
+        </p:blipFill>
+        <p:spPr bwMode="auto">
+          <a:xfrm>
+            <a:off x="0" y="1700808"/>
+            <a:ext cx="3347027" cy="4621686"/>
+          </a:xfrm>
+          <a:prstGeom prst="rect">
+            <a:avLst/>
+          </a:prstGeom>
+          <a:noFill/>
+          <a:extLst>
+            <a:ext uri="{909E8E84-426E-40DD-AFC4-6F175D3DCCD1}">
+              <a14:hiddenFill xmlns:a14="http://schemas.microsoft.com/office/drawing/2010/main">
+                <a:solidFill>
+                  <a:srgbClr val="FFFFFF"/>
+                </a:solidFill>
+              </a14:hiddenFill>
+            </a:ext>
+          </a:extLst>
+        </p:spPr>
+      </p:pic>
+      <p:sp>
+        <p:nvSpPr>
+          <p:cNvPr id="4" name="TextBox 3"/>
+          <p:cNvSpPr txBox="1"/>
+          <p:nvPr/>
+        </p:nvSpPr>
+        <p:spPr>
+          <a:xfrm>
+            <a:off x="2339752" y="6263853"/>
+            <a:ext cx="6030625" cy="369332"/>
+          </a:xfrm>
+          <a:prstGeom prst="rect">
+            <a:avLst/>
+          </a:prstGeom>
+          <a:noFill/>
+        </p:spPr>
+        <p:txBody>
+          <a:bodyPr wrap="none" rtlCol="0">
+            <a:spAutoFit/>
+          </a:bodyPr>
+          <a:lstStyle/>
+          <a:p>
+            <a:r>
+              <a:rPr lang="en-US" dirty="0"/>
+              <a:t>https://habr.com/ru/companies/southbridge/articles/691876/</a:t>
+            </a:r>
+            <a:endParaRPr lang="ru-RU" dirty="0"/>
+          </a:p>
+        </p:txBody>
+      </p:sp>
+      <p:pic>
+        <p:nvPicPr>
+          <p:cNvPr id="4100" name="Picture 4" descr="http://qrcoder.ru/code/?https%3A%2F%2Fhabr.com%2Fru%2Fcompanies%2Fsouthbridge%2Farticles%2F691876%2F&amp;10&amp;0"/>
+          <p:cNvPicPr>
+            <a:picLocks noChangeAspect="1" noChangeArrowheads="1"/>
+          </p:cNvPicPr>
+          <p:nvPr/>
+        </p:nvPicPr>
+        <p:blipFill>
+          <a:blip r:embed="rId3">
+            <a:extLst>
+              <a:ext uri="{28A0092B-C50C-407E-A947-70E740481C1C}">
+                <a14:useLocalDpi xmlns:a14="http://schemas.microsoft.com/office/drawing/2010/main" val="0"/>
+              </a:ext>
+            </a:extLst>
+          </a:blip>
+          <a:srcRect/>
+          <a:stretch>
+            <a:fillRect/>
+          </a:stretch>
+        </p:blipFill>
+        <p:spPr bwMode="auto">
+          <a:xfrm>
+            <a:off x="4860032" y="2708920"/>
+            <a:ext cx="2736304" cy="2736305"/>
+          </a:xfrm>
+          <a:prstGeom prst="rect">
+            <a:avLst/>
+          </a:prstGeom>
+          <a:noFill/>
+          <a:extLst>
+            <a:ext uri="{909E8E84-426E-40DD-AFC4-6F175D3DCCD1}">
+              <a14:hiddenFill xmlns:a14="http://schemas.microsoft.com/office/drawing/2010/main">
+                <a:solidFill>
+                  <a:srgbClr val="FFFFFF"/>
+                </a:solidFill>
+              </a14:hiddenFill>
+            </a:ext>
+          </a:extLst>
+        </p:spPr>
+      </p:pic>
+    </p:spTree>
+    <p:extLst>
+      <p:ext uri="{BB962C8B-B14F-4D97-AF65-F5344CB8AC3E}">
+        <p14:creationId xmlns:p14="http://schemas.microsoft.com/office/powerpoint/2010/main" val="84658435"/>
+      </p:ext>
+    </p:extLst>
+  </p:cSld>
+  <p:clrMapOvr>
+    <a:masterClrMapping/>
+  </p:clrMapOvr>
+  <mc:AlternateContent xmlns:mc="http://schemas.openxmlformats.org/markup-compatibility/2006" xmlns:p14="http://schemas.microsoft.com/office/powerpoint/2010/main">
+    <mc:Choice Requires="p14">
+      <p:transition spd="med" p14:dur="700">
+        <p:fade/>
+      </p:transition>
+    </mc:Choice>
+    <mc:Fallback xmlns="">
+      <p:transition spd="med">
+        <p:fade/>
+      </p:transition>
+    </mc:Fallback>
+  </mc:AlternateContent>
+  <p:timing>
+    <p:tnLst>
+      <p:par>
+        <p:cTn id="1" dur="indefinite" restart="never" nodeType="tmRoot"/>
+      </p:par>
+    </p:tnLst>
+  </p:timing>
+</p:sld>
+</file>
+
+<file path=ppt/slides/slide26.xml><?xml version="1.0" encoding="utf-8"?>
+<p:sld xmlns:a="http://schemas.openxmlformats.org/drawingml/2006/main" xmlns:r="http://schemas.openxmlformats.org/officeDocument/2006/relationships" xmlns:p="http://schemas.openxmlformats.org/presentationml/2006/main">
+  <p:cSld>
+    <p:spTree>
+      <p:nvGrpSpPr>
+        <p:cNvPr id="1" name=""/>
+        <p:cNvGrpSpPr/>
+        <p:nvPr/>
+      </p:nvGrpSpPr>
+      <p:grpSpPr>
+        <a:xfrm>
+          <a:off x="0" y="0"/>
+          <a:ext cx="0" cy="0"/>
+          <a:chOff x="0" y="0"/>
+          <a:chExt cx="0" cy="0"/>
+        </a:xfrm>
+      </p:grpSpPr>
+      <p:pic>
+        <p:nvPicPr>
+          <p:cNvPr id="3074" name="Picture 2" descr="Build &amp; Push Docker Image using Jenkins Pipeline | Devops Integration Live  Example Step By Step - YouTube"/>
+          <p:cNvPicPr>
+            <a:picLocks noChangeAspect="1" noChangeArrowheads="1"/>
+          </p:cNvPicPr>
+          <p:nvPr/>
+        </p:nvPicPr>
+        <p:blipFill>
+          <a:blip r:embed="rId2">
+            <a:extLst>
+              <a:ext uri="{28A0092B-C50C-407E-A947-70E740481C1C}">
+                <a14:useLocalDpi xmlns:a14="http://schemas.microsoft.com/office/drawing/2010/main" val="0"/>
+              </a:ext>
+            </a:extLst>
+          </a:blip>
+          <a:srcRect/>
+          <a:stretch>
+            <a:fillRect/>
+          </a:stretch>
+        </p:blipFill>
+        <p:spPr bwMode="auto">
+          <a:xfrm>
+            <a:off x="800828" y="1700808"/>
+            <a:ext cx="7542344" cy="4242569"/>
+          </a:xfrm>
+          <a:prstGeom prst="rect">
+            <a:avLst/>
+          </a:prstGeom>
+          <a:noFill/>
+          <a:extLst>
+            <a:ext uri="{909E8E84-426E-40DD-AFC4-6F175D3DCCD1}">
+              <a14:hiddenFill xmlns:a14="http://schemas.microsoft.com/office/drawing/2010/main">
+                <a:solidFill>
+                  <a:srgbClr val="FFFFFF"/>
+                </a:solidFill>
+              </a14:hiddenFill>
+            </a:ext>
+          </a:extLst>
+        </p:spPr>
+      </p:pic>
+      <p:sp>
+        <p:nvSpPr>
+          <p:cNvPr id="4" name="TextBox 3"/>
+          <p:cNvSpPr txBox="1"/>
+          <p:nvPr/>
+        </p:nvSpPr>
+        <p:spPr>
+          <a:xfrm>
+            <a:off x="1046453" y="6023999"/>
+            <a:ext cx="7305654" cy="369332"/>
+          </a:xfrm>
+          <a:prstGeom prst="rect">
+            <a:avLst/>
+          </a:prstGeom>
+          <a:noFill/>
+        </p:spPr>
+        <p:txBody>
+          <a:bodyPr wrap="none" rtlCol="0">
+            <a:spAutoFit/>
+          </a:bodyPr>
+          <a:lstStyle/>
+          <a:p>
+            <a:r>
+              <a:rPr lang="en-US" dirty="0"/>
+              <a:t>https://www.youtube.com/watch?v=PKcGy9oPVXg&amp;ab_channel=JavaTechie</a:t>
+            </a:r>
+            <a:endParaRPr lang="ru-RU" dirty="0"/>
+          </a:p>
+        </p:txBody>
+      </p:sp>
+      <p:sp>
+        <p:nvSpPr>
+          <p:cNvPr id="7" name="Заголовок 2"/>
+          <p:cNvSpPr txBox="1">
+            <a:spLocks/>
+          </p:cNvSpPr>
+          <p:nvPr/>
+        </p:nvSpPr>
+        <p:spPr>
+          <a:xfrm>
+            <a:off x="1169876" y="0"/>
+            <a:ext cx="6804248" cy="1150897"/>
+          </a:xfrm>
+          <a:prstGeom prst="rect">
+            <a:avLst/>
+          </a:prstGeom>
+        </p:spPr>
+        <p:txBody>
+          <a:bodyPr vert="horz" lIns="91440" tIns="45720" rIns="91440" bIns="45720" rtlCol="0" anchor="ctr">
+            <a:normAutofit/>
+          </a:bodyPr>
+          <a:lstStyle>
+            <a:lvl1pPr algn="ctr" defTabSz="914400" rtl="0" eaLnBrk="1" latinLnBrk="0" hangingPunct="1">
+              <a:spcBef>
+                <a:spcPct val="0"/>
+              </a:spcBef>
+              <a:buNone/>
+              <a:defRPr sz="4400" kern="1200">
+                <a:solidFill>
+                  <a:schemeClr val="accent2">
+                    <a:lumMod val="20000"/>
+                    <a:lumOff val="80000"/>
+                  </a:schemeClr>
+                </a:solidFill>
+                <a:effectLst>
+                  <a:outerShdw blurRad="38100" dist="38100" dir="2700000" algn="tl">
+                    <a:srgbClr val="000000">
+                      <a:alpha val="43137"/>
+                    </a:srgbClr>
+                  </a:outerShdw>
+                </a:effectLst>
+                <a:latin typeface="+mj-lt"/>
+                <a:ea typeface="+mj-ea"/>
+                <a:cs typeface="+mj-cs"/>
+              </a:defRPr>
+            </a:lvl1pPr>
+          </a:lstStyle>
+          <a:p>
+            <a:r>
+              <a:rPr lang="ru-RU" smtClean="0">
+                <a:effectLst/>
+              </a:rPr>
+              <a:t>Jenkins</a:t>
+            </a:r>
+            <a:endParaRPr lang="ru-RU" dirty="0">
+              <a:effectLst/>
+            </a:endParaRPr>
+          </a:p>
+        </p:txBody>
+      </p:sp>
+    </p:spTree>
+    <p:extLst>
+      <p:ext uri="{BB962C8B-B14F-4D97-AF65-F5344CB8AC3E}">
+        <p14:creationId xmlns:p14="http://schemas.microsoft.com/office/powerpoint/2010/main" val="808079858"/>
+      </p:ext>
+    </p:extLst>
+  </p:cSld>
+  <p:clrMapOvr>
+    <a:masterClrMapping/>
+  </p:clrMapOvr>
+  <mc:AlternateContent xmlns:mc="http://schemas.openxmlformats.org/markup-compatibility/2006" xmlns:p14="http://schemas.microsoft.com/office/powerpoint/2010/main">
+    <mc:Choice Requires="p14">
+      <p:transition spd="med" p14:dur="700">
+        <p:fade/>
+      </p:transition>
+    </mc:Choice>
+    <mc:Fallback xmlns="">
+      <p:transition spd="med">
+        <p:fade/>
+      </p:transition>
+    </mc:Fallback>
+  </mc:AlternateContent>
+  <p:timing>
+    <p:tnLst>
+      <p:par>
+        <p:cTn id="1" dur="indefinite" restart="never" nodeType="tmRoot"/>
+      </p:par>
+    </p:tnLst>
+  </p:timing>
+</p:sld>
+</file>
+
+<file path=ppt/slides/slide27.xml><?xml version="1.0" encoding="utf-8"?>
+<p:sld xmlns:a="http://schemas.openxmlformats.org/drawingml/2006/main" xmlns:r="http://schemas.openxmlformats.org/officeDocument/2006/relationships" xmlns:p="http://schemas.openxmlformats.org/presentationml/2006/main">
+  <p:cSld>
+    <p:spTree>
+      <p:nvGrpSpPr>
+        <p:cNvPr id="1" name=""/>
+        <p:cNvGrpSpPr/>
+        <p:nvPr/>
+      </p:nvGrpSpPr>
+      <p:grpSpPr>
+        <a:xfrm>
+          <a:off x="0" y="0"/>
+          <a:ext cx="0" cy="0"/>
+          <a:chOff x="0" y="0"/>
+          <a:chExt cx="0" cy="0"/>
+        </a:xfrm>
+      </p:grpSpPr>
+      <p:sp>
+        <p:nvSpPr>
+          <p:cNvPr id="2" name="Объект 1"/>
+          <p:cNvSpPr>
+            <a:spLocks noGrp="1"/>
+          </p:cNvSpPr>
+          <p:nvPr>
+            <p:ph idx="1"/>
+          </p:nvPr>
+        </p:nvSpPr>
+        <p:spPr>
+          <a:xfrm>
+            <a:off x="179512" y="1844824"/>
+            <a:ext cx="8784976" cy="4320480"/>
+          </a:xfrm>
+        </p:spPr>
+        <p:txBody>
+          <a:bodyPr/>
+          <a:lstStyle/>
+          <a:p>
+            <a:r>
+              <a:rPr lang="ru-RU" dirty="0"/>
+              <a:t>1.Шифрование</a:t>
+            </a:r>
+          </a:p>
+          <a:p>
+            <a:r>
+              <a:rPr lang="ru-RU" dirty="0"/>
+              <a:t>2.Применение так называемых </a:t>
+            </a:r>
+            <a:r>
+              <a:rPr lang="ru-RU" dirty="0" err="1"/>
+              <a:t>антиснифферов</a:t>
+            </a:r>
+            <a:r>
+              <a:rPr lang="ru-RU" dirty="0"/>
+              <a:t> – программные средства, позволяющие выявить перехват трафика</a:t>
+            </a:r>
+            <a:r>
+              <a:rPr lang="ru-RU" dirty="0" smtClean="0"/>
+              <a:t>.</a:t>
+            </a:r>
+          </a:p>
+          <a:p>
+            <a:r>
+              <a:rPr lang="ru-RU" dirty="0"/>
+              <a:t>Используйте криптозащиту совместно с </a:t>
+            </a:r>
+            <a:r>
+              <a:rPr lang="ru-RU" dirty="0" err="1"/>
+              <a:t>антиснифферами</a:t>
+            </a:r>
+            <a:r>
+              <a:rPr lang="ru-RU" dirty="0"/>
+              <a:t>, поскольку шифрование не скрывает сам факт передачи вами информации по сети.</a:t>
+            </a:r>
+          </a:p>
+          <a:p>
+            <a:endParaRPr lang="ru-RU" dirty="0"/>
+          </a:p>
+        </p:txBody>
+      </p:sp>
+      <p:sp>
+        <p:nvSpPr>
+          <p:cNvPr id="3" name="Заголовок 2"/>
+          <p:cNvSpPr>
+            <a:spLocks noGrp="1"/>
+          </p:cNvSpPr>
+          <p:nvPr>
+            <p:ph type="title"/>
+          </p:nvPr>
+        </p:nvSpPr>
+        <p:spPr>
+          <a:xfrm>
+            <a:off x="1169876" y="0"/>
+            <a:ext cx="6804248" cy="1150897"/>
+          </a:xfrm>
+        </p:spPr>
+        <p:txBody>
+          <a:bodyPr/>
+          <a:lstStyle/>
+          <a:p>
+            <a:r>
+              <a:rPr lang="ru-RU" dirty="0" smtClean="0"/>
+              <a:t>Безопасность</a:t>
+            </a:r>
+            <a:endParaRPr lang="ru-RU" dirty="0"/>
+          </a:p>
+        </p:txBody>
+      </p:sp>
+    </p:spTree>
+    <p:extLst>
+      <p:ext uri="{BB962C8B-B14F-4D97-AF65-F5344CB8AC3E}">
+        <p14:creationId xmlns:p14="http://schemas.microsoft.com/office/powerpoint/2010/main" val="469763947"/>
+      </p:ext>
+    </p:extLst>
+  </p:cSld>
+  <p:clrMapOvr>
+    <a:masterClrMapping/>
+  </p:clrMapOvr>
+  <mc:AlternateContent xmlns:mc="http://schemas.openxmlformats.org/markup-compatibility/2006" xmlns:p14="http://schemas.microsoft.com/office/powerpoint/2010/main">
+    <mc:Choice Requires="p14">
+      <p:transition spd="med" p14:dur="700">
+        <p:fade/>
+      </p:transition>
+    </mc:Choice>
+    <mc:Fallback xmlns="">
+      <p:transition spd="med">
+        <p:fade/>
+      </p:transition>
+    </mc:Fallback>
+  </mc:AlternateContent>
+  <p:timing>
+    <p:tnLst>
+      <p:par>
+        <p:cTn id="1" dur="indefinite" restart="never" nodeType="tmRoot"/>
+      </p:par>
+    </p:tnLst>
+  </p:timing>
+</p:sld>
+</file>
+
+<file path=ppt/slides/slide28.xml><?xml version="1.0" encoding="utf-8"?>
+<p:sld xmlns:a="http://schemas.openxmlformats.org/drawingml/2006/main" xmlns:r="http://schemas.openxmlformats.org/officeDocument/2006/relationships" xmlns:p="http://schemas.openxmlformats.org/presentationml/2006/main">
+  <p:cSld>
+    <p:spTree>
+      <p:nvGrpSpPr>
+        <p:cNvPr id="1" name=""/>
+        <p:cNvGrpSpPr/>
+        <p:nvPr/>
+      </p:nvGrpSpPr>
+      <p:grpSpPr>
+        <a:xfrm>
+          <a:off x="0" y="0"/>
+          <a:ext cx="0" cy="0"/>
+          <a:chOff x="0" y="0"/>
+          <a:chExt cx="0" cy="0"/>
+        </a:xfrm>
+      </p:grpSpPr>
+      <p:sp>
+        <p:nvSpPr>
+          <p:cNvPr id="3" name="Заголовок 2"/>
+          <p:cNvSpPr>
+            <a:spLocks noGrp="1"/>
+          </p:cNvSpPr>
+          <p:nvPr>
+            <p:ph type="title"/>
+          </p:nvPr>
+        </p:nvSpPr>
+        <p:spPr>
+          <a:xfrm>
+            <a:off x="1169876" y="0"/>
+            <a:ext cx="6804248" cy="1150897"/>
+          </a:xfrm>
+        </p:spPr>
+        <p:txBody>
+          <a:bodyPr>
+            <a:normAutofit fontScale="90000"/>
+          </a:bodyPr>
+          <a:lstStyle/>
+          <a:p>
+            <a:r>
+              <a:rPr lang="en-US" dirty="0" err="1" smtClean="0"/>
+              <a:t>BPFDoor</a:t>
+            </a:r>
+            <a:r>
+              <a:rPr lang="en-US" dirty="0" smtClean="0"/>
+              <a:t>-Berkley Packet Filter</a:t>
+            </a:r>
+            <a:endParaRPr lang="ru-RU" dirty="0"/>
+          </a:p>
+        </p:txBody>
+      </p:sp>
+      <p:pic>
+        <p:nvPicPr>
+          <p:cNvPr id="4" name="Рисунок 3"/>
+          <p:cNvPicPr>
+            <a:picLocks noChangeAspect="1"/>
+          </p:cNvPicPr>
+          <p:nvPr/>
+        </p:nvPicPr>
+        <p:blipFill>
+          <a:blip r:embed="rId2"/>
+          <a:stretch>
+            <a:fillRect/>
+          </a:stretch>
+        </p:blipFill>
+        <p:spPr>
+          <a:xfrm>
+            <a:off x="5734980" y="2708920"/>
+            <a:ext cx="2933700" cy="2933700"/>
+          </a:xfrm>
+          <a:prstGeom prst="rect">
+            <a:avLst/>
+          </a:prstGeom>
+        </p:spPr>
+      </p:pic>
+      <p:sp>
+        <p:nvSpPr>
+          <p:cNvPr id="5" name="TextBox 4"/>
+          <p:cNvSpPr txBox="1"/>
+          <p:nvPr/>
+        </p:nvSpPr>
+        <p:spPr>
+          <a:xfrm>
+            <a:off x="2339752" y="6237312"/>
+            <a:ext cx="4536504" cy="369332"/>
+          </a:xfrm>
+          <a:prstGeom prst="rect">
+            <a:avLst/>
+          </a:prstGeom>
+          <a:noFill/>
+        </p:spPr>
+        <p:txBody>
+          <a:bodyPr wrap="square" rtlCol="0">
+            <a:spAutoFit/>
+          </a:bodyPr>
+          <a:lstStyle/>
+          <a:p>
+            <a:r>
+              <a:rPr lang="en-US" dirty="0"/>
+              <a:t>https://www.securitylab.ru/news/538255.php</a:t>
+            </a:r>
+            <a:endParaRPr lang="ru-RU" dirty="0"/>
+          </a:p>
+        </p:txBody>
+      </p:sp>
+      <p:pic>
+        <p:nvPicPr>
+          <p:cNvPr id="6146" name="Picture 2" descr="Обнаружен новый вариант Linux-бэкдора BPFDoor — Хакер"/>
+          <p:cNvPicPr>
+            <a:picLocks noChangeAspect="1" noChangeArrowheads="1"/>
+          </p:cNvPicPr>
+          <p:nvPr/>
+        </p:nvPicPr>
+        <p:blipFill>
+          <a:blip r:embed="rId3">
+            <a:extLst>
+              <a:ext uri="{28A0092B-C50C-407E-A947-70E740481C1C}">
+                <a14:useLocalDpi xmlns:a14="http://schemas.microsoft.com/office/drawing/2010/main" val="0"/>
+              </a:ext>
+            </a:extLst>
+          </a:blip>
+          <a:srcRect/>
+          <a:stretch>
+            <a:fillRect/>
+          </a:stretch>
+        </p:blipFill>
+        <p:spPr bwMode="auto">
+          <a:xfrm>
+            <a:off x="467544" y="1656234"/>
+            <a:ext cx="5038055" cy="4283732"/>
+          </a:xfrm>
+          <a:prstGeom prst="rect">
+            <a:avLst/>
+          </a:prstGeom>
+          <a:noFill/>
+          <a:extLst>
+            <a:ext uri="{909E8E84-426E-40DD-AFC4-6F175D3DCCD1}">
+              <a14:hiddenFill xmlns:a14="http://schemas.microsoft.com/office/drawing/2010/main">
+                <a:solidFill>
+                  <a:srgbClr val="FFFFFF"/>
+                </a:solidFill>
+              </a14:hiddenFill>
+            </a:ext>
+          </a:extLst>
+        </p:spPr>
+      </p:pic>
+    </p:spTree>
+    <p:extLst>
+      <p:ext uri="{BB962C8B-B14F-4D97-AF65-F5344CB8AC3E}">
+        <p14:creationId xmlns:p14="http://schemas.microsoft.com/office/powerpoint/2010/main" val="2557721779"/>
+      </p:ext>
+    </p:extLst>
+  </p:cSld>
+  <p:clrMapOvr>
+    <a:masterClrMapping/>
+  </p:clrMapOvr>
+  <mc:AlternateContent xmlns:mc="http://schemas.openxmlformats.org/markup-compatibility/2006" xmlns:p14="http://schemas.microsoft.com/office/powerpoint/2010/main">
+    <mc:Choice Requires="p14">
+      <p:transition spd="med" p14:dur="700">
+        <p:fade/>
+      </p:transition>
+    </mc:Choice>
+    <mc:Fallback xmlns="">
+      <p:transition spd="med">
+        <p:fade/>
+      </p:transition>
+    </mc:Fallback>
+  </mc:AlternateContent>
+  <p:timing>
+    <p:tnLst>
+      <p:par>
+        <p:cTn id="1" dur="indefinite" restart="never" nodeType="tmRoot"/>
+      </p:par>
+    </p:tnLst>
+  </p:timing>
+</p:sld>
+</file>
+
+<file path=ppt/slides/slide29.xml><?xml version="1.0" encoding="utf-8"?>
+<p:sld xmlns:a="http://schemas.openxmlformats.org/drawingml/2006/main" xmlns:r="http://schemas.openxmlformats.org/officeDocument/2006/relationships" xmlns:p="http://schemas.openxmlformats.org/presentationml/2006/main">
+  <p:cSld>
+    <p:spTree>
+      <p:nvGrpSpPr>
+        <p:cNvPr id="1" name=""/>
+        <p:cNvGrpSpPr/>
+        <p:nvPr/>
+      </p:nvGrpSpPr>
+      <p:grpSpPr>
+        <a:xfrm>
+          <a:off x="0" y="0"/>
+          <a:ext cx="0" cy="0"/>
+          <a:chOff x="0" y="0"/>
+          <a:chExt cx="0" cy="0"/>
+        </a:xfrm>
+      </p:grpSpPr>
+      <p:sp>
+        <p:nvSpPr>
+          <p:cNvPr id="2" name="Объект 1"/>
+          <p:cNvSpPr>
+            <a:spLocks noGrp="1"/>
+          </p:cNvSpPr>
+          <p:nvPr>
+            <p:ph idx="1"/>
+          </p:nvPr>
+        </p:nvSpPr>
+        <p:spPr>
+          <a:xfrm>
             <a:off x="179512" y="1772816"/>
             <a:ext cx="8784976" cy="4176464"/>
           </a:xfrm>
@@ -8635,7 +9594,7 @@
         </p:nvSpPr>
         <p:spPr>
           <a:xfrm>
-            <a:off x="1619672" y="116632"/>
+            <a:off x="1169876" y="0"/>
             <a:ext cx="6804248" cy="1150897"/>
           </a:xfrm>
         </p:spPr>
@@ -8761,137 +9720,6 @@
     <p:extLst>
       <p:ext uri="{BB962C8B-B14F-4D97-AF65-F5344CB8AC3E}">
         <p14:creationId xmlns:p14="http://schemas.microsoft.com/office/powerpoint/2010/main" val="350582801"/>
-      </p:ext>
-    </p:extLst>
-  </p:cSld>
-  <p:clrMapOvr>
-    <a:masterClrMapping/>
-  </p:clrMapOvr>
-  <mc:AlternateContent xmlns:mc="http://schemas.openxmlformats.org/markup-compatibility/2006" xmlns:p14="http://schemas.microsoft.com/office/powerpoint/2010/main">
-    <mc:Choice Requires="p14">
-      <p:transition spd="med" p14:dur="700">
-        <p:fade/>
-      </p:transition>
-    </mc:Choice>
-    <mc:Fallback xmlns="">
-      <p:transition spd="med">
-        <p:fade/>
-      </p:transition>
-    </mc:Fallback>
-  </mc:AlternateContent>
-</p:sld>
-</file>
-
-<file path=ppt/slides/slide24.xml><?xml version="1.0" encoding="utf-8"?>
-<p:sld xmlns:a="http://schemas.openxmlformats.org/drawingml/2006/main" xmlns:r="http://schemas.openxmlformats.org/officeDocument/2006/relationships" xmlns:p="http://schemas.openxmlformats.org/presentationml/2006/main">
-  <p:cSld>
-    <p:spTree>
-      <p:nvGrpSpPr>
-        <p:cNvPr id="1" name=""/>
-        <p:cNvGrpSpPr/>
-        <p:nvPr/>
-      </p:nvGrpSpPr>
-      <p:grpSpPr>
-        <a:xfrm>
-          <a:off x="0" y="0"/>
-          <a:ext cx="0" cy="0"/>
-          <a:chOff x="0" y="0"/>
-          <a:chExt cx="0" cy="0"/>
-        </a:xfrm>
-      </p:grpSpPr>
-      <p:sp>
-        <p:nvSpPr>
-          <p:cNvPr id="6" name="Объект 5"/>
-          <p:cNvSpPr>
-            <a:spLocks noGrp="1"/>
-          </p:cNvSpPr>
-          <p:nvPr>
-            <p:ph idx="1"/>
-          </p:nvPr>
-        </p:nvSpPr>
-        <p:spPr/>
-        <p:txBody>
-          <a:bodyPr>
-            <a:normAutofit/>
-          </a:bodyPr>
-          <a:lstStyle/>
-          <a:p>
-            <a:r>
-              <a:rPr lang="ru-RU" sz="2400" dirty="0"/>
-              <a:t>Оригинальные шаблоны для презентаций: </a:t>
-            </a:r>
-            <a:r>
-              <a:rPr lang="en-US" sz="2400" dirty="0" smtClean="0"/>
-              <a:t/>
-            </a:r>
-            <a:br>
-              <a:rPr lang="en-US" sz="2400" dirty="0" smtClean="0"/>
-            </a:br>
-            <a:r>
-              <a:rPr lang="ru-RU" sz="2400" dirty="0" smtClean="0">
-                <a:hlinkClick r:id="rId2"/>
-              </a:rPr>
-              <a:t>https</a:t>
-            </a:r>
-            <a:r>
-              <a:rPr lang="ru-RU" sz="2400" dirty="0">
-                <a:hlinkClick r:id="rId2"/>
-              </a:rPr>
-              <a:t>://</a:t>
-            </a:r>
-            <a:r>
-              <a:rPr lang="ru-RU" sz="2400" dirty="0" smtClean="0">
-                <a:hlinkClick r:id="rId2"/>
-              </a:rPr>
-              <a:t>presentation-creation.ru/powerpoint-templates.html</a:t>
-            </a:r>
-            <a:r>
-              <a:rPr lang="en-US" sz="2400" dirty="0"/>
-              <a:t> </a:t>
-            </a:r>
-            <a:endParaRPr lang="ru-RU" sz="2400" dirty="0"/>
-          </a:p>
-          <a:p>
-            <a:r>
-              <a:rPr lang="ru-RU" sz="2400" dirty="0"/>
-              <a:t>Бесплатно и без </a:t>
-            </a:r>
-            <a:r>
-              <a:rPr lang="ru-RU" sz="2400" dirty="0" smtClean="0"/>
-              <a:t>регистрации</a:t>
-            </a:r>
-            <a:endParaRPr lang="ru-RU" sz="2400" dirty="0"/>
-          </a:p>
-        </p:txBody>
-      </p:sp>
-      <p:sp>
-        <p:nvSpPr>
-          <p:cNvPr id="4" name="Заголовок 3"/>
-          <p:cNvSpPr>
-            <a:spLocks noGrp="1"/>
-          </p:cNvSpPr>
-          <p:nvPr>
-            <p:ph type="title"/>
-          </p:nvPr>
-        </p:nvSpPr>
-        <p:spPr>
-          <a:xfrm>
-            <a:off x="1691680" y="228168"/>
-            <a:ext cx="7344816" cy="1150897"/>
-          </a:xfrm>
-        </p:spPr>
-        <p:txBody>
-          <a:bodyPr/>
-          <a:lstStyle/>
-          <a:p>
-            <a:endParaRPr lang="ru-RU"/>
-          </a:p>
-        </p:txBody>
-      </p:sp>
-    </p:spTree>
-    <p:extLst>
-      <p:ext uri="{BB962C8B-B14F-4D97-AF65-F5344CB8AC3E}">
-        <p14:creationId xmlns:p14="http://schemas.microsoft.com/office/powerpoint/2010/main" val="2400859123"/>
       </p:ext>
     </p:extLst>
   </p:cSld>
@@ -8949,7 +9777,7 @@
         </p:nvSpPr>
         <p:spPr>
           <a:xfrm>
-            <a:off x="1475656" y="160338"/>
+            <a:off x="1169876" y="0"/>
             <a:ext cx="6804248" cy="1150897"/>
           </a:xfrm>
         </p:spPr>
@@ -9080,6 +9908,383 @@
     <p:extLst>
       <p:ext uri="{BB962C8B-B14F-4D97-AF65-F5344CB8AC3E}">
         <p14:creationId xmlns:p14="http://schemas.microsoft.com/office/powerpoint/2010/main" val="1512103129"/>
+      </p:ext>
+    </p:extLst>
+  </p:cSld>
+  <p:clrMapOvr>
+    <a:masterClrMapping/>
+  </p:clrMapOvr>
+  <mc:AlternateContent xmlns:mc="http://schemas.openxmlformats.org/markup-compatibility/2006" xmlns:p14="http://schemas.microsoft.com/office/powerpoint/2010/main">
+    <mc:Choice Requires="p14">
+      <p:transition spd="med" p14:dur="700">
+        <p:fade/>
+      </p:transition>
+    </mc:Choice>
+    <mc:Fallback xmlns="">
+      <p:transition spd="med">
+        <p:fade/>
+      </p:transition>
+    </mc:Fallback>
+  </mc:AlternateContent>
+  <p:timing>
+    <p:tnLst>
+      <p:par>
+        <p:cTn id="1" dur="indefinite" restart="never" nodeType="tmRoot"/>
+      </p:par>
+    </p:tnLst>
+  </p:timing>
+</p:sld>
+</file>
+
+<file path=ppt/slides/slide30.xml><?xml version="1.0" encoding="utf-8"?>
+<p:sld xmlns:a="http://schemas.openxmlformats.org/drawingml/2006/main" xmlns:r="http://schemas.openxmlformats.org/officeDocument/2006/relationships" xmlns:p="http://schemas.openxmlformats.org/presentationml/2006/main">
+  <p:cSld>
+    <p:spTree>
+      <p:nvGrpSpPr>
+        <p:cNvPr id="1" name=""/>
+        <p:cNvGrpSpPr/>
+        <p:nvPr/>
+      </p:nvGrpSpPr>
+      <p:grpSpPr>
+        <a:xfrm>
+          <a:off x="0" y="0"/>
+          <a:ext cx="0" cy="0"/>
+          <a:chOff x="0" y="0"/>
+          <a:chExt cx="0" cy="0"/>
+        </a:xfrm>
+      </p:grpSpPr>
+      <p:sp>
+        <p:nvSpPr>
+          <p:cNvPr id="3" name="Заголовок 2"/>
+          <p:cNvSpPr>
+            <a:spLocks noGrp="1"/>
+          </p:cNvSpPr>
+          <p:nvPr>
+            <p:ph type="title"/>
+          </p:nvPr>
+        </p:nvSpPr>
+        <p:spPr>
+          <a:xfrm>
+            <a:off x="1169876" y="0"/>
+            <a:ext cx="6804248" cy="1150897"/>
+          </a:xfrm>
+        </p:spPr>
+        <p:txBody>
+          <a:bodyPr>
+            <a:normAutofit fontScale="90000"/>
+          </a:bodyPr>
+          <a:lstStyle/>
+          <a:p>
+            <a:r>
+              <a:rPr lang="ru-RU" dirty="0" smtClean="0"/>
+              <a:t>Дополнение</a:t>
+            </a:r>
+            <a:r>
+              <a:rPr lang="en-US" dirty="0" smtClean="0"/>
+              <a:t>: </a:t>
+            </a:r>
+            <a:r>
+              <a:rPr lang="ru-RU" dirty="0" smtClean="0"/>
+              <a:t>Как происходит </a:t>
+            </a:r>
+            <a:r>
+              <a:rPr lang="en-US" dirty="0" smtClean="0"/>
+              <a:t>Sniffing</a:t>
+            </a:r>
+            <a:r>
+              <a:rPr lang="ru-RU" dirty="0" smtClean="0"/>
+              <a:t> </a:t>
+            </a:r>
+            <a:r>
+              <a:rPr lang="en-US" dirty="0"/>
+              <a:t>A</a:t>
+            </a:r>
+            <a:r>
+              <a:rPr lang="en-US" dirty="0" smtClean="0"/>
+              <a:t>ttack</a:t>
+            </a:r>
+            <a:endParaRPr lang="ru-RU" dirty="0"/>
+          </a:p>
+        </p:txBody>
+      </p:sp>
+      <p:pic>
+        <p:nvPicPr>
+          <p:cNvPr id="5" name="Рисунок 4"/>
+          <p:cNvPicPr>
+            <a:picLocks noChangeAspect="1"/>
+          </p:cNvPicPr>
+          <p:nvPr/>
+        </p:nvPicPr>
+        <p:blipFill>
+          <a:blip r:embed="rId2"/>
+          <a:stretch>
+            <a:fillRect/>
+          </a:stretch>
+        </p:blipFill>
+        <p:spPr>
+          <a:xfrm>
+            <a:off x="7380312" y="4835059"/>
+            <a:ext cx="1704460" cy="1713384"/>
+          </a:xfrm>
+          <a:prstGeom prst="rect">
+            <a:avLst/>
+          </a:prstGeom>
+        </p:spPr>
+      </p:pic>
+      <p:sp>
+        <p:nvSpPr>
+          <p:cNvPr id="6" name="TextBox 5"/>
+          <p:cNvSpPr txBox="1"/>
+          <p:nvPr/>
+        </p:nvSpPr>
+        <p:spPr>
+          <a:xfrm>
+            <a:off x="971600" y="6179111"/>
+            <a:ext cx="6768752" cy="369332"/>
+          </a:xfrm>
+          <a:prstGeom prst="rect">
+            <a:avLst/>
+          </a:prstGeom>
+          <a:noFill/>
+        </p:spPr>
+        <p:txBody>
+          <a:bodyPr wrap="square" rtlCol="0">
+            <a:spAutoFit/>
+          </a:bodyPr>
+          <a:lstStyle/>
+          <a:p>
+            <a:r>
+              <a:rPr lang="en-US" dirty="0"/>
+              <a:t>https://telegra.ph/Kak-proishodit-Sniffing-Attack-pri-vzlome-03-28</a:t>
+            </a:r>
+            <a:endParaRPr lang="ru-RU" dirty="0"/>
+          </a:p>
+        </p:txBody>
+      </p:sp>
+      <p:pic>
+        <p:nvPicPr>
+          <p:cNvPr id="5122" name="Picture 2" descr="https://www.geeksforgeeks.org/wp-content/uploads/session1.png"/>
+          <p:cNvPicPr>
+            <a:picLocks noChangeAspect="1" noChangeArrowheads="1"/>
+          </p:cNvPicPr>
+          <p:nvPr/>
+        </p:nvPicPr>
+        <p:blipFill>
+          <a:blip r:embed="rId3">
+            <a:extLst>
+              <a:ext uri="{28A0092B-C50C-407E-A947-70E740481C1C}">
+                <a14:useLocalDpi xmlns:a14="http://schemas.microsoft.com/office/drawing/2010/main" val="0"/>
+              </a:ext>
+            </a:extLst>
+          </a:blip>
+          <a:srcRect/>
+          <a:stretch>
+            <a:fillRect/>
+          </a:stretch>
+        </p:blipFill>
+        <p:spPr bwMode="auto">
+          <a:xfrm>
+            <a:off x="16443" y="1618356"/>
+            <a:ext cx="4460833" cy="2818756"/>
+          </a:xfrm>
+          <a:prstGeom prst="rect">
+            <a:avLst/>
+          </a:prstGeom>
+          <a:noFill/>
+          <a:extLst>
+            <a:ext uri="{909E8E84-426E-40DD-AFC4-6F175D3DCCD1}">
+              <a14:hiddenFill xmlns:a14="http://schemas.microsoft.com/office/drawing/2010/main">
+                <a:solidFill>
+                  <a:srgbClr val="FFFFFF"/>
+                </a:solidFill>
+              </a14:hiddenFill>
+            </a:ext>
+          </a:extLst>
+        </p:spPr>
+      </p:pic>
+      <p:pic>
+        <p:nvPicPr>
+          <p:cNvPr id="5124" name="Picture 4" descr="https://www.geeksforgeeks.org/wp-content/uploads/session2.png"/>
+          <p:cNvPicPr>
+            <a:picLocks noChangeAspect="1" noChangeArrowheads="1"/>
+          </p:cNvPicPr>
+          <p:nvPr/>
+        </p:nvPicPr>
+        <p:blipFill>
+          <a:blip r:embed="rId4">
+            <a:extLst>
+              <a:ext uri="{28A0092B-C50C-407E-A947-70E740481C1C}">
+                <a14:useLocalDpi xmlns:a14="http://schemas.microsoft.com/office/drawing/2010/main" val="0"/>
+              </a:ext>
+            </a:extLst>
+          </a:blip>
+          <a:srcRect/>
+          <a:stretch>
+            <a:fillRect/>
+          </a:stretch>
+        </p:blipFill>
+        <p:spPr bwMode="auto">
+          <a:xfrm>
+            <a:off x="4293697" y="1622834"/>
+            <a:ext cx="4791075" cy="2933701"/>
+          </a:xfrm>
+          <a:prstGeom prst="rect">
+            <a:avLst/>
+          </a:prstGeom>
+          <a:noFill/>
+          <a:extLst>
+            <a:ext uri="{909E8E84-426E-40DD-AFC4-6F175D3DCCD1}">
+              <a14:hiddenFill xmlns:a14="http://schemas.microsoft.com/office/drawing/2010/main">
+                <a:solidFill>
+                  <a:srgbClr val="FFFFFF"/>
+                </a:solidFill>
+              </a14:hiddenFill>
+            </a:ext>
+          </a:extLst>
+        </p:spPr>
+      </p:pic>
+    </p:spTree>
+    <p:extLst>
+      <p:ext uri="{BB962C8B-B14F-4D97-AF65-F5344CB8AC3E}">
+        <p14:creationId xmlns:p14="http://schemas.microsoft.com/office/powerpoint/2010/main" val="3755445603"/>
+      </p:ext>
+    </p:extLst>
+  </p:cSld>
+  <p:clrMapOvr>
+    <a:masterClrMapping/>
+  </p:clrMapOvr>
+  <mc:AlternateContent xmlns:mc="http://schemas.openxmlformats.org/markup-compatibility/2006" xmlns:p14="http://schemas.microsoft.com/office/powerpoint/2010/main">
+    <mc:Choice Requires="p14">
+      <p:transition spd="med" p14:dur="700">
+        <p:fade/>
+      </p:transition>
+    </mc:Choice>
+    <mc:Fallback xmlns="">
+      <p:transition spd="med">
+        <p:fade/>
+      </p:transition>
+    </mc:Fallback>
+  </mc:AlternateContent>
+  <p:timing>
+    <p:tnLst>
+      <p:par>
+        <p:cTn id="1" dur="indefinite" restart="never" nodeType="tmRoot"/>
+      </p:par>
+    </p:tnLst>
+  </p:timing>
+</p:sld>
+</file>
+
+<file path=ppt/slides/slide31.xml><?xml version="1.0" encoding="utf-8"?>
+<p:sld xmlns:a="http://schemas.openxmlformats.org/drawingml/2006/main" xmlns:r="http://schemas.openxmlformats.org/officeDocument/2006/relationships" xmlns:p="http://schemas.openxmlformats.org/presentationml/2006/main">
+  <p:cSld>
+    <p:spTree>
+      <p:nvGrpSpPr>
+        <p:cNvPr id="1" name=""/>
+        <p:cNvGrpSpPr/>
+        <p:nvPr/>
+      </p:nvGrpSpPr>
+      <p:grpSpPr>
+        <a:xfrm>
+          <a:off x="0" y="0"/>
+          <a:ext cx="0" cy="0"/>
+          <a:chOff x="0" y="0"/>
+          <a:chExt cx="0" cy="0"/>
+        </a:xfrm>
+      </p:grpSpPr>
+      <p:sp>
+        <p:nvSpPr>
+          <p:cNvPr id="6" name="Объект 5"/>
+          <p:cNvSpPr>
+            <a:spLocks noGrp="1"/>
+          </p:cNvSpPr>
+          <p:nvPr>
+            <p:ph idx="1"/>
+          </p:nvPr>
+        </p:nvSpPr>
+        <p:spPr/>
+        <p:txBody>
+          <a:bodyPr>
+            <a:normAutofit/>
+          </a:bodyPr>
+          <a:lstStyle/>
+          <a:p>
+            <a:r>
+              <a:rPr lang="ru-RU" sz="2400" dirty="0"/>
+              <a:t>Оригинальные шаблоны для презентаций: </a:t>
+            </a:r>
+            <a:r>
+              <a:rPr lang="en-US" sz="2400" dirty="0" smtClean="0"/>
+              <a:t/>
+            </a:r>
+            <a:br>
+              <a:rPr lang="en-US" sz="2400" dirty="0" smtClean="0"/>
+            </a:br>
+            <a:r>
+              <a:rPr lang="ru-RU" sz="2400" dirty="0" smtClean="0">
+                <a:hlinkClick r:id="rId2"/>
+              </a:rPr>
+              <a:t>https</a:t>
+            </a:r>
+            <a:r>
+              <a:rPr lang="ru-RU" sz="2400" dirty="0">
+                <a:hlinkClick r:id="rId2"/>
+              </a:rPr>
+              <a:t>://</a:t>
+            </a:r>
+            <a:r>
+              <a:rPr lang="ru-RU" sz="2400" dirty="0" smtClean="0">
+                <a:hlinkClick r:id="rId2"/>
+              </a:rPr>
+              <a:t>presentation-creation.ru/powerpoint-templates.html</a:t>
+            </a:r>
+            <a:r>
+              <a:rPr lang="en-US" sz="2400" dirty="0"/>
+              <a:t> </a:t>
+            </a:r>
+            <a:endParaRPr lang="ru-RU" sz="2400" dirty="0"/>
+          </a:p>
+          <a:p>
+            <a:r>
+              <a:rPr lang="ru-RU" sz="2400" dirty="0"/>
+              <a:t>Бесплатно и без </a:t>
+            </a:r>
+            <a:r>
+              <a:rPr lang="ru-RU" sz="2400" dirty="0" smtClean="0"/>
+              <a:t>регистрации</a:t>
+            </a:r>
+            <a:endParaRPr lang="ru-RU" sz="2400" dirty="0"/>
+          </a:p>
+        </p:txBody>
+      </p:sp>
+      <p:sp>
+        <p:nvSpPr>
+          <p:cNvPr id="4" name="Заголовок 3"/>
+          <p:cNvSpPr>
+            <a:spLocks noGrp="1"/>
+          </p:cNvSpPr>
+          <p:nvPr>
+            <p:ph type="title"/>
+          </p:nvPr>
+        </p:nvSpPr>
+        <p:spPr>
+          <a:xfrm>
+            <a:off x="1691680" y="228168"/>
+            <a:ext cx="7344816" cy="1150897"/>
+          </a:xfrm>
+        </p:spPr>
+        <p:txBody>
+          <a:bodyPr/>
+          <a:lstStyle/>
+          <a:p>
+            <a:endParaRPr lang="ru-RU" dirty="0"/>
+          </a:p>
+        </p:txBody>
+      </p:sp>
+    </p:spTree>
+    <p:extLst>
+      <p:ext uri="{BB962C8B-B14F-4D97-AF65-F5344CB8AC3E}">
+        <p14:creationId xmlns:p14="http://schemas.microsoft.com/office/powerpoint/2010/main" val="2400859123"/>
       </p:ext>
     </p:extLst>
   </p:cSld>
@@ -9137,7 +10342,7 @@
         </p:nvSpPr>
         <p:spPr>
           <a:xfrm>
-            <a:off x="1835696" y="188640"/>
+            <a:off x="2339752" y="0"/>
             <a:ext cx="6804248" cy="1150897"/>
           </a:xfrm>
         </p:spPr>
@@ -9289,7 +10494,7 @@
         </p:nvSpPr>
         <p:spPr>
           <a:xfrm>
-            <a:off x="1691680" y="116632"/>
+            <a:off x="1169876" y="0"/>
             <a:ext cx="6804248" cy="1150897"/>
           </a:xfrm>
         </p:spPr>
@@ -9424,46 +10629,27 @@
       </p:grpSpPr>
       <p:sp>
         <p:nvSpPr>
-          <p:cNvPr id="2" name="Объект 1"/>
+          <p:cNvPr id="3" name="Заголовок 2"/>
           <p:cNvSpPr>
             <a:spLocks noGrp="1"/>
           </p:cNvSpPr>
           <p:nvPr>
-            <p:ph idx="1"/>
-          </p:nvPr>
-        </p:nvSpPr>
-        <p:spPr/>
+            <p:ph type="title"/>
+          </p:nvPr>
+        </p:nvSpPr>
+        <p:spPr>
+          <a:xfrm>
+            <a:off x="1169876" y="0"/>
+            <a:ext cx="6804248" cy="1150897"/>
+          </a:xfrm>
+        </p:spPr>
         <p:txBody>
           <a:bodyPr/>
           <a:lstStyle/>
           <a:p>
-            <a:endParaRPr lang="ru-RU"/>
-          </a:p>
-        </p:txBody>
-      </p:sp>
-      <p:sp>
-        <p:nvSpPr>
-          <p:cNvPr id="3" name="Заголовок 2"/>
-          <p:cNvSpPr>
-            <a:spLocks noGrp="1"/>
-          </p:cNvSpPr>
-          <p:nvPr>
-            <p:ph type="title"/>
-          </p:nvPr>
-        </p:nvSpPr>
-        <p:spPr>
-          <a:xfrm>
-            <a:off x="1763688" y="145788"/>
-            <a:ext cx="6804248" cy="1150897"/>
-          </a:xfrm>
-        </p:spPr>
-        <p:txBody>
-          <a:bodyPr/>
-          <a:lstStyle/>
-          <a:p>
             <a:r>
               <a:rPr lang="ru-RU" dirty="0" smtClean="0"/>
-              <a:t>Контроль</a:t>
+              <a:t>Сбор статистики</a:t>
             </a:r>
             <a:endParaRPr lang="ru-RU" dirty="0"/>
           </a:p>
@@ -9471,7 +10657,7 @@
       </p:sp>
       <p:pic>
         <p:nvPicPr>
-          <p:cNvPr id="6146" name="Picture 2" descr="Как контролировать сотрудников?"/>
+          <p:cNvPr id="4100" name="Picture 4" descr="Статистика для диссертаций по медицине . Как использовать статистику при  написании?"/>
           <p:cNvPicPr>
             <a:picLocks noChangeAspect="1" noChangeArrowheads="1"/>
           </p:cNvPicPr>
@@ -9492,8 +10678,8 @@
         </p:blipFill>
         <p:spPr bwMode="auto">
           <a:xfrm>
-            <a:off x="0" y="1755427"/>
-            <a:ext cx="9153832" cy="4430266"/>
+            <a:off x="1259632" y="1628800"/>
+            <a:ext cx="6840760" cy="4556864"/>
           </a:xfrm>
           <a:prstGeom prst="rect">
             <a:avLst/>
@@ -9513,7 +10699,7 @@
     </p:spTree>
     <p:extLst>
       <p:ext uri="{BB962C8B-B14F-4D97-AF65-F5344CB8AC3E}">
-        <p14:creationId xmlns:p14="http://schemas.microsoft.com/office/powerpoint/2010/main" val="582833962"/>
+        <p14:creationId xmlns:p14="http://schemas.microsoft.com/office/powerpoint/2010/main" val="710519667"/>
       </p:ext>
     </p:extLst>
   </p:cSld>
@@ -9571,17 +10757,23 @@
         </p:nvSpPr>
         <p:spPr>
           <a:xfrm>
-            <a:off x="1603011" y="116632"/>
+            <a:off x="1169876" y="0"/>
             <a:ext cx="6804248" cy="1150897"/>
           </a:xfrm>
         </p:spPr>
         <p:txBody>
-          <a:bodyPr/>
+          <a:bodyPr>
+            <a:normAutofit/>
+          </a:bodyPr>
           <a:lstStyle/>
           <a:p>
             <a:r>
               <a:rPr lang="ru-RU" dirty="0" smtClean="0"/>
-              <a:t>Статистика</a:t>
+              <a:t>Борьба с </a:t>
+            </a:r>
+            <a:r>
+              <a:rPr lang="ru-RU" dirty="0" err="1" smtClean="0"/>
+              <a:t>парсингом</a:t>
             </a:r>
             <a:endParaRPr lang="ru-RU" dirty="0"/>
           </a:p>
@@ -9589,7 +10781,7 @@
       </p:sp>
       <p:pic>
         <p:nvPicPr>
-          <p:cNvPr id="4100" name="Picture 4" descr="Статистика для диссертаций по медицине . Как использовать статистику при  написании?"/>
+          <p:cNvPr id="7170" name="Picture 2" descr="Как пользоваться программами для парсинга контента и товаров, что такое  парсер сайта"/>
           <p:cNvPicPr>
             <a:picLocks noChangeAspect="1" noChangeArrowheads="1"/>
           </p:cNvPicPr>
@@ -9610,8 +10802,8 @@
         </p:blipFill>
         <p:spPr bwMode="auto">
           <a:xfrm>
-            <a:off x="1259632" y="1628800"/>
-            <a:ext cx="6840760" cy="4556864"/>
+            <a:off x="395536" y="1844824"/>
+            <a:ext cx="8382591" cy="4387763"/>
           </a:xfrm>
           <a:prstGeom prst="rect">
             <a:avLst/>
@@ -9631,7 +10823,7 @@
     </p:spTree>
     <p:extLst>
       <p:ext uri="{BB962C8B-B14F-4D97-AF65-F5344CB8AC3E}">
-        <p14:creationId xmlns:p14="http://schemas.microsoft.com/office/powerpoint/2010/main" val="710519667"/>
+        <p14:creationId xmlns:p14="http://schemas.microsoft.com/office/powerpoint/2010/main" val="1150192581"/>
       </p:ext>
     </p:extLst>
   </p:cSld>
@@ -9679,6 +10871,25 @@
       </p:grpSpPr>
       <p:sp>
         <p:nvSpPr>
+          <p:cNvPr id="2" name="Объект 1"/>
+          <p:cNvSpPr>
+            <a:spLocks noGrp="1"/>
+          </p:cNvSpPr>
+          <p:nvPr>
+            <p:ph idx="1"/>
+          </p:nvPr>
+        </p:nvSpPr>
+        <p:spPr/>
+        <p:txBody>
+          <a:bodyPr/>
+          <a:lstStyle/>
+          <a:p>
+            <a:endParaRPr lang="ru-RU"/>
+          </a:p>
+        </p:txBody>
+      </p:sp>
+      <p:sp>
+        <p:nvSpPr>
           <p:cNvPr id="3" name="Заголовок 2"/>
           <p:cNvSpPr>
             <a:spLocks noGrp="1"/>
@@ -9689,23 +10900,17 @@
         </p:nvSpPr>
         <p:spPr>
           <a:xfrm>
-            <a:off x="1547664" y="116632"/>
+            <a:off x="1169876" y="0"/>
             <a:ext cx="6804248" cy="1150897"/>
           </a:xfrm>
         </p:spPr>
         <p:txBody>
-          <a:bodyPr>
-            <a:normAutofit/>
-          </a:bodyPr>
+          <a:bodyPr/>
           <a:lstStyle/>
           <a:p>
             <a:r>
               <a:rPr lang="ru-RU" dirty="0" smtClean="0"/>
-              <a:t>Борьба с </a:t>
-            </a:r>
-            <a:r>
-              <a:rPr lang="ru-RU" dirty="0" err="1" smtClean="0"/>
-              <a:t>парсингом</a:t>
+              <a:t>Контроль</a:t>
             </a:r>
             <a:endParaRPr lang="ru-RU" dirty="0"/>
           </a:p>
@@ -9713,7 +10918,7 @@
       </p:sp>
       <p:pic>
         <p:nvPicPr>
-          <p:cNvPr id="7170" name="Picture 2" descr="Как пользоваться программами для парсинга контента и товаров, что такое  парсер сайта"/>
+          <p:cNvPr id="6146" name="Picture 2" descr="Как контролировать сотрудников?"/>
           <p:cNvPicPr>
             <a:picLocks noChangeAspect="1" noChangeArrowheads="1"/>
           </p:cNvPicPr>
@@ -9734,8 +10939,8 @@
         </p:blipFill>
         <p:spPr bwMode="auto">
           <a:xfrm>
-            <a:off x="395536" y="1844824"/>
-            <a:ext cx="8382591" cy="4387763"/>
+            <a:off x="0" y="1755427"/>
+            <a:ext cx="9153832" cy="4430266"/>
           </a:xfrm>
           <a:prstGeom prst="rect">
             <a:avLst/>
@@ -9755,7 +10960,7 @@
     </p:spTree>
     <p:extLst>
       <p:ext uri="{BB962C8B-B14F-4D97-AF65-F5344CB8AC3E}">
-        <p14:creationId xmlns:p14="http://schemas.microsoft.com/office/powerpoint/2010/main" val="1150192581"/>
+        <p14:creationId xmlns:p14="http://schemas.microsoft.com/office/powerpoint/2010/main" val="582833962"/>
       </p:ext>
     </p:extLst>
   </p:cSld>
@@ -9813,7 +11018,7 @@
         </p:nvSpPr>
         <p:spPr>
           <a:xfrm>
-            <a:off x="1475656" y="116632"/>
+            <a:off x="1169876" y="0"/>
             <a:ext cx="6804248" cy="1150897"/>
           </a:xfrm>
         </p:spPr>

--- a/Доклад_Снифферы.pptx
+++ b/Доклад_Снифферы.pptx
@@ -258,7 +258,7 @@
           <a:p>
             <a:fld id="{886663A1-BE93-4F19-BCAE-33E954C20B2B}" type="datetimeFigureOut">
               <a:rPr lang="ru-RU" smtClean="0"/>
-              <a:t>17.05.2023</a:t>
+              <a:t>20.05.2023</a:t>
             </a:fld>
             <a:endParaRPr lang="ru-RU"/>
           </a:p>
@@ -423,7 +423,7 @@
           <a:p>
             <a:fld id="{E90C0431-2448-4DC3-AF70-2785FBE2C445}" type="datetimeFigureOut">
               <a:rPr lang="ru-RU" smtClean="0"/>
-              <a:t>17.05.2023</a:t>
+              <a:t>20.05.2023</a:t>
             </a:fld>
             <a:endParaRPr lang="ru-RU"/>
           </a:p>
@@ -910,7 +910,7 @@
             <a:fld id="{A5E48A96-E1BB-4C8F-80B2-32A47A48A9D5}" type="datetimeFigureOut">
               <a:rPr lang="ru-RU" smtClean="0"/>
               <a:pPr/>
-              <a:t>17.05.2023</a:t>
+              <a:t>20.05.2023</a:t>
             </a:fld>
             <a:endParaRPr lang="ru-RU"/>
           </a:p>
@@ -1193,7 +1193,7 @@
             <a:fld id="{A5E48A96-E1BB-4C8F-80B2-32A47A48A9D5}" type="datetimeFigureOut">
               <a:rPr lang="ru-RU" smtClean="0"/>
               <a:pPr/>
-              <a:t>17.05.2023</a:t>
+              <a:t>20.05.2023</a:t>
             </a:fld>
             <a:endParaRPr lang="ru-RU"/>
           </a:p>
@@ -1489,7 +1489,7 @@
             <a:fld id="{A5E48A96-E1BB-4C8F-80B2-32A47A48A9D5}" type="datetimeFigureOut">
               <a:rPr lang="ru-RU" smtClean="0"/>
               <a:pPr/>
-              <a:t>17.05.2023</a:t>
+              <a:t>20.05.2023</a:t>
             </a:fld>
             <a:endParaRPr lang="ru-RU"/>
           </a:p>
@@ -1656,7 +1656,7 @@
             <a:fld id="{A5E48A96-E1BB-4C8F-80B2-32A47A48A9D5}" type="datetimeFigureOut">
               <a:rPr lang="ru-RU" smtClean="0"/>
               <a:pPr/>
-              <a:t>17.05.2023</a:t>
+              <a:t>20.05.2023</a:t>
             </a:fld>
             <a:endParaRPr lang="ru-RU"/>
           </a:p>
@@ -2353,7 +2353,7 @@
             <a:fld id="{A5E48A96-E1BB-4C8F-80B2-32A47A48A9D5}" type="datetimeFigureOut">
               <a:rPr lang="ru-RU" smtClean="0"/>
               <a:pPr/>
-              <a:t>17.05.2023</a:t>
+              <a:t>20.05.2023</a:t>
             </a:fld>
             <a:endParaRPr lang="ru-RU"/>
           </a:p>
@@ -2656,7 +2656,7 @@
             <a:fld id="{A5E48A96-E1BB-4C8F-80B2-32A47A48A9D5}" type="datetimeFigureOut">
               <a:rPr lang="ru-RU" smtClean="0"/>
               <a:pPr/>
-              <a:t>17.05.2023</a:t>
+              <a:t>20.05.2023</a:t>
             </a:fld>
             <a:endParaRPr lang="ru-RU"/>
           </a:p>
@@ -3225,7 +3225,7 @@
             <a:fld id="{A5E48A96-E1BB-4C8F-80B2-32A47A48A9D5}" type="datetimeFigureOut">
               <a:rPr lang="ru-RU" smtClean="0"/>
               <a:pPr/>
-              <a:t>17.05.2023</a:t>
+              <a:t>20.05.2023</a:t>
             </a:fld>
             <a:endParaRPr lang="ru-RU"/>
           </a:p>
@@ -3417,7 +3417,7 @@
             <a:fld id="{A5E48A96-E1BB-4C8F-80B2-32A47A48A9D5}" type="datetimeFigureOut">
               <a:rPr lang="ru-RU" smtClean="0"/>
               <a:pPr/>
-              <a:t>17.05.2023</a:t>
+              <a:t>20.05.2023</a:t>
             </a:fld>
             <a:endParaRPr lang="ru-RU"/>
           </a:p>
@@ -3566,7 +3566,7 @@
             <a:fld id="{A5E48A96-E1BB-4C8F-80B2-32A47A48A9D5}" type="datetimeFigureOut">
               <a:rPr lang="ru-RU" smtClean="0"/>
               <a:pPr/>
-              <a:t>17.05.2023</a:t>
+              <a:t>20.05.2023</a:t>
             </a:fld>
             <a:endParaRPr lang="ru-RU"/>
           </a:p>
@@ -3946,7 +3946,7 @@
             <a:fld id="{A5E48A96-E1BB-4C8F-80B2-32A47A48A9D5}" type="datetimeFigureOut">
               <a:rPr lang="ru-RU" smtClean="0"/>
               <a:pPr/>
-              <a:t>17.05.2023</a:t>
+              <a:t>20.05.2023</a:t>
             </a:fld>
             <a:endParaRPr lang="ru-RU"/>
           </a:p>
@@ -4274,7 +4274,7 @@
             <a:fld id="{A5E48A96-E1BB-4C8F-80B2-32A47A48A9D5}" type="datetimeFigureOut">
               <a:rPr lang="ru-RU" smtClean="0"/>
               <a:pPr/>
-              <a:t>17.05.2023</a:t>
+              <a:t>20.05.2023</a:t>
             </a:fld>
             <a:endParaRPr lang="ru-RU"/>
           </a:p>
@@ -4539,7 +4539,7 @@
             <a:fld id="{A5E48A96-E1BB-4C8F-80B2-32A47A48A9D5}" type="datetimeFigureOut">
               <a:rPr lang="ru-RU" smtClean="0"/>
               <a:pPr/>
-              <a:t>17.05.2023</a:t>
+              <a:t>20.05.2023</a:t>
             </a:fld>
             <a:endParaRPr lang="ru-RU"/>
           </a:p>
@@ -6514,11 +6514,7 @@
             </a:r>
             <a:r>
               <a:rPr lang="ru-RU" dirty="0" smtClean="0"/>
-              <a:t>не </a:t>
-            </a:r>
-            <a:r>
-              <a:rPr lang="ru-RU" dirty="0" smtClean="0"/>
-              <a:t>так?</a:t>
+              <a:t>не так?</a:t>
             </a:r>
             <a:endParaRPr lang="ru-RU" dirty="0"/>
           </a:p>
@@ -8185,11 +8181,7 @@
           <a:p>
             <a:r>
               <a:rPr lang="ru-RU" dirty="0" smtClean="0"/>
-              <a:t>Что не </a:t>
-            </a:r>
-            <a:r>
-              <a:rPr lang="ru-RU" dirty="0" smtClean="0"/>
-              <a:t>так?</a:t>
+              <a:t>Что не так?</a:t>
             </a:r>
             <a:endParaRPr lang="ru-RU" dirty="0"/>
           </a:p>
@@ -9398,30 +9390,6 @@
           </a:p>
         </p:txBody>
       </p:sp>
-      <p:pic>
-        <p:nvPicPr>
-          <p:cNvPr id="4" name="Рисунок 3"/>
-          <p:cNvPicPr>
-            <a:picLocks noChangeAspect="1"/>
-          </p:cNvPicPr>
-          <p:nvPr/>
-        </p:nvPicPr>
-        <p:blipFill>
-          <a:blip r:embed="rId2"/>
-          <a:stretch>
-            <a:fillRect/>
-          </a:stretch>
-        </p:blipFill>
-        <p:spPr>
-          <a:xfrm>
-            <a:off x="5734980" y="2708920"/>
-            <a:ext cx="2933700" cy="2933700"/>
-          </a:xfrm>
-          <a:prstGeom prst="rect">
-            <a:avLst/>
-          </a:prstGeom>
-        </p:spPr>
-      </p:pic>
       <p:sp>
         <p:nvSpPr>
           <p:cNvPr id="5" name="TextBox 4"/>
@@ -9446,7 +9414,7 @@
           <a:p>
             <a:r>
               <a:rPr lang="en-US" dirty="0"/>
-              <a:t>https://www.securitylab.ru/news/538255.php</a:t>
+              <a:t>https://xakep.ru/2023/05/15/new-bpfdoor/</a:t>
             </a:r>
             <a:endParaRPr lang="ru-RU" dirty="0"/>
           </a:p>
@@ -9461,7 +9429,7 @@
           <p:nvPr/>
         </p:nvPicPr>
         <p:blipFill>
-          <a:blip r:embed="rId3">
+          <a:blip r:embed="rId2">
             <a:extLst>
               <a:ext uri="{28A0092B-C50C-407E-A947-70E740481C1C}">
                 <a14:useLocalDpi xmlns:a14="http://schemas.microsoft.com/office/drawing/2010/main" val="0"/>
@@ -9475,7 +9443,7 @@
         </p:blipFill>
         <p:spPr bwMode="auto">
           <a:xfrm>
-            <a:off x="467544" y="1656234"/>
+            <a:off x="1858437" y="1582173"/>
             <a:ext cx="5038055" cy="4283732"/>
           </a:xfrm>
           <a:prstGeom prst="rect">
@@ -9716,6 +9684,36 @@
           </a:extLst>
         </p:spPr>
       </p:pic>
+      <p:sp>
+        <p:nvSpPr>
+          <p:cNvPr id="5" name="TextBox 4"/>
+          <p:cNvSpPr txBox="1"/>
+          <p:nvPr/>
+        </p:nvSpPr>
+        <p:spPr>
+          <a:xfrm>
+            <a:off x="1475656" y="6167148"/>
+            <a:ext cx="4418774" cy="369332"/>
+          </a:xfrm>
+          <a:prstGeom prst="rect">
+            <a:avLst/>
+          </a:prstGeom>
+          <a:noFill/>
+        </p:spPr>
+        <p:txBody>
+          <a:bodyPr wrap="none" rtlCol="0">
+            <a:spAutoFit/>
+          </a:bodyPr>
+          <a:lstStyle/>
+          <a:p>
+            <a:r>
+              <a:rPr lang="en-US" dirty="0"/>
+              <a:t>https://github.com/SkibaSAY/Doclad_Sniffers</a:t>
+            </a:r>
+            <a:endParaRPr lang="ru-RU" dirty="0"/>
+          </a:p>
+        </p:txBody>
+      </p:sp>
     </p:spTree>
     <p:extLst>
       <p:ext uri="{BB962C8B-B14F-4D97-AF65-F5344CB8AC3E}">
